--- a/Slides/Market Basics - Analytics.pptx
+++ b/Slides/Market Basics - Analytics.pptx
@@ -872,6 +872,925 @@
   <dgm:styleLbl name="fgShp">
     <dgm:fillClrLst meth="repeat">
       <a:schemeClr val="accent5">
+        <a:tint val="40000"/>
+      </a:schemeClr>
+    </dgm:fillClrLst>
+    <dgm:linClrLst meth="repeat">
+      <a:schemeClr val="lt1"/>
+    </dgm:linClrLst>
+    <dgm:effectClrLst/>
+    <dgm:txLinClrLst/>
+    <dgm:txFillClrLst meth="repeat">
+      <a:schemeClr val="dk1"/>
+    </dgm:txFillClrLst>
+    <dgm:txEffectClrLst/>
+  </dgm:styleLbl>
+  <dgm:styleLbl name="revTx">
+    <dgm:fillClrLst meth="repeat">
+      <a:schemeClr val="lt1">
+        <a:alpha val="0"/>
+      </a:schemeClr>
+    </dgm:fillClrLst>
+    <dgm:linClrLst meth="repeat">
+      <a:schemeClr val="dk1">
+        <a:alpha val="0"/>
+      </a:schemeClr>
+    </dgm:linClrLst>
+    <dgm:effectClrLst/>
+    <dgm:txLinClrLst/>
+    <dgm:txFillClrLst meth="repeat">
+      <a:schemeClr val="tx1"/>
+    </dgm:txFillClrLst>
+    <dgm:txEffectClrLst/>
+  </dgm:styleLbl>
+</dgm:colorsDef>
+</file>
+
+<file path=ppt/diagrams/colors2.xml><?xml version="1.0" encoding="utf-8"?>
+<dgm:colorsDef xmlns:dgm="http://schemas.openxmlformats.org/drawingml/2006/diagram" xmlns:a="http://schemas.openxmlformats.org/drawingml/2006/main" uniqueId="urn:microsoft.com/office/officeart/2005/8/colors/colorful1">
+  <dgm:title val=""/>
+  <dgm:desc val=""/>
+  <dgm:catLst>
+    <dgm:cat type="colorful" pri="10100"/>
+  </dgm:catLst>
+  <dgm:styleLbl name="node0">
+    <dgm:fillClrLst meth="repeat">
+      <a:schemeClr val="accent1"/>
+    </dgm:fillClrLst>
+    <dgm:linClrLst meth="repeat">
+      <a:schemeClr val="lt1"/>
+    </dgm:linClrLst>
+    <dgm:effectClrLst/>
+    <dgm:txLinClrLst/>
+    <dgm:txFillClrLst/>
+    <dgm:txEffectClrLst/>
+  </dgm:styleLbl>
+  <dgm:styleLbl name="node1">
+    <dgm:fillClrLst meth="repeat">
+      <a:schemeClr val="accent2"/>
+      <a:schemeClr val="accent3"/>
+      <a:schemeClr val="accent4"/>
+      <a:schemeClr val="accent5"/>
+      <a:schemeClr val="accent6"/>
+    </dgm:fillClrLst>
+    <dgm:linClrLst meth="repeat">
+      <a:schemeClr val="lt1"/>
+    </dgm:linClrLst>
+    <dgm:effectClrLst/>
+    <dgm:txLinClrLst/>
+    <dgm:txFillClrLst/>
+    <dgm:txEffectClrLst/>
+  </dgm:styleLbl>
+  <dgm:styleLbl name="alignNode1">
+    <dgm:fillClrLst meth="repeat">
+      <a:schemeClr val="accent2"/>
+      <a:schemeClr val="accent3"/>
+      <a:schemeClr val="accent4"/>
+      <a:schemeClr val="accent5"/>
+      <a:schemeClr val="accent6"/>
+    </dgm:fillClrLst>
+    <dgm:linClrLst meth="repeat">
+      <a:schemeClr val="accent2"/>
+      <a:schemeClr val="accent3"/>
+      <a:schemeClr val="accent4"/>
+      <a:schemeClr val="accent5"/>
+      <a:schemeClr val="accent6"/>
+    </dgm:linClrLst>
+    <dgm:effectClrLst/>
+    <dgm:txLinClrLst/>
+    <dgm:txFillClrLst/>
+    <dgm:txEffectClrLst/>
+  </dgm:styleLbl>
+  <dgm:styleLbl name="lnNode1">
+    <dgm:fillClrLst meth="repeat">
+      <a:schemeClr val="accent2"/>
+      <a:schemeClr val="accent3"/>
+      <a:schemeClr val="accent4"/>
+      <a:schemeClr val="accent5"/>
+      <a:schemeClr val="accent6"/>
+    </dgm:fillClrLst>
+    <dgm:linClrLst meth="repeat">
+      <a:schemeClr val="lt1"/>
+    </dgm:linClrLst>
+    <dgm:effectClrLst/>
+    <dgm:txLinClrLst/>
+    <dgm:txFillClrLst/>
+    <dgm:txEffectClrLst/>
+  </dgm:styleLbl>
+  <dgm:styleLbl name="vennNode1">
+    <dgm:fillClrLst meth="repeat">
+      <a:schemeClr val="accent2">
+        <a:alpha val="50000"/>
+      </a:schemeClr>
+      <a:schemeClr val="accent3">
+        <a:alpha val="50000"/>
+      </a:schemeClr>
+      <a:schemeClr val="accent4">
+        <a:alpha val="50000"/>
+      </a:schemeClr>
+      <a:schemeClr val="accent5">
+        <a:alpha val="50000"/>
+      </a:schemeClr>
+      <a:schemeClr val="accent6">
+        <a:alpha val="50000"/>
+      </a:schemeClr>
+    </dgm:fillClrLst>
+    <dgm:linClrLst meth="repeat">
+      <a:schemeClr val="lt1"/>
+    </dgm:linClrLst>
+    <dgm:effectClrLst/>
+    <dgm:txLinClrLst/>
+    <dgm:txFillClrLst/>
+    <dgm:txEffectClrLst/>
+  </dgm:styleLbl>
+  <dgm:styleLbl name="node2">
+    <dgm:fillClrLst>
+      <a:schemeClr val="accent2"/>
+    </dgm:fillClrLst>
+    <dgm:linClrLst meth="repeat">
+      <a:schemeClr val="lt1"/>
+    </dgm:linClrLst>
+    <dgm:effectClrLst/>
+    <dgm:txLinClrLst/>
+    <dgm:txFillClrLst/>
+    <dgm:txEffectClrLst/>
+  </dgm:styleLbl>
+  <dgm:styleLbl name="node3">
+    <dgm:fillClrLst>
+      <a:schemeClr val="accent3"/>
+    </dgm:fillClrLst>
+    <dgm:linClrLst meth="repeat">
+      <a:schemeClr val="lt1"/>
+    </dgm:linClrLst>
+    <dgm:effectClrLst/>
+    <dgm:txLinClrLst/>
+    <dgm:txFillClrLst/>
+    <dgm:txEffectClrLst/>
+  </dgm:styleLbl>
+  <dgm:styleLbl name="node4">
+    <dgm:fillClrLst>
+      <a:schemeClr val="accent4"/>
+    </dgm:fillClrLst>
+    <dgm:linClrLst meth="repeat">
+      <a:schemeClr val="lt1"/>
+    </dgm:linClrLst>
+    <dgm:effectClrLst/>
+    <dgm:txLinClrLst/>
+    <dgm:txFillClrLst/>
+    <dgm:txEffectClrLst/>
+  </dgm:styleLbl>
+  <dgm:styleLbl name="fgImgPlace1">
+    <dgm:fillClrLst meth="repeat">
+      <a:schemeClr val="accent2">
+        <a:tint val="50000"/>
+      </a:schemeClr>
+      <a:schemeClr val="accent3">
+        <a:tint val="50000"/>
+      </a:schemeClr>
+      <a:schemeClr val="accent4">
+        <a:tint val="50000"/>
+      </a:schemeClr>
+      <a:schemeClr val="accent5">
+        <a:tint val="50000"/>
+      </a:schemeClr>
+      <a:schemeClr val="accent6">
+        <a:tint val="50000"/>
+      </a:schemeClr>
+    </dgm:fillClrLst>
+    <dgm:linClrLst meth="repeat">
+      <a:schemeClr val="lt1"/>
+    </dgm:linClrLst>
+    <dgm:effectClrLst/>
+    <dgm:txLinClrLst/>
+    <dgm:txFillClrLst meth="repeat">
+      <a:schemeClr val="lt1"/>
+    </dgm:txFillClrLst>
+    <dgm:txEffectClrLst/>
+  </dgm:styleLbl>
+  <dgm:styleLbl name="alignImgPlace1">
+    <dgm:fillClrLst>
+      <a:schemeClr val="accent1">
+        <a:tint val="50000"/>
+      </a:schemeClr>
+      <a:schemeClr val="accent2">
+        <a:tint val="20000"/>
+      </a:schemeClr>
+    </dgm:fillClrLst>
+    <dgm:linClrLst meth="repeat">
+      <a:schemeClr val="lt1"/>
+    </dgm:linClrLst>
+    <dgm:effectClrLst/>
+    <dgm:txLinClrLst/>
+    <dgm:txFillClrLst meth="repeat">
+      <a:schemeClr val="lt1"/>
+    </dgm:txFillClrLst>
+    <dgm:txEffectClrLst/>
+  </dgm:styleLbl>
+  <dgm:styleLbl name="bgImgPlace1">
+    <dgm:fillClrLst>
+      <a:schemeClr val="accent1">
+        <a:tint val="50000"/>
+      </a:schemeClr>
+      <a:schemeClr val="accent2">
+        <a:tint val="20000"/>
+      </a:schemeClr>
+    </dgm:fillClrLst>
+    <dgm:linClrLst meth="repeat">
+      <a:schemeClr val="lt1"/>
+    </dgm:linClrLst>
+    <dgm:effectClrLst/>
+    <dgm:txLinClrLst/>
+    <dgm:txFillClrLst meth="repeat">
+      <a:schemeClr val="lt1"/>
+    </dgm:txFillClrLst>
+    <dgm:txEffectClrLst/>
+  </dgm:styleLbl>
+  <dgm:styleLbl name="sibTrans2D1">
+    <dgm:fillClrLst meth="repeat">
+      <a:schemeClr val="accent2"/>
+      <a:schemeClr val="accent3"/>
+      <a:schemeClr val="accent4"/>
+      <a:schemeClr val="accent5"/>
+      <a:schemeClr val="accent6"/>
+    </dgm:fillClrLst>
+    <dgm:linClrLst meth="cycle">
+      <a:schemeClr val="lt1"/>
+    </dgm:linClrLst>
+    <dgm:effectClrLst/>
+    <dgm:txLinClrLst/>
+    <dgm:txFillClrLst/>
+    <dgm:txEffectClrLst/>
+  </dgm:styleLbl>
+  <dgm:styleLbl name="fgSibTrans2D1">
+    <dgm:fillClrLst meth="repeat">
+      <a:schemeClr val="accent2"/>
+      <a:schemeClr val="accent3"/>
+      <a:schemeClr val="accent4"/>
+      <a:schemeClr val="accent5"/>
+      <a:schemeClr val="accent6"/>
+    </dgm:fillClrLst>
+    <dgm:linClrLst meth="cycle">
+      <a:schemeClr val="lt1"/>
+    </dgm:linClrLst>
+    <dgm:effectClrLst/>
+    <dgm:txLinClrLst/>
+    <dgm:txFillClrLst meth="repeat">
+      <a:schemeClr val="lt1"/>
+    </dgm:txFillClrLst>
+    <dgm:txEffectClrLst/>
+  </dgm:styleLbl>
+  <dgm:styleLbl name="bgSibTrans2D1">
+    <dgm:fillClrLst meth="repeat">
+      <a:schemeClr val="accent2"/>
+      <a:schemeClr val="accent3"/>
+      <a:schemeClr val="accent4"/>
+      <a:schemeClr val="accent5"/>
+      <a:schemeClr val="accent6"/>
+    </dgm:fillClrLst>
+    <dgm:linClrLst meth="cycle">
+      <a:schemeClr val="lt1"/>
+    </dgm:linClrLst>
+    <dgm:effectClrLst/>
+    <dgm:txLinClrLst/>
+    <dgm:txFillClrLst meth="repeat">
+      <a:schemeClr val="lt1"/>
+    </dgm:txFillClrLst>
+    <dgm:txEffectClrLst/>
+  </dgm:styleLbl>
+  <dgm:styleLbl name="sibTrans1D1">
+    <dgm:fillClrLst meth="repeat">
+      <a:schemeClr val="accent2"/>
+      <a:schemeClr val="accent3"/>
+      <a:schemeClr val="accent4"/>
+      <a:schemeClr val="accent5"/>
+      <a:schemeClr val="accent6"/>
+    </dgm:fillClrLst>
+    <dgm:linClrLst meth="repeat">
+      <a:schemeClr val="accent2"/>
+      <a:schemeClr val="accent3"/>
+      <a:schemeClr val="accent4"/>
+      <a:schemeClr val="accent5"/>
+      <a:schemeClr val="accent6"/>
+    </dgm:linClrLst>
+    <dgm:effectClrLst/>
+    <dgm:txLinClrLst/>
+    <dgm:txFillClrLst meth="repeat">
+      <a:schemeClr val="tx1"/>
+    </dgm:txFillClrLst>
+    <dgm:txEffectClrLst/>
+  </dgm:styleLbl>
+  <dgm:styleLbl name="callout">
+    <dgm:fillClrLst meth="repeat">
+      <a:schemeClr val="accent2"/>
+    </dgm:fillClrLst>
+    <dgm:linClrLst meth="repeat">
+      <a:schemeClr val="accent2">
+        <a:tint val="50000"/>
+      </a:schemeClr>
+    </dgm:linClrLst>
+    <dgm:effectClrLst/>
+    <dgm:txLinClrLst/>
+    <dgm:txFillClrLst meth="repeat">
+      <a:schemeClr val="tx1"/>
+    </dgm:txFillClrLst>
+    <dgm:txEffectClrLst/>
+  </dgm:styleLbl>
+  <dgm:styleLbl name="asst0">
+    <dgm:fillClrLst meth="repeat">
+      <a:schemeClr val="accent1"/>
+    </dgm:fillClrLst>
+    <dgm:linClrLst meth="repeat">
+      <a:schemeClr val="lt1"/>
+    </dgm:linClrLst>
+    <dgm:effectClrLst/>
+    <dgm:txLinClrLst/>
+    <dgm:txFillClrLst/>
+    <dgm:txEffectClrLst/>
+  </dgm:styleLbl>
+  <dgm:styleLbl name="asst1">
+    <dgm:fillClrLst meth="repeat">
+      <a:schemeClr val="accent2"/>
+    </dgm:fillClrLst>
+    <dgm:linClrLst meth="repeat">
+      <a:schemeClr val="lt1"/>
+    </dgm:linClrLst>
+    <dgm:effectClrLst/>
+    <dgm:txLinClrLst/>
+    <dgm:txFillClrLst/>
+    <dgm:txEffectClrLst/>
+  </dgm:styleLbl>
+  <dgm:styleLbl name="asst2">
+    <dgm:fillClrLst>
+      <a:schemeClr val="accent3"/>
+    </dgm:fillClrLst>
+    <dgm:linClrLst meth="repeat">
+      <a:schemeClr val="lt1"/>
+    </dgm:linClrLst>
+    <dgm:effectClrLst/>
+    <dgm:txLinClrLst/>
+    <dgm:txFillClrLst/>
+    <dgm:txEffectClrLst/>
+  </dgm:styleLbl>
+  <dgm:styleLbl name="asst3">
+    <dgm:fillClrLst>
+      <a:schemeClr val="accent4"/>
+    </dgm:fillClrLst>
+    <dgm:linClrLst meth="repeat">
+      <a:schemeClr val="lt1"/>
+    </dgm:linClrLst>
+    <dgm:effectClrLst/>
+    <dgm:txLinClrLst/>
+    <dgm:txFillClrLst/>
+    <dgm:txEffectClrLst/>
+  </dgm:styleLbl>
+  <dgm:styleLbl name="asst4">
+    <dgm:fillClrLst>
+      <a:schemeClr val="accent5"/>
+    </dgm:fillClrLst>
+    <dgm:linClrLst meth="repeat">
+      <a:schemeClr val="lt1"/>
+    </dgm:linClrLst>
+    <dgm:effectClrLst/>
+    <dgm:txLinClrLst/>
+    <dgm:txFillClrLst/>
+    <dgm:txEffectClrLst/>
+  </dgm:styleLbl>
+  <dgm:styleLbl name="parChTrans2D1">
+    <dgm:fillClrLst meth="repeat">
+      <a:schemeClr val="accent2"/>
+    </dgm:fillClrLst>
+    <dgm:linClrLst meth="repeat">
+      <a:schemeClr val="lt1"/>
+    </dgm:linClrLst>
+    <dgm:effectClrLst/>
+    <dgm:txLinClrLst/>
+    <dgm:txFillClrLst meth="repeat">
+      <a:schemeClr val="lt1"/>
+    </dgm:txFillClrLst>
+    <dgm:txEffectClrLst/>
+  </dgm:styleLbl>
+  <dgm:styleLbl name="parChTrans2D2">
+    <dgm:fillClrLst meth="repeat">
+      <a:schemeClr val="accent3"/>
+    </dgm:fillClrLst>
+    <dgm:linClrLst meth="repeat">
+      <a:schemeClr val="lt1"/>
+    </dgm:linClrLst>
+    <dgm:effectClrLst/>
+    <dgm:txLinClrLst/>
+    <dgm:txFillClrLst/>
+    <dgm:txEffectClrLst/>
+  </dgm:styleLbl>
+  <dgm:styleLbl name="parChTrans2D3">
+    <dgm:fillClrLst meth="repeat">
+      <a:schemeClr val="accent4"/>
+    </dgm:fillClrLst>
+    <dgm:linClrLst meth="repeat">
+      <a:schemeClr val="lt1"/>
+    </dgm:linClrLst>
+    <dgm:effectClrLst/>
+    <dgm:txLinClrLst/>
+    <dgm:txFillClrLst/>
+    <dgm:txEffectClrLst/>
+  </dgm:styleLbl>
+  <dgm:styleLbl name="parChTrans2D4">
+    <dgm:fillClrLst meth="repeat">
+      <a:schemeClr val="accent5"/>
+    </dgm:fillClrLst>
+    <dgm:linClrLst meth="repeat">
+      <a:schemeClr val="lt1"/>
+    </dgm:linClrLst>
+    <dgm:effectClrLst/>
+    <dgm:txLinClrLst/>
+    <dgm:txFillClrLst meth="repeat">
+      <a:schemeClr val="lt1"/>
+    </dgm:txFillClrLst>
+    <dgm:txEffectClrLst/>
+  </dgm:styleLbl>
+  <dgm:styleLbl name="parChTrans1D1">
+    <dgm:fillClrLst meth="repeat">
+      <a:schemeClr val="accent2"/>
+    </dgm:fillClrLst>
+    <dgm:linClrLst meth="repeat">
+      <a:schemeClr val="accent1"/>
+    </dgm:linClrLst>
+    <dgm:effectClrLst/>
+    <dgm:txLinClrLst/>
+    <dgm:txFillClrLst meth="repeat">
+      <a:schemeClr val="tx1"/>
+    </dgm:txFillClrLst>
+    <dgm:txEffectClrLst/>
+  </dgm:styleLbl>
+  <dgm:styleLbl name="parChTrans1D2">
+    <dgm:fillClrLst meth="repeat">
+      <a:schemeClr val="accent3">
+        <a:tint val="90000"/>
+      </a:schemeClr>
+    </dgm:fillClrLst>
+    <dgm:linClrLst meth="repeat">
+      <a:schemeClr val="accent2"/>
+    </dgm:linClrLst>
+    <dgm:effectClrLst/>
+    <dgm:txLinClrLst/>
+    <dgm:txFillClrLst meth="repeat">
+      <a:schemeClr val="tx1"/>
+    </dgm:txFillClrLst>
+    <dgm:txEffectClrLst/>
+  </dgm:styleLbl>
+  <dgm:styleLbl name="parChTrans1D3">
+    <dgm:fillClrLst meth="repeat">
+      <a:schemeClr val="accent4">
+        <a:tint val="70000"/>
+      </a:schemeClr>
+    </dgm:fillClrLst>
+    <dgm:linClrLst meth="repeat">
+      <a:schemeClr val="accent3"/>
+    </dgm:linClrLst>
+    <dgm:effectClrLst/>
+    <dgm:txLinClrLst/>
+    <dgm:txFillClrLst meth="repeat">
+      <a:schemeClr val="tx1"/>
+    </dgm:txFillClrLst>
+    <dgm:txEffectClrLst/>
+  </dgm:styleLbl>
+  <dgm:styleLbl name="parChTrans1D4">
+    <dgm:fillClrLst meth="repeat">
+      <a:schemeClr val="accent5">
+        <a:tint val="50000"/>
+      </a:schemeClr>
+    </dgm:fillClrLst>
+    <dgm:linClrLst meth="repeat">
+      <a:schemeClr val="accent4"/>
+    </dgm:linClrLst>
+    <dgm:effectClrLst/>
+    <dgm:txLinClrLst/>
+    <dgm:txFillClrLst meth="repeat">
+      <a:schemeClr val="tx1"/>
+    </dgm:txFillClrLst>
+    <dgm:txEffectClrLst/>
+  </dgm:styleLbl>
+  <dgm:styleLbl name="fgAcc1">
+    <dgm:fillClrLst meth="repeat">
+      <a:schemeClr val="lt1">
+        <a:alpha val="90000"/>
+      </a:schemeClr>
+    </dgm:fillClrLst>
+    <dgm:linClrLst meth="repeat">
+      <a:schemeClr val="accent2"/>
+      <a:schemeClr val="accent3"/>
+      <a:schemeClr val="accent4"/>
+      <a:schemeClr val="accent5"/>
+      <a:schemeClr val="accent6"/>
+    </dgm:linClrLst>
+    <dgm:effectClrLst/>
+    <dgm:txLinClrLst/>
+    <dgm:txFillClrLst meth="repeat">
+      <a:schemeClr val="dk1"/>
+    </dgm:txFillClrLst>
+    <dgm:txEffectClrLst/>
+  </dgm:styleLbl>
+  <dgm:styleLbl name="conFgAcc1">
+    <dgm:fillClrLst meth="repeat">
+      <a:schemeClr val="lt1">
+        <a:alpha val="90000"/>
+      </a:schemeClr>
+    </dgm:fillClrLst>
+    <dgm:linClrLst meth="repeat">
+      <a:schemeClr val="accent2"/>
+      <a:schemeClr val="accent3"/>
+      <a:schemeClr val="accent4"/>
+      <a:schemeClr val="accent5"/>
+      <a:schemeClr val="accent6"/>
+    </dgm:linClrLst>
+    <dgm:effectClrLst/>
+    <dgm:txLinClrLst/>
+    <dgm:txFillClrLst meth="repeat">
+      <a:schemeClr val="dk1"/>
+    </dgm:txFillClrLst>
+    <dgm:txEffectClrLst/>
+  </dgm:styleLbl>
+  <dgm:styleLbl name="alignAcc1">
+    <dgm:fillClrLst meth="repeat">
+      <a:schemeClr val="lt1">
+        <a:alpha val="90000"/>
+      </a:schemeClr>
+    </dgm:fillClrLst>
+    <dgm:linClrLst meth="repeat">
+      <a:schemeClr val="accent2"/>
+      <a:schemeClr val="accent3"/>
+      <a:schemeClr val="accent4"/>
+      <a:schemeClr val="accent5"/>
+      <a:schemeClr val="accent6"/>
+    </dgm:linClrLst>
+    <dgm:effectClrLst/>
+    <dgm:txLinClrLst/>
+    <dgm:txFillClrLst meth="repeat">
+      <a:schemeClr val="dk1"/>
+    </dgm:txFillClrLst>
+    <dgm:txEffectClrLst/>
+  </dgm:styleLbl>
+  <dgm:styleLbl name="trAlignAcc1">
+    <dgm:fillClrLst meth="repeat">
+      <a:schemeClr val="lt1">
+        <a:alpha val="40000"/>
+      </a:schemeClr>
+    </dgm:fillClrLst>
+    <dgm:linClrLst meth="repeat">
+      <a:schemeClr val="accent1"/>
+    </dgm:linClrLst>
+    <dgm:effectClrLst/>
+    <dgm:txLinClrLst/>
+    <dgm:txFillClrLst meth="repeat">
+      <a:schemeClr val="dk1"/>
+    </dgm:txFillClrLst>
+    <dgm:txEffectClrLst/>
+  </dgm:styleLbl>
+  <dgm:styleLbl name="bgAcc1">
+    <dgm:fillClrLst meth="repeat">
+      <a:schemeClr val="lt1">
+        <a:alpha val="90000"/>
+      </a:schemeClr>
+    </dgm:fillClrLst>
+    <dgm:linClrLst meth="repeat">
+      <a:schemeClr val="accent2"/>
+      <a:schemeClr val="accent3"/>
+      <a:schemeClr val="accent4"/>
+      <a:schemeClr val="accent5"/>
+      <a:schemeClr val="accent6"/>
+    </dgm:linClrLst>
+    <dgm:effectClrLst/>
+    <dgm:txLinClrLst/>
+    <dgm:txFillClrLst meth="repeat">
+      <a:schemeClr val="dk1"/>
+    </dgm:txFillClrLst>
+    <dgm:txEffectClrLst/>
+  </dgm:styleLbl>
+  <dgm:styleLbl name="solidFgAcc1">
+    <dgm:fillClrLst meth="repeat">
+      <a:schemeClr val="lt1"/>
+    </dgm:fillClrLst>
+    <dgm:linClrLst meth="repeat">
+      <a:schemeClr val="accent2"/>
+      <a:schemeClr val="accent3"/>
+      <a:schemeClr val="accent4"/>
+      <a:schemeClr val="accent5"/>
+      <a:schemeClr val="accent6"/>
+    </dgm:linClrLst>
+    <dgm:effectClrLst/>
+    <dgm:txLinClrLst/>
+    <dgm:txFillClrLst meth="repeat">
+      <a:schemeClr val="dk1"/>
+    </dgm:txFillClrLst>
+    <dgm:txEffectClrLst/>
+  </dgm:styleLbl>
+  <dgm:styleLbl name="solidAlignAcc1">
+    <dgm:fillClrLst meth="repeat">
+      <a:schemeClr val="lt1"/>
+    </dgm:fillClrLst>
+    <dgm:linClrLst meth="repeat">
+      <a:schemeClr val="accent2"/>
+      <a:schemeClr val="accent3"/>
+      <a:schemeClr val="accent4"/>
+      <a:schemeClr val="accent5"/>
+      <a:schemeClr val="accent6"/>
+    </dgm:linClrLst>
+    <dgm:effectClrLst/>
+    <dgm:txLinClrLst/>
+    <dgm:txFillClrLst meth="repeat">
+      <a:schemeClr val="dk1"/>
+    </dgm:txFillClrLst>
+    <dgm:txEffectClrLst/>
+  </dgm:styleLbl>
+  <dgm:styleLbl name="solidBgAcc1">
+    <dgm:fillClrLst meth="repeat">
+      <a:schemeClr val="lt1"/>
+    </dgm:fillClrLst>
+    <dgm:linClrLst meth="repeat">
+      <a:schemeClr val="accent2"/>
+      <a:schemeClr val="accent3"/>
+      <a:schemeClr val="accent4"/>
+      <a:schemeClr val="accent5"/>
+      <a:schemeClr val="accent6"/>
+    </dgm:linClrLst>
+    <dgm:effectClrLst/>
+    <dgm:txLinClrLst/>
+    <dgm:txFillClrLst meth="repeat">
+      <a:schemeClr val="dk1"/>
+    </dgm:txFillClrLst>
+    <dgm:txEffectClrLst/>
+  </dgm:styleLbl>
+  <dgm:styleLbl name="fgAccFollowNode1">
+    <dgm:fillClrLst meth="repeat">
+      <a:schemeClr val="accent2">
+        <a:tint val="40000"/>
+        <a:alpha val="90000"/>
+      </a:schemeClr>
+      <a:schemeClr val="accent3">
+        <a:tint val="40000"/>
+        <a:alpha val="90000"/>
+      </a:schemeClr>
+      <a:schemeClr val="accent4">
+        <a:tint val="40000"/>
+        <a:alpha val="90000"/>
+      </a:schemeClr>
+      <a:schemeClr val="accent5">
+        <a:tint val="40000"/>
+        <a:alpha val="90000"/>
+      </a:schemeClr>
+      <a:schemeClr val="accent6">
+        <a:tint val="40000"/>
+        <a:alpha val="90000"/>
+      </a:schemeClr>
+    </dgm:fillClrLst>
+    <dgm:linClrLst meth="repeat">
+      <a:schemeClr val="accent2">
+        <a:tint val="40000"/>
+        <a:alpha val="90000"/>
+      </a:schemeClr>
+      <a:schemeClr val="accent3">
+        <a:tint val="40000"/>
+        <a:alpha val="90000"/>
+      </a:schemeClr>
+      <a:schemeClr val="accent4">
+        <a:tint val="40000"/>
+        <a:alpha val="90000"/>
+      </a:schemeClr>
+      <a:schemeClr val="accent5">
+        <a:tint val="40000"/>
+        <a:alpha val="90000"/>
+      </a:schemeClr>
+      <a:schemeClr val="accent6">
+        <a:tint val="40000"/>
+        <a:alpha val="90000"/>
+      </a:schemeClr>
+    </dgm:linClrLst>
+    <dgm:effectClrLst/>
+    <dgm:txLinClrLst/>
+    <dgm:txFillClrLst meth="repeat">
+      <a:schemeClr val="dk1"/>
+    </dgm:txFillClrLst>
+    <dgm:txEffectClrLst/>
+  </dgm:styleLbl>
+  <dgm:styleLbl name="alignAccFollowNode1">
+    <dgm:fillClrLst meth="repeat">
+      <a:schemeClr val="accent2">
+        <a:tint val="40000"/>
+        <a:alpha val="90000"/>
+      </a:schemeClr>
+      <a:schemeClr val="accent3">
+        <a:tint val="40000"/>
+        <a:alpha val="90000"/>
+      </a:schemeClr>
+      <a:schemeClr val="accent4">
+        <a:tint val="40000"/>
+        <a:alpha val="90000"/>
+      </a:schemeClr>
+      <a:schemeClr val="accent5">
+        <a:tint val="40000"/>
+        <a:alpha val="90000"/>
+      </a:schemeClr>
+      <a:schemeClr val="accent6">
+        <a:tint val="40000"/>
+        <a:alpha val="90000"/>
+      </a:schemeClr>
+    </dgm:fillClrLst>
+    <dgm:linClrLst meth="repeat">
+      <a:schemeClr val="accent2">
+        <a:tint val="40000"/>
+        <a:alpha val="90000"/>
+      </a:schemeClr>
+      <a:schemeClr val="accent3">
+        <a:tint val="40000"/>
+        <a:alpha val="90000"/>
+      </a:schemeClr>
+      <a:schemeClr val="accent4">
+        <a:tint val="40000"/>
+        <a:alpha val="90000"/>
+      </a:schemeClr>
+      <a:schemeClr val="accent5">
+        <a:tint val="40000"/>
+        <a:alpha val="90000"/>
+      </a:schemeClr>
+      <a:schemeClr val="accent6">
+        <a:tint val="40000"/>
+        <a:alpha val="90000"/>
+      </a:schemeClr>
+    </dgm:linClrLst>
+    <dgm:effectClrLst/>
+    <dgm:txLinClrLst/>
+    <dgm:txFillClrLst meth="repeat">
+      <a:schemeClr val="dk1"/>
+    </dgm:txFillClrLst>
+    <dgm:txEffectClrLst/>
+  </dgm:styleLbl>
+  <dgm:styleLbl name="bgAccFollowNode1">
+    <dgm:fillClrLst meth="repeat">
+      <a:schemeClr val="accent2">
+        <a:tint val="40000"/>
+        <a:alpha val="90000"/>
+      </a:schemeClr>
+      <a:schemeClr val="accent3">
+        <a:tint val="40000"/>
+        <a:alpha val="90000"/>
+      </a:schemeClr>
+      <a:schemeClr val="accent4">
+        <a:tint val="40000"/>
+        <a:alpha val="90000"/>
+      </a:schemeClr>
+      <a:schemeClr val="accent5">
+        <a:tint val="40000"/>
+        <a:alpha val="90000"/>
+      </a:schemeClr>
+      <a:schemeClr val="accent6">
+        <a:tint val="40000"/>
+        <a:alpha val="90000"/>
+      </a:schemeClr>
+    </dgm:fillClrLst>
+    <dgm:linClrLst meth="repeat">
+      <a:schemeClr val="accent2">
+        <a:tint val="40000"/>
+        <a:alpha val="90000"/>
+      </a:schemeClr>
+      <a:schemeClr val="accent3">
+        <a:tint val="40000"/>
+        <a:alpha val="90000"/>
+      </a:schemeClr>
+      <a:schemeClr val="accent4">
+        <a:tint val="40000"/>
+        <a:alpha val="90000"/>
+      </a:schemeClr>
+      <a:schemeClr val="accent5">
+        <a:tint val="40000"/>
+        <a:alpha val="90000"/>
+      </a:schemeClr>
+      <a:schemeClr val="accent6">
+        <a:tint val="40000"/>
+        <a:alpha val="90000"/>
+      </a:schemeClr>
+    </dgm:linClrLst>
+    <dgm:effectClrLst/>
+    <dgm:txLinClrLst/>
+    <dgm:txFillClrLst meth="repeat">
+      <a:schemeClr val="dk1"/>
+    </dgm:txFillClrLst>
+    <dgm:txEffectClrLst/>
+  </dgm:styleLbl>
+  <dgm:styleLbl name="fgAcc0">
+    <dgm:fillClrLst meth="repeat">
+      <a:schemeClr val="lt1">
+        <a:alpha val="90000"/>
+      </a:schemeClr>
+    </dgm:fillClrLst>
+    <dgm:linClrLst>
+      <a:schemeClr val="accent1"/>
+    </dgm:linClrLst>
+    <dgm:effectClrLst/>
+    <dgm:txLinClrLst/>
+    <dgm:txFillClrLst meth="repeat">
+      <a:schemeClr val="dk1"/>
+    </dgm:txFillClrLst>
+    <dgm:txEffectClrLst/>
+  </dgm:styleLbl>
+  <dgm:styleLbl name="fgAcc2">
+    <dgm:fillClrLst meth="repeat">
+      <a:schemeClr val="lt1">
+        <a:alpha val="90000"/>
+      </a:schemeClr>
+    </dgm:fillClrLst>
+    <dgm:linClrLst>
+      <a:schemeClr val="accent2"/>
+    </dgm:linClrLst>
+    <dgm:effectClrLst/>
+    <dgm:txLinClrLst/>
+    <dgm:txFillClrLst meth="repeat">
+      <a:schemeClr val="dk1"/>
+    </dgm:txFillClrLst>
+    <dgm:txEffectClrLst/>
+  </dgm:styleLbl>
+  <dgm:styleLbl name="fgAcc3">
+    <dgm:fillClrLst meth="repeat">
+      <a:schemeClr val="lt1">
+        <a:alpha val="90000"/>
+      </a:schemeClr>
+    </dgm:fillClrLst>
+    <dgm:linClrLst>
+      <a:schemeClr val="accent3"/>
+    </dgm:linClrLst>
+    <dgm:effectClrLst/>
+    <dgm:txLinClrLst/>
+    <dgm:txFillClrLst meth="repeat">
+      <a:schemeClr val="dk1"/>
+    </dgm:txFillClrLst>
+    <dgm:txEffectClrLst/>
+  </dgm:styleLbl>
+  <dgm:styleLbl name="fgAcc4">
+    <dgm:fillClrLst meth="repeat">
+      <a:schemeClr val="lt1">
+        <a:alpha val="90000"/>
+      </a:schemeClr>
+    </dgm:fillClrLst>
+    <dgm:linClrLst>
+      <a:schemeClr val="accent4"/>
+    </dgm:linClrLst>
+    <dgm:effectClrLst/>
+    <dgm:txLinClrLst/>
+    <dgm:txFillClrLst meth="repeat">
+      <a:schemeClr val="dk1"/>
+    </dgm:txFillClrLst>
+    <dgm:txEffectClrLst/>
+  </dgm:styleLbl>
+  <dgm:styleLbl name="bgShp">
+    <dgm:fillClrLst meth="repeat">
+      <a:schemeClr val="accent2">
+        <a:tint val="40000"/>
+      </a:schemeClr>
+    </dgm:fillClrLst>
+    <dgm:linClrLst meth="repeat">
+      <a:schemeClr val="dk1"/>
+    </dgm:linClrLst>
+    <dgm:effectClrLst/>
+    <dgm:txLinClrLst/>
+    <dgm:txFillClrLst meth="repeat">
+      <a:schemeClr val="dk1"/>
+    </dgm:txFillClrLst>
+    <dgm:txEffectClrLst/>
+  </dgm:styleLbl>
+  <dgm:styleLbl name="dkBgShp">
+    <dgm:fillClrLst meth="repeat">
+      <a:schemeClr val="accent2">
+        <a:shade val="90000"/>
+      </a:schemeClr>
+    </dgm:fillClrLst>
+    <dgm:linClrLst meth="repeat">
+      <a:schemeClr val="dk1"/>
+    </dgm:linClrLst>
+    <dgm:effectClrLst/>
+    <dgm:txLinClrLst/>
+    <dgm:txFillClrLst meth="repeat">
+      <a:schemeClr val="lt1"/>
+    </dgm:txFillClrLst>
+    <dgm:txEffectClrLst/>
+  </dgm:styleLbl>
+  <dgm:styleLbl name="trBgShp">
+    <dgm:fillClrLst meth="repeat">
+      <a:schemeClr val="accent1">
+        <a:tint val="50000"/>
+        <a:alpha val="40000"/>
+      </a:schemeClr>
+    </dgm:fillClrLst>
+    <dgm:linClrLst meth="repeat">
+      <a:schemeClr val="accent2"/>
+    </dgm:linClrLst>
+    <dgm:effectClrLst/>
+    <dgm:txLinClrLst/>
+    <dgm:txFillClrLst meth="repeat">
+      <a:schemeClr val="lt1"/>
+    </dgm:txFillClrLst>
+    <dgm:txEffectClrLst/>
+  </dgm:styleLbl>
+  <dgm:styleLbl name="fgShp">
+    <dgm:fillClrLst meth="repeat">
+      <a:schemeClr val="accent2">
         <a:tint val="40000"/>
       </a:schemeClr>
     </dgm:fillClrLst>
@@ -1582,6 +2501,1072 @@
     <dgm:cxn modelId="{46A4AC97-C0E8-4329-8457-C98E098CA6CF}" type="presParOf" srcId="{A86B391E-747A-417D-BFA5-977A85E8BAAE}" destId="{3E1588B4-9489-4BE1-88F6-108F44DA8D43}" srcOrd="1" destOrd="0" presId="urn:microsoft.com/office/officeart/2018/2/layout/IconVerticalSolidList"/>
     <dgm:cxn modelId="{FC3F701B-8602-4020-8A0E-BD43A4D104B1}" type="presParOf" srcId="{A86B391E-747A-417D-BFA5-977A85E8BAAE}" destId="{08F4B3BD-C822-4680-AC0F-D9AB68D3F4C0}" srcOrd="2" destOrd="0" presId="urn:microsoft.com/office/officeart/2018/2/layout/IconVerticalSolidList"/>
     <dgm:cxn modelId="{2C8C291F-ABCB-41DF-80B9-FDF6D9C66436}" type="presParOf" srcId="{A86B391E-747A-417D-BFA5-977A85E8BAAE}" destId="{BF25852D-DD2B-430B-B7F0-871A82B49752}" srcOrd="3" destOrd="0" presId="urn:microsoft.com/office/officeart/2018/2/layout/IconVerticalSolidList"/>
+  </dgm:cxnLst>
+  <dgm:bg/>
+  <dgm:whole/>
+  <dgm:extLst>
+    <a:ext uri="http://schemas.microsoft.com/office/drawing/2008/diagram">
+      <dsp:dataModelExt xmlns:dsp="http://schemas.microsoft.com/office/drawing/2008/diagram" relId="rId6" minVer="http://schemas.openxmlformats.org/drawingml/2006/diagram"/>
+    </a:ext>
+  </dgm:extLst>
+</dgm:dataModel>
+</file>
+
+<file path=ppt/diagrams/data2.xml><?xml version="1.0" encoding="utf-8"?>
+<dgm:dataModel xmlns:dgm="http://schemas.openxmlformats.org/drawingml/2006/diagram" xmlns:a="http://schemas.openxmlformats.org/drawingml/2006/main">
+  <dgm:ptLst>
+    <dgm:pt modelId="{CACAAF0D-A102-434E-B614-0BB6D55A9544}" type="doc">
+      <dgm:prSet loTypeId="urn:microsoft.com/office/officeart/2005/8/layout/hList1" loCatId="list" qsTypeId="urn:microsoft.com/office/officeart/2005/8/quickstyle/simple1" qsCatId="simple" csTypeId="urn:microsoft.com/office/officeart/2005/8/colors/colorful1" csCatId="colorful" phldr="1"/>
+      <dgm:spPr/>
+      <dgm:t>
+        <a:bodyPr/>
+        <a:lstStyle/>
+        <a:p>
+          <a:endParaRPr lang="en-US"/>
+        </a:p>
+      </dgm:t>
+    </dgm:pt>
+    <dgm:pt modelId="{E98B4ADD-A827-4F7F-830F-EECCF4B01DF5}">
+      <dgm:prSet/>
+      <dgm:spPr/>
+      <dgm:t>
+        <a:bodyPr/>
+        <a:lstStyle/>
+        <a:p>
+          <a:r>
+            <a:rPr lang="en-US" baseline="0" dirty="0">
+              <a:solidFill>
+                <a:schemeClr val="bg1">
+                  <a:lumMod val="95000"/>
+                </a:schemeClr>
+              </a:solidFill>
+              <a:latin typeface="Smiley Sans Oblique" pitchFamily="2" charset="-122"/>
+              <a:ea typeface="Smiley Sans Oblique" pitchFamily="2" charset="-122"/>
+            </a:rPr>
+            <a:t>Leading Indicators </a:t>
+          </a:r>
+        </a:p>
+        <a:p>
+          <a:r>
+            <a:rPr lang="en-US" baseline="0" dirty="0">
+              <a:solidFill>
+                <a:schemeClr val="bg1">
+                  <a:lumMod val="95000"/>
+                </a:schemeClr>
+              </a:solidFill>
+              <a:latin typeface="Smiley Sans Oblique" pitchFamily="2" charset="-122"/>
+              <a:ea typeface="Smiley Sans Oblique" pitchFamily="2" charset="-122"/>
+            </a:rPr>
+            <a:t>领先指标</a:t>
+          </a:r>
+          <a:endParaRPr lang="en-US" dirty="0">
+            <a:solidFill>
+              <a:schemeClr val="bg1">
+                <a:lumMod val="95000"/>
+              </a:schemeClr>
+            </a:solidFill>
+            <a:latin typeface="Smiley Sans Oblique" pitchFamily="2" charset="-122"/>
+            <a:ea typeface="Smiley Sans Oblique" pitchFamily="2" charset="-122"/>
+          </a:endParaRPr>
+        </a:p>
+      </dgm:t>
+    </dgm:pt>
+    <dgm:pt modelId="{B2D0549E-94D6-46A1-AA5D-0DAD94856421}" type="parTrans" cxnId="{A6C16EB2-DB9E-4637-98B3-F3BBB9F507A6}">
+      <dgm:prSet/>
+      <dgm:spPr/>
+      <dgm:t>
+        <a:bodyPr/>
+        <a:lstStyle/>
+        <a:p>
+          <a:endParaRPr lang="en-US"/>
+        </a:p>
+      </dgm:t>
+    </dgm:pt>
+    <dgm:pt modelId="{9E541CD5-DA9D-4485-8995-3EEC43DE2767}" type="sibTrans" cxnId="{A6C16EB2-DB9E-4637-98B3-F3BBB9F507A6}">
+      <dgm:prSet/>
+      <dgm:spPr/>
+      <dgm:t>
+        <a:bodyPr/>
+        <a:lstStyle/>
+        <a:p>
+          <a:endParaRPr lang="en-US"/>
+        </a:p>
+      </dgm:t>
+    </dgm:pt>
+    <dgm:pt modelId="{565D2103-24CC-4D0F-AA21-FB7210C528EF}">
+      <dgm:prSet/>
+      <dgm:spPr/>
+      <dgm:t>
+        <a:bodyPr/>
+        <a:lstStyle/>
+        <a:p>
+          <a:r>
+            <a:rPr lang="en-US" i="0" baseline="0" dirty="0">
+              <a:solidFill>
+                <a:schemeClr val="tx1">
+                  <a:lumMod val="75000"/>
+                  <a:lumOff val="25000"/>
+                </a:schemeClr>
+              </a:solidFill>
+              <a:latin typeface="Smiley Sans Oblique" pitchFamily="2" charset="-122"/>
+              <a:ea typeface="Smiley Sans Oblique" pitchFamily="2" charset="-122"/>
+            </a:rPr>
+            <a:t>Stock returns 股市回报</a:t>
+          </a:r>
+          <a:endParaRPr lang="en-US" dirty="0">
+            <a:solidFill>
+              <a:schemeClr val="tx1">
+                <a:lumMod val="75000"/>
+                <a:lumOff val="25000"/>
+              </a:schemeClr>
+            </a:solidFill>
+            <a:latin typeface="Smiley Sans Oblique" pitchFamily="2" charset="-122"/>
+            <a:ea typeface="Smiley Sans Oblique" pitchFamily="2" charset="-122"/>
+          </a:endParaRPr>
+        </a:p>
+      </dgm:t>
+    </dgm:pt>
+    <dgm:pt modelId="{DBA7D4C4-79B3-4B18-8E01-0830DA67E340}" type="parTrans" cxnId="{14759BB9-9D5B-499B-AA0D-39B314C7031A}">
+      <dgm:prSet/>
+      <dgm:spPr/>
+      <dgm:t>
+        <a:bodyPr/>
+        <a:lstStyle/>
+        <a:p>
+          <a:endParaRPr lang="en-US"/>
+        </a:p>
+      </dgm:t>
+    </dgm:pt>
+    <dgm:pt modelId="{0088E9C0-FCFF-44D8-8F45-1238699B77BD}" type="sibTrans" cxnId="{14759BB9-9D5B-499B-AA0D-39B314C7031A}">
+      <dgm:prSet/>
+      <dgm:spPr/>
+      <dgm:t>
+        <a:bodyPr/>
+        <a:lstStyle/>
+        <a:p>
+          <a:endParaRPr lang="en-US"/>
+        </a:p>
+      </dgm:t>
+    </dgm:pt>
+    <dgm:pt modelId="{33ED9268-5474-4BFE-88E9-6C9546DEDE4F}">
+      <dgm:prSet/>
+      <dgm:spPr/>
+      <dgm:t>
+        <a:bodyPr/>
+        <a:lstStyle/>
+        <a:p>
+          <a:r>
+            <a:rPr lang="en-US" i="0" baseline="0" dirty="0">
+              <a:solidFill>
+                <a:schemeClr val="tx1">
+                  <a:lumMod val="75000"/>
+                  <a:lumOff val="25000"/>
+                </a:schemeClr>
+              </a:solidFill>
+              <a:latin typeface="Smiley Sans Oblique" pitchFamily="2" charset="-122"/>
+              <a:ea typeface="Smiley Sans Oblique" pitchFamily="2" charset="-122"/>
+            </a:rPr>
+            <a:t>Consumer</a:t>
+          </a:r>
+          <a:r>
+            <a:rPr lang="zh-CN" i="0" baseline="0" dirty="0">
+              <a:solidFill>
+                <a:schemeClr val="tx1">
+                  <a:lumMod val="75000"/>
+                  <a:lumOff val="25000"/>
+                </a:schemeClr>
+              </a:solidFill>
+              <a:latin typeface="Smiley Sans Oblique" pitchFamily="2" charset="-122"/>
+              <a:ea typeface="Smiley Sans Oblique" pitchFamily="2" charset="-122"/>
+            </a:rPr>
+            <a:t> </a:t>
+          </a:r>
+          <a:r>
+            <a:rPr lang="en-US" i="0" baseline="0" dirty="0">
+              <a:solidFill>
+                <a:schemeClr val="tx1">
+                  <a:lumMod val="75000"/>
+                  <a:lumOff val="25000"/>
+                </a:schemeClr>
+              </a:solidFill>
+              <a:latin typeface="Smiley Sans Oblique" pitchFamily="2" charset="-122"/>
+              <a:ea typeface="Smiley Sans Oblique" pitchFamily="2" charset="-122"/>
+            </a:rPr>
+            <a:t>confidence index </a:t>
+          </a:r>
+          <a:r>
+            <a:rPr lang="zh-CN" i="0" baseline="0" dirty="0">
+              <a:solidFill>
+                <a:schemeClr val="tx1">
+                  <a:lumMod val="75000"/>
+                  <a:lumOff val="25000"/>
+                </a:schemeClr>
+              </a:solidFill>
+              <a:latin typeface="Smiley Sans Oblique" pitchFamily="2" charset="-122"/>
+              <a:ea typeface="Smiley Sans Oblique" pitchFamily="2" charset="-122"/>
+            </a:rPr>
+            <a:t>消费者信心</a:t>
+          </a:r>
+          <a:endParaRPr lang="en-US" dirty="0">
+            <a:solidFill>
+              <a:schemeClr val="tx1">
+                <a:lumMod val="75000"/>
+                <a:lumOff val="25000"/>
+              </a:schemeClr>
+            </a:solidFill>
+            <a:latin typeface="Smiley Sans Oblique" pitchFamily="2" charset="-122"/>
+            <a:ea typeface="Smiley Sans Oblique" pitchFamily="2" charset="-122"/>
+          </a:endParaRPr>
+        </a:p>
+      </dgm:t>
+    </dgm:pt>
+    <dgm:pt modelId="{3E7F1DB3-DA19-4394-82E9-E6C692EB8400}" type="parTrans" cxnId="{47BC58A7-7696-4C09-9306-DAFEE6A4D993}">
+      <dgm:prSet/>
+      <dgm:spPr/>
+      <dgm:t>
+        <a:bodyPr/>
+        <a:lstStyle/>
+        <a:p>
+          <a:endParaRPr lang="en-US"/>
+        </a:p>
+      </dgm:t>
+    </dgm:pt>
+    <dgm:pt modelId="{5E516CEB-87E5-473A-8893-8D16D47F321D}" type="sibTrans" cxnId="{47BC58A7-7696-4C09-9306-DAFEE6A4D993}">
+      <dgm:prSet/>
+      <dgm:spPr/>
+      <dgm:t>
+        <a:bodyPr/>
+        <a:lstStyle/>
+        <a:p>
+          <a:endParaRPr lang="en-US"/>
+        </a:p>
+      </dgm:t>
+    </dgm:pt>
+    <dgm:pt modelId="{8A08262F-FAA8-42FA-B7DA-DCBF31D543AA}">
+      <dgm:prSet/>
+      <dgm:spPr/>
+      <dgm:t>
+        <a:bodyPr/>
+        <a:lstStyle/>
+        <a:p>
+          <a:r>
+            <a:rPr lang="en-US" i="0" baseline="0" dirty="0">
+              <a:solidFill>
+                <a:schemeClr val="tx1">
+                  <a:lumMod val="75000"/>
+                  <a:lumOff val="25000"/>
+                </a:schemeClr>
+              </a:solidFill>
+              <a:latin typeface="Smiley Sans Oblique" pitchFamily="2" charset="-122"/>
+              <a:ea typeface="Smiley Sans Oblique" pitchFamily="2" charset="-122"/>
+            </a:rPr>
+            <a:t>Manufacturing</a:t>
+          </a:r>
+          <a:r>
+            <a:rPr lang="zh-CN" i="0" baseline="0" dirty="0">
+              <a:solidFill>
+                <a:schemeClr val="tx1">
+                  <a:lumMod val="75000"/>
+                  <a:lumOff val="25000"/>
+                </a:schemeClr>
+              </a:solidFill>
+              <a:latin typeface="Smiley Sans Oblique" pitchFamily="2" charset="-122"/>
+              <a:ea typeface="Smiley Sans Oblique" pitchFamily="2" charset="-122"/>
+            </a:rPr>
+            <a:t> </a:t>
+          </a:r>
+          <a:r>
+            <a:rPr lang="en-CA" i="0" baseline="0" dirty="0">
+              <a:solidFill>
+                <a:schemeClr val="tx1">
+                  <a:lumMod val="75000"/>
+                  <a:lumOff val="25000"/>
+                </a:schemeClr>
+              </a:solidFill>
+              <a:latin typeface="Smiley Sans Oblique" pitchFamily="2" charset="-122"/>
+              <a:ea typeface="Smiley Sans Oblique" pitchFamily="2" charset="-122"/>
+            </a:rPr>
+            <a:t>activity (PMI) </a:t>
+          </a:r>
+          <a:r>
+            <a:rPr lang="zh-CN" i="0" baseline="0" dirty="0">
+              <a:solidFill>
+                <a:schemeClr val="tx1">
+                  <a:lumMod val="75000"/>
+                  <a:lumOff val="25000"/>
+                </a:schemeClr>
+              </a:solidFill>
+              <a:latin typeface="Smiley Sans Oblique" pitchFamily="2" charset="-122"/>
+              <a:ea typeface="Smiley Sans Oblique" pitchFamily="2" charset="-122"/>
+            </a:rPr>
+            <a:t>制造业活动</a:t>
+          </a:r>
+          <a:endParaRPr lang="en-US" dirty="0">
+            <a:solidFill>
+              <a:schemeClr val="tx1">
+                <a:lumMod val="75000"/>
+                <a:lumOff val="25000"/>
+              </a:schemeClr>
+            </a:solidFill>
+            <a:latin typeface="Smiley Sans Oblique" pitchFamily="2" charset="-122"/>
+            <a:ea typeface="Smiley Sans Oblique" pitchFamily="2" charset="-122"/>
+          </a:endParaRPr>
+        </a:p>
+      </dgm:t>
+    </dgm:pt>
+    <dgm:pt modelId="{A5A4BB81-F5D3-411E-AE1C-DCD1E9B4D012}" type="parTrans" cxnId="{BAFBC16D-5470-4A8D-B5B9-2DB935AAED1C}">
+      <dgm:prSet/>
+      <dgm:spPr/>
+      <dgm:t>
+        <a:bodyPr/>
+        <a:lstStyle/>
+        <a:p>
+          <a:endParaRPr lang="en-US"/>
+        </a:p>
+      </dgm:t>
+    </dgm:pt>
+    <dgm:pt modelId="{B6B7CBF6-49FD-4BAF-B79C-7EBE2C0B51FF}" type="sibTrans" cxnId="{BAFBC16D-5470-4A8D-B5B9-2DB935AAED1C}">
+      <dgm:prSet/>
+      <dgm:spPr/>
+      <dgm:t>
+        <a:bodyPr/>
+        <a:lstStyle/>
+        <a:p>
+          <a:endParaRPr lang="en-US"/>
+        </a:p>
+      </dgm:t>
+    </dgm:pt>
+    <dgm:pt modelId="{ACDC53A7-718B-48FB-8F29-DCD3CE39A6E2}">
+      <dgm:prSet/>
+      <dgm:spPr/>
+      <dgm:t>
+        <a:bodyPr/>
+        <a:lstStyle/>
+        <a:p>
+          <a:r>
+            <a:rPr lang="en-US" baseline="0" dirty="0">
+              <a:solidFill>
+                <a:schemeClr val="bg1">
+                  <a:lumMod val="95000"/>
+                </a:schemeClr>
+              </a:solidFill>
+              <a:latin typeface="Smiley Sans Oblique" pitchFamily="2" charset="-122"/>
+              <a:ea typeface="Smiley Sans Oblique" pitchFamily="2" charset="-122"/>
+            </a:rPr>
+            <a:t>Lagging Indicators</a:t>
+          </a:r>
+          <a:r>
+            <a:rPr lang="zh-CN" baseline="0" dirty="0">
+              <a:solidFill>
+                <a:schemeClr val="bg1">
+                  <a:lumMod val="95000"/>
+                </a:schemeClr>
+              </a:solidFill>
+              <a:latin typeface="Smiley Sans Oblique" pitchFamily="2" charset="-122"/>
+              <a:ea typeface="Smiley Sans Oblique" pitchFamily="2" charset="-122"/>
+            </a:rPr>
+            <a:t> </a:t>
+          </a:r>
+          <a:endParaRPr lang="en-CA" altLang="zh-CN" baseline="0" dirty="0">
+            <a:solidFill>
+              <a:schemeClr val="bg1">
+                <a:lumMod val="95000"/>
+              </a:schemeClr>
+            </a:solidFill>
+            <a:latin typeface="Smiley Sans Oblique" pitchFamily="2" charset="-122"/>
+            <a:ea typeface="Smiley Sans Oblique" pitchFamily="2" charset="-122"/>
+          </a:endParaRPr>
+        </a:p>
+        <a:p>
+          <a:r>
+            <a:rPr lang="zh-CN" baseline="0" dirty="0">
+              <a:solidFill>
+                <a:schemeClr val="bg1">
+                  <a:lumMod val="95000"/>
+                </a:schemeClr>
+              </a:solidFill>
+              <a:latin typeface="Smiley Sans Oblique" pitchFamily="2" charset="-122"/>
+              <a:ea typeface="Smiley Sans Oblique" pitchFamily="2" charset="-122"/>
+            </a:rPr>
+            <a:t>滞后指标</a:t>
+          </a:r>
+          <a:endParaRPr lang="en-US" dirty="0">
+            <a:solidFill>
+              <a:schemeClr val="bg1">
+                <a:lumMod val="95000"/>
+              </a:schemeClr>
+            </a:solidFill>
+            <a:latin typeface="Smiley Sans Oblique" pitchFamily="2" charset="-122"/>
+            <a:ea typeface="Smiley Sans Oblique" pitchFamily="2" charset="-122"/>
+          </a:endParaRPr>
+        </a:p>
+      </dgm:t>
+    </dgm:pt>
+    <dgm:pt modelId="{8CF5FF47-E35B-412F-8832-4BF996C64428}" type="parTrans" cxnId="{5AABAA89-EECD-46A9-ACF2-744ADEC0F09D}">
+      <dgm:prSet/>
+      <dgm:spPr/>
+      <dgm:t>
+        <a:bodyPr/>
+        <a:lstStyle/>
+        <a:p>
+          <a:endParaRPr lang="en-US"/>
+        </a:p>
+      </dgm:t>
+    </dgm:pt>
+    <dgm:pt modelId="{FC14BD46-8A05-43C5-A5E7-B446FC5F2084}" type="sibTrans" cxnId="{5AABAA89-EECD-46A9-ACF2-744ADEC0F09D}">
+      <dgm:prSet/>
+      <dgm:spPr/>
+      <dgm:t>
+        <a:bodyPr/>
+        <a:lstStyle/>
+        <a:p>
+          <a:endParaRPr lang="en-US"/>
+        </a:p>
+      </dgm:t>
+    </dgm:pt>
+    <dgm:pt modelId="{76804C2C-2137-4A18-849A-D8E06367B886}">
+      <dgm:prSet/>
+      <dgm:spPr/>
+      <dgm:t>
+        <a:bodyPr/>
+        <a:lstStyle/>
+        <a:p>
+          <a:r>
+            <a:rPr lang="en-US" i="0" baseline="0" dirty="0">
+              <a:solidFill>
+                <a:schemeClr val="tx1">
+                  <a:lumMod val="75000"/>
+                  <a:lumOff val="25000"/>
+                </a:schemeClr>
+              </a:solidFill>
+              <a:latin typeface="Smiley Sans Oblique" pitchFamily="2" charset="-122"/>
+              <a:ea typeface="Smiley Sans Oblique" pitchFamily="2" charset="-122"/>
+            </a:rPr>
+            <a:t>GDP</a:t>
+          </a:r>
+          <a:r>
+            <a:rPr lang="zh-CN" i="0" baseline="0" dirty="0">
+              <a:solidFill>
+                <a:schemeClr val="tx1">
+                  <a:lumMod val="75000"/>
+                  <a:lumOff val="25000"/>
+                </a:schemeClr>
+              </a:solidFill>
+              <a:latin typeface="Smiley Sans Oblique" pitchFamily="2" charset="-122"/>
+              <a:ea typeface="Smiley Sans Oblique" pitchFamily="2" charset="-122"/>
+            </a:rPr>
+            <a:t> 生产总值</a:t>
+          </a:r>
+          <a:endParaRPr lang="en-US" dirty="0">
+            <a:solidFill>
+              <a:schemeClr val="tx1">
+                <a:lumMod val="75000"/>
+                <a:lumOff val="25000"/>
+              </a:schemeClr>
+            </a:solidFill>
+            <a:latin typeface="Smiley Sans Oblique" pitchFamily="2" charset="-122"/>
+            <a:ea typeface="Smiley Sans Oblique" pitchFamily="2" charset="-122"/>
+          </a:endParaRPr>
+        </a:p>
+      </dgm:t>
+    </dgm:pt>
+    <dgm:pt modelId="{85FF7940-3ED6-41B3-93E6-77CE45529626}" type="parTrans" cxnId="{01503179-DFF1-4F5F-80F9-B110E7475B45}">
+      <dgm:prSet/>
+      <dgm:spPr/>
+      <dgm:t>
+        <a:bodyPr/>
+        <a:lstStyle/>
+        <a:p>
+          <a:endParaRPr lang="en-US"/>
+        </a:p>
+      </dgm:t>
+    </dgm:pt>
+    <dgm:pt modelId="{8E49DF54-D3DE-4F38-BE3C-E3F3423AFB04}" type="sibTrans" cxnId="{01503179-DFF1-4F5F-80F9-B110E7475B45}">
+      <dgm:prSet/>
+      <dgm:spPr/>
+      <dgm:t>
+        <a:bodyPr/>
+        <a:lstStyle/>
+        <a:p>
+          <a:endParaRPr lang="en-US"/>
+        </a:p>
+      </dgm:t>
+    </dgm:pt>
+    <dgm:pt modelId="{51C34681-49CF-4A54-A473-5561A9964DE0}">
+      <dgm:prSet/>
+      <dgm:spPr/>
+      <dgm:t>
+        <a:bodyPr/>
+        <a:lstStyle/>
+        <a:p>
+          <a:r>
+            <a:rPr lang="en-US" i="0" baseline="0" dirty="0">
+              <a:solidFill>
+                <a:schemeClr val="tx1">
+                  <a:lumMod val="75000"/>
+                  <a:lumOff val="25000"/>
+                </a:schemeClr>
+              </a:solidFill>
+              <a:latin typeface="Smiley Sans Oblique" pitchFamily="2" charset="-122"/>
+              <a:ea typeface="Smiley Sans Oblique" pitchFamily="2" charset="-122"/>
+            </a:rPr>
+            <a:t>Consumer price index</a:t>
+          </a:r>
+          <a:r>
+            <a:rPr lang="zh-CN" i="0" baseline="0" dirty="0">
+              <a:solidFill>
+                <a:schemeClr val="tx1">
+                  <a:lumMod val="75000"/>
+                  <a:lumOff val="25000"/>
+                </a:schemeClr>
+              </a:solidFill>
+              <a:latin typeface="Smiley Sans Oblique" pitchFamily="2" charset="-122"/>
+              <a:ea typeface="Smiley Sans Oblique" pitchFamily="2" charset="-122"/>
+            </a:rPr>
+            <a:t> </a:t>
+          </a:r>
+          <a:r>
+            <a:rPr lang="zh-CN" altLang="en-US" i="0" baseline="0" dirty="0">
+              <a:solidFill>
+                <a:schemeClr val="tx1">
+                  <a:lumMod val="75000"/>
+                  <a:lumOff val="25000"/>
+                </a:schemeClr>
+              </a:solidFill>
+              <a:latin typeface="Smiley Sans Oblique" pitchFamily="2" charset="-122"/>
+              <a:ea typeface="Smiley Sans Oblique" pitchFamily="2" charset="-122"/>
+            </a:rPr>
+            <a:t> </a:t>
+          </a:r>
+          <a:r>
+            <a:rPr lang="zh-CN" i="0" baseline="0" dirty="0">
+              <a:solidFill>
+                <a:schemeClr val="tx1">
+                  <a:lumMod val="75000"/>
+                  <a:lumOff val="25000"/>
+                </a:schemeClr>
+              </a:solidFill>
+              <a:latin typeface="Smiley Sans Oblique" pitchFamily="2" charset="-122"/>
+              <a:ea typeface="Smiley Sans Oblique" pitchFamily="2" charset="-122"/>
+            </a:rPr>
+            <a:t>消费品指数</a:t>
+          </a:r>
+          <a:endParaRPr lang="en-US" dirty="0">
+            <a:solidFill>
+              <a:schemeClr val="tx1">
+                <a:lumMod val="75000"/>
+                <a:lumOff val="25000"/>
+              </a:schemeClr>
+            </a:solidFill>
+            <a:latin typeface="Smiley Sans Oblique" pitchFamily="2" charset="-122"/>
+            <a:ea typeface="Smiley Sans Oblique" pitchFamily="2" charset="-122"/>
+          </a:endParaRPr>
+        </a:p>
+      </dgm:t>
+    </dgm:pt>
+    <dgm:pt modelId="{BCDBE644-F3F9-4D23-9F1A-CB1DB9BA2787}" type="parTrans" cxnId="{49BA6BE6-9A66-4DA2-9046-9BA2A904278D}">
+      <dgm:prSet/>
+      <dgm:spPr/>
+      <dgm:t>
+        <a:bodyPr/>
+        <a:lstStyle/>
+        <a:p>
+          <a:endParaRPr lang="en-US"/>
+        </a:p>
+      </dgm:t>
+    </dgm:pt>
+    <dgm:pt modelId="{CD34F52F-EB64-4CB2-9CCA-A8B0327FEE0C}" type="sibTrans" cxnId="{49BA6BE6-9A66-4DA2-9046-9BA2A904278D}">
+      <dgm:prSet/>
+      <dgm:spPr/>
+      <dgm:t>
+        <a:bodyPr/>
+        <a:lstStyle/>
+        <a:p>
+          <a:endParaRPr lang="en-US"/>
+        </a:p>
+      </dgm:t>
+    </dgm:pt>
+    <dgm:pt modelId="{809C241F-EECC-4CCF-8793-C2E461679CB9}">
+      <dgm:prSet/>
+      <dgm:spPr/>
+      <dgm:t>
+        <a:bodyPr/>
+        <a:lstStyle/>
+        <a:p>
+          <a:r>
+            <a:rPr lang="en-US" baseline="0" dirty="0">
+              <a:solidFill>
+                <a:schemeClr val="bg1">
+                  <a:lumMod val="95000"/>
+                </a:schemeClr>
+              </a:solidFill>
+              <a:latin typeface="Smiley Sans Oblique" pitchFamily="2" charset="-122"/>
+              <a:ea typeface="Smiley Sans Oblique" pitchFamily="2" charset="-122"/>
+            </a:rPr>
+            <a:t>Coincident </a:t>
+          </a:r>
+          <a:r>
+            <a:rPr lang="en-CA" baseline="0" dirty="0">
+              <a:solidFill>
+                <a:schemeClr val="bg1">
+                  <a:lumMod val="95000"/>
+                </a:schemeClr>
+              </a:solidFill>
+              <a:latin typeface="Smiley Sans Oblique" pitchFamily="2" charset="-122"/>
+              <a:ea typeface="Smiley Sans Oblique" pitchFamily="2" charset="-122"/>
+            </a:rPr>
+            <a:t>Indicators </a:t>
+          </a:r>
+        </a:p>
+        <a:p>
+          <a:r>
+            <a:rPr lang="zh-CN" baseline="0" dirty="0">
+              <a:solidFill>
+                <a:schemeClr val="bg1">
+                  <a:lumMod val="95000"/>
+                </a:schemeClr>
+              </a:solidFill>
+              <a:latin typeface="Smiley Sans Oblique" pitchFamily="2" charset="-122"/>
+              <a:ea typeface="Smiley Sans Oblique" pitchFamily="2" charset="-122"/>
+            </a:rPr>
+            <a:t>同时指标</a:t>
+          </a:r>
+          <a:endParaRPr lang="en-US" dirty="0">
+            <a:solidFill>
+              <a:schemeClr val="bg1">
+                <a:lumMod val="95000"/>
+              </a:schemeClr>
+            </a:solidFill>
+            <a:latin typeface="Smiley Sans Oblique" pitchFamily="2" charset="-122"/>
+            <a:ea typeface="Smiley Sans Oblique" pitchFamily="2" charset="-122"/>
+          </a:endParaRPr>
+        </a:p>
+      </dgm:t>
+    </dgm:pt>
+    <dgm:pt modelId="{3A5FD141-DE7D-42F8-A9A9-709785F100C3}" type="parTrans" cxnId="{F478ACBD-8DDE-418C-9650-02567A9C2301}">
+      <dgm:prSet/>
+      <dgm:spPr/>
+      <dgm:t>
+        <a:bodyPr/>
+        <a:lstStyle/>
+        <a:p>
+          <a:endParaRPr lang="en-US"/>
+        </a:p>
+      </dgm:t>
+    </dgm:pt>
+    <dgm:pt modelId="{C9427233-9ED9-4E43-9E5B-438C671196D9}" type="sibTrans" cxnId="{F478ACBD-8DDE-418C-9650-02567A9C2301}">
+      <dgm:prSet/>
+      <dgm:spPr/>
+      <dgm:t>
+        <a:bodyPr/>
+        <a:lstStyle/>
+        <a:p>
+          <a:endParaRPr lang="en-US"/>
+        </a:p>
+      </dgm:t>
+    </dgm:pt>
+    <dgm:pt modelId="{8BDFF0CB-96CD-4D72-9C36-F0794A9AE795}">
+      <dgm:prSet/>
+      <dgm:spPr/>
+      <dgm:t>
+        <a:bodyPr/>
+        <a:lstStyle/>
+        <a:p>
+          <a:r>
+            <a:rPr lang="en-US" i="0" baseline="0" dirty="0">
+              <a:solidFill>
+                <a:schemeClr val="tx1">
+                  <a:lumMod val="75000"/>
+                  <a:lumOff val="25000"/>
+                </a:schemeClr>
+              </a:solidFill>
+              <a:latin typeface="Smiley Sans Oblique" pitchFamily="2" charset="-122"/>
+              <a:ea typeface="Smiley Sans Oblique" pitchFamily="2" charset="-122"/>
+            </a:rPr>
+            <a:t>Retail</a:t>
+          </a:r>
+          <a:r>
+            <a:rPr lang="zh-CN" i="0" baseline="0" dirty="0">
+              <a:solidFill>
+                <a:schemeClr val="tx1">
+                  <a:lumMod val="75000"/>
+                  <a:lumOff val="25000"/>
+                </a:schemeClr>
+              </a:solidFill>
+              <a:latin typeface="Smiley Sans Oblique" pitchFamily="2" charset="-122"/>
+              <a:ea typeface="Smiley Sans Oblique" pitchFamily="2" charset="-122"/>
+            </a:rPr>
+            <a:t> </a:t>
+          </a:r>
+          <a:r>
+            <a:rPr lang="en-US" i="0" baseline="0" dirty="0">
+              <a:solidFill>
+                <a:schemeClr val="tx1">
+                  <a:lumMod val="75000"/>
+                  <a:lumOff val="25000"/>
+                </a:schemeClr>
+              </a:solidFill>
+              <a:latin typeface="Smiley Sans Oblique" pitchFamily="2" charset="-122"/>
+              <a:ea typeface="Smiley Sans Oblique" pitchFamily="2" charset="-122"/>
+            </a:rPr>
+            <a:t>sales</a:t>
+          </a:r>
+          <a:r>
+            <a:rPr lang="zh-CN" i="0" baseline="0" dirty="0">
+              <a:solidFill>
+                <a:schemeClr val="tx1">
+                  <a:lumMod val="75000"/>
+                  <a:lumOff val="25000"/>
+                </a:schemeClr>
+              </a:solidFill>
+              <a:latin typeface="Smiley Sans Oblique" pitchFamily="2" charset="-122"/>
+              <a:ea typeface="Smiley Sans Oblique" pitchFamily="2" charset="-122"/>
+            </a:rPr>
+            <a:t> 零售销售</a:t>
+          </a:r>
+          <a:endParaRPr lang="en-US" dirty="0">
+            <a:solidFill>
+              <a:schemeClr val="tx1">
+                <a:lumMod val="75000"/>
+                <a:lumOff val="25000"/>
+              </a:schemeClr>
+            </a:solidFill>
+            <a:latin typeface="Smiley Sans Oblique" pitchFamily="2" charset="-122"/>
+            <a:ea typeface="Smiley Sans Oblique" pitchFamily="2" charset="-122"/>
+          </a:endParaRPr>
+        </a:p>
+      </dgm:t>
+    </dgm:pt>
+    <dgm:pt modelId="{355AE5C0-86B7-4DDD-8656-4A1E207ECB81}" type="parTrans" cxnId="{70173E6F-DE5D-4521-81FA-96626F9F74E0}">
+      <dgm:prSet/>
+      <dgm:spPr/>
+      <dgm:t>
+        <a:bodyPr/>
+        <a:lstStyle/>
+        <a:p>
+          <a:endParaRPr lang="en-US"/>
+        </a:p>
+      </dgm:t>
+    </dgm:pt>
+    <dgm:pt modelId="{0F2D0E24-5D48-4704-8CE6-642FE7D8EE86}" type="sibTrans" cxnId="{70173E6F-DE5D-4521-81FA-96626F9F74E0}">
+      <dgm:prSet/>
+      <dgm:spPr/>
+      <dgm:t>
+        <a:bodyPr/>
+        <a:lstStyle/>
+        <a:p>
+          <a:endParaRPr lang="en-US"/>
+        </a:p>
+      </dgm:t>
+    </dgm:pt>
+    <dgm:pt modelId="{0F7E637E-01E2-7D4B-9D94-1C2C9C49BDC7}">
+      <dgm:prSet/>
+      <dgm:spPr/>
+      <dgm:t>
+        <a:bodyPr/>
+        <a:lstStyle/>
+        <a:p>
+          <a:r>
+            <a:rPr lang="en-US" i="0" baseline="0" dirty="0">
+              <a:solidFill>
+                <a:schemeClr val="tx1">
+                  <a:lumMod val="75000"/>
+                  <a:lumOff val="25000"/>
+                </a:schemeClr>
+              </a:solidFill>
+              <a:latin typeface="Smiley Sans Oblique" pitchFamily="2" charset="-122"/>
+              <a:ea typeface="Smiley Sans Oblique" pitchFamily="2" charset="-122"/>
+            </a:rPr>
+            <a:t>Unemployment</a:t>
+          </a:r>
+          <a:r>
+            <a:rPr lang="zh-CN" i="0" baseline="0" dirty="0">
+              <a:solidFill>
+                <a:schemeClr val="tx1">
+                  <a:lumMod val="75000"/>
+                  <a:lumOff val="25000"/>
+                </a:schemeClr>
+              </a:solidFill>
+              <a:latin typeface="Smiley Sans Oblique" pitchFamily="2" charset="-122"/>
+              <a:ea typeface="Smiley Sans Oblique" pitchFamily="2" charset="-122"/>
+            </a:rPr>
+            <a:t> </a:t>
+          </a:r>
+          <a:r>
+            <a:rPr lang="en-US" i="0" baseline="0" dirty="0">
+              <a:solidFill>
+                <a:schemeClr val="tx1">
+                  <a:lumMod val="75000"/>
+                  <a:lumOff val="25000"/>
+                </a:schemeClr>
+              </a:solidFill>
+              <a:latin typeface="Smiley Sans Oblique" pitchFamily="2" charset="-122"/>
+              <a:ea typeface="Smiley Sans Oblique" pitchFamily="2" charset="-122"/>
+            </a:rPr>
+            <a:t>rate </a:t>
+          </a:r>
+          <a:r>
+            <a:rPr lang="zh-CN" altLang="en-US" i="0" baseline="0" dirty="0">
+              <a:solidFill>
+                <a:schemeClr val="tx1">
+                  <a:lumMod val="75000"/>
+                  <a:lumOff val="25000"/>
+                </a:schemeClr>
+              </a:solidFill>
+              <a:latin typeface="Smiley Sans Oblique" pitchFamily="2" charset="-122"/>
+              <a:ea typeface="Smiley Sans Oblique" pitchFamily="2" charset="-122"/>
+            </a:rPr>
+            <a:t>    </a:t>
+          </a:r>
+          <a:r>
+            <a:rPr lang="zh-CN" i="0" baseline="0" dirty="0">
+              <a:solidFill>
+                <a:schemeClr val="tx1">
+                  <a:lumMod val="75000"/>
+                  <a:lumOff val="25000"/>
+                </a:schemeClr>
+              </a:solidFill>
+              <a:latin typeface="Smiley Sans Oblique" pitchFamily="2" charset="-122"/>
+              <a:ea typeface="Smiley Sans Oblique" pitchFamily="2" charset="-122"/>
+            </a:rPr>
+            <a:t>失业率</a:t>
+          </a:r>
+          <a:endParaRPr lang="en-US" dirty="0">
+            <a:solidFill>
+              <a:schemeClr val="tx1">
+                <a:lumMod val="75000"/>
+                <a:lumOff val="25000"/>
+              </a:schemeClr>
+            </a:solidFill>
+            <a:latin typeface="Smiley Sans Oblique" pitchFamily="2" charset="-122"/>
+            <a:ea typeface="Smiley Sans Oblique" pitchFamily="2" charset="-122"/>
+          </a:endParaRPr>
+        </a:p>
+      </dgm:t>
+    </dgm:pt>
+    <dgm:pt modelId="{BDF3FF58-2874-2B4F-9AE6-028229A67D26}" type="parTrans" cxnId="{E40F03C6-1BCC-554B-8E84-556A3FB07AC8}">
+      <dgm:prSet/>
+      <dgm:spPr/>
+      <dgm:t>
+        <a:bodyPr/>
+        <a:lstStyle/>
+        <a:p>
+          <a:endParaRPr lang="en-US"/>
+        </a:p>
+      </dgm:t>
+    </dgm:pt>
+    <dgm:pt modelId="{6A917F80-E4FB-7142-A26B-3B84AAEECD1E}" type="sibTrans" cxnId="{E40F03C6-1BCC-554B-8E84-556A3FB07AC8}">
+      <dgm:prSet/>
+      <dgm:spPr/>
+      <dgm:t>
+        <a:bodyPr/>
+        <a:lstStyle/>
+        <a:p>
+          <a:endParaRPr lang="en-US"/>
+        </a:p>
+      </dgm:t>
+    </dgm:pt>
+    <dgm:pt modelId="{498969C7-875C-AE4A-8351-611DDDE28874}">
+      <dgm:prSet/>
+      <dgm:spPr/>
+      <dgm:t>
+        <a:bodyPr/>
+        <a:lstStyle/>
+        <a:p>
+          <a:r>
+            <a:rPr lang="en-CA" i="0" baseline="0" dirty="0">
+              <a:solidFill>
+                <a:schemeClr val="tx1">
+                  <a:lumMod val="75000"/>
+                  <a:lumOff val="25000"/>
+                </a:schemeClr>
+              </a:solidFill>
+              <a:latin typeface="Smiley Sans Oblique" pitchFamily="2" charset="-122"/>
+              <a:ea typeface="Smiley Sans Oblique" pitchFamily="2" charset="-122"/>
+            </a:rPr>
+            <a:t>Personal income </a:t>
+          </a:r>
+          <a:r>
+            <a:rPr lang="zh-CN" altLang="en-US" i="0" baseline="0" dirty="0">
+              <a:solidFill>
+                <a:schemeClr val="tx1">
+                  <a:lumMod val="75000"/>
+                  <a:lumOff val="25000"/>
+                </a:schemeClr>
+              </a:solidFill>
+              <a:latin typeface="Smiley Sans Oblique" pitchFamily="2" charset="-122"/>
+              <a:ea typeface="Smiley Sans Oblique" pitchFamily="2" charset="-122"/>
+            </a:rPr>
+            <a:t>          </a:t>
+          </a:r>
+          <a:r>
+            <a:rPr lang="en-CA" i="0" baseline="0" dirty="0">
+              <a:solidFill>
+                <a:schemeClr val="tx1">
+                  <a:lumMod val="75000"/>
+                  <a:lumOff val="25000"/>
+                </a:schemeClr>
+              </a:solidFill>
+              <a:latin typeface="Smiley Sans Oblique" pitchFamily="2" charset="-122"/>
+              <a:ea typeface="Smiley Sans Oblique" pitchFamily="2" charset="-122"/>
+            </a:rPr>
+            <a:t>个人收入</a:t>
+          </a:r>
+          <a:endParaRPr lang="en-US" dirty="0">
+            <a:solidFill>
+              <a:schemeClr val="tx1">
+                <a:lumMod val="75000"/>
+                <a:lumOff val="25000"/>
+              </a:schemeClr>
+            </a:solidFill>
+            <a:latin typeface="Smiley Sans Oblique" pitchFamily="2" charset="-122"/>
+            <a:ea typeface="Smiley Sans Oblique" pitchFamily="2" charset="-122"/>
+          </a:endParaRPr>
+        </a:p>
+      </dgm:t>
+    </dgm:pt>
+    <dgm:pt modelId="{52D79DC4-00E2-D74C-A8A9-8F4634527CE7}" type="parTrans" cxnId="{84214F7E-463D-8147-8C61-9F8C0921AA4E}">
+      <dgm:prSet/>
+      <dgm:spPr/>
+      <dgm:t>
+        <a:bodyPr/>
+        <a:lstStyle/>
+        <a:p>
+          <a:endParaRPr lang="en-US"/>
+        </a:p>
+      </dgm:t>
+    </dgm:pt>
+    <dgm:pt modelId="{4350E85F-54DA-814D-9998-659A33BA4EC1}" type="sibTrans" cxnId="{84214F7E-463D-8147-8C61-9F8C0921AA4E}">
+      <dgm:prSet/>
+      <dgm:spPr/>
+      <dgm:t>
+        <a:bodyPr/>
+        <a:lstStyle/>
+        <a:p>
+          <a:endParaRPr lang="en-US"/>
+        </a:p>
+      </dgm:t>
+    </dgm:pt>
+    <dgm:pt modelId="{3AF2D433-6CAA-2E40-AC44-FEBFA32DEC15}" type="pres">
+      <dgm:prSet presAssocID="{CACAAF0D-A102-434E-B614-0BB6D55A9544}" presName="Name0" presStyleCnt="0">
+        <dgm:presLayoutVars>
+          <dgm:dir/>
+          <dgm:animLvl val="lvl"/>
+          <dgm:resizeHandles val="exact"/>
+        </dgm:presLayoutVars>
+      </dgm:prSet>
+      <dgm:spPr/>
+    </dgm:pt>
+    <dgm:pt modelId="{491226BF-69CB-7B49-9FCD-F4C57E35DCFE}" type="pres">
+      <dgm:prSet presAssocID="{E98B4ADD-A827-4F7F-830F-EECCF4B01DF5}" presName="composite" presStyleCnt="0"/>
+      <dgm:spPr/>
+    </dgm:pt>
+    <dgm:pt modelId="{C8D0EDD2-B04E-2848-A10C-979FD6A19EDC}" type="pres">
+      <dgm:prSet presAssocID="{E98B4ADD-A827-4F7F-830F-EECCF4B01DF5}" presName="parTx" presStyleLbl="alignNode1" presStyleIdx="0" presStyleCnt="3">
+        <dgm:presLayoutVars>
+          <dgm:chMax val="0"/>
+          <dgm:chPref val="0"/>
+          <dgm:bulletEnabled val="1"/>
+        </dgm:presLayoutVars>
+      </dgm:prSet>
+      <dgm:spPr/>
+    </dgm:pt>
+    <dgm:pt modelId="{ADAD4A1B-C2B7-0B49-B9F5-6CCCDBA1FBD5}" type="pres">
+      <dgm:prSet presAssocID="{E98B4ADD-A827-4F7F-830F-EECCF4B01DF5}" presName="desTx" presStyleLbl="alignAccFollowNode1" presStyleIdx="0" presStyleCnt="3">
+        <dgm:presLayoutVars>
+          <dgm:bulletEnabled val="1"/>
+        </dgm:presLayoutVars>
+      </dgm:prSet>
+      <dgm:spPr/>
+    </dgm:pt>
+    <dgm:pt modelId="{16AF2ABF-3604-9D4C-AAD0-798A84821866}" type="pres">
+      <dgm:prSet presAssocID="{9E541CD5-DA9D-4485-8995-3EEC43DE2767}" presName="space" presStyleCnt="0"/>
+      <dgm:spPr/>
+    </dgm:pt>
+    <dgm:pt modelId="{662102D9-8B5F-274D-A09A-7EA260FE47B7}" type="pres">
+      <dgm:prSet presAssocID="{ACDC53A7-718B-48FB-8F29-DCD3CE39A6E2}" presName="composite" presStyleCnt="0"/>
+      <dgm:spPr/>
+    </dgm:pt>
+    <dgm:pt modelId="{B93A2660-672A-544E-9315-8816B13F612A}" type="pres">
+      <dgm:prSet presAssocID="{ACDC53A7-718B-48FB-8F29-DCD3CE39A6E2}" presName="parTx" presStyleLbl="alignNode1" presStyleIdx="1" presStyleCnt="3">
+        <dgm:presLayoutVars>
+          <dgm:chMax val="0"/>
+          <dgm:chPref val="0"/>
+          <dgm:bulletEnabled val="1"/>
+        </dgm:presLayoutVars>
+      </dgm:prSet>
+      <dgm:spPr/>
+    </dgm:pt>
+    <dgm:pt modelId="{7AC2065E-AA50-584E-B0DA-73CFBDBF262F}" type="pres">
+      <dgm:prSet presAssocID="{ACDC53A7-718B-48FB-8F29-DCD3CE39A6E2}" presName="desTx" presStyleLbl="alignAccFollowNode1" presStyleIdx="1" presStyleCnt="3">
+        <dgm:presLayoutVars>
+          <dgm:bulletEnabled val="1"/>
+        </dgm:presLayoutVars>
+      </dgm:prSet>
+      <dgm:spPr/>
+    </dgm:pt>
+    <dgm:pt modelId="{59A20839-6627-564A-9A09-8A5FA043964E}" type="pres">
+      <dgm:prSet presAssocID="{FC14BD46-8A05-43C5-A5E7-B446FC5F2084}" presName="space" presStyleCnt="0"/>
+      <dgm:spPr/>
+    </dgm:pt>
+    <dgm:pt modelId="{DDB2FAFA-8CB2-9E45-9DF9-75B56663AA3A}" type="pres">
+      <dgm:prSet presAssocID="{809C241F-EECC-4CCF-8793-C2E461679CB9}" presName="composite" presStyleCnt="0"/>
+      <dgm:spPr/>
+    </dgm:pt>
+    <dgm:pt modelId="{1132904B-5D9C-F847-ADE1-746610515128}" type="pres">
+      <dgm:prSet presAssocID="{809C241F-EECC-4CCF-8793-C2E461679CB9}" presName="parTx" presStyleLbl="alignNode1" presStyleIdx="2" presStyleCnt="3">
+        <dgm:presLayoutVars>
+          <dgm:chMax val="0"/>
+          <dgm:chPref val="0"/>
+          <dgm:bulletEnabled val="1"/>
+        </dgm:presLayoutVars>
+      </dgm:prSet>
+      <dgm:spPr/>
+    </dgm:pt>
+    <dgm:pt modelId="{2FE3BE6F-6330-3F4F-9403-45CAF7722428}" type="pres">
+      <dgm:prSet presAssocID="{809C241F-EECC-4CCF-8793-C2E461679CB9}" presName="desTx" presStyleLbl="alignAccFollowNode1" presStyleIdx="2" presStyleCnt="3">
+        <dgm:presLayoutVars>
+          <dgm:bulletEnabled val="1"/>
+        </dgm:presLayoutVars>
+      </dgm:prSet>
+      <dgm:spPr/>
+    </dgm:pt>
+  </dgm:ptLst>
+  <dgm:cxnLst>
+    <dgm:cxn modelId="{D7C0CC0B-42EA-A64C-8704-474260BEAA31}" type="presOf" srcId="{8A08262F-FAA8-42FA-B7DA-DCBF31D543AA}" destId="{ADAD4A1B-C2B7-0B49-B9F5-6CCCDBA1FBD5}" srcOrd="0" destOrd="2" presId="urn:microsoft.com/office/officeart/2005/8/layout/hList1"/>
+    <dgm:cxn modelId="{1DEDBF17-230E-D145-9E55-69F1A2DFF896}" type="presOf" srcId="{0F7E637E-01E2-7D4B-9D94-1C2C9C49BDC7}" destId="{7AC2065E-AA50-584E-B0DA-73CFBDBF262F}" srcOrd="0" destOrd="1" presId="urn:microsoft.com/office/officeart/2005/8/layout/hList1"/>
+    <dgm:cxn modelId="{A5FED81E-E5DB-8540-8FAF-7E47021B3E5A}" type="presOf" srcId="{CACAAF0D-A102-434E-B614-0BB6D55A9544}" destId="{3AF2D433-6CAA-2E40-AC44-FEBFA32DEC15}" srcOrd="0" destOrd="0" presId="urn:microsoft.com/office/officeart/2005/8/layout/hList1"/>
+    <dgm:cxn modelId="{6ED16D32-2795-6541-A86D-4DBF4DA30563}" type="presOf" srcId="{51C34681-49CF-4A54-A473-5561A9964DE0}" destId="{7AC2065E-AA50-584E-B0DA-73CFBDBF262F}" srcOrd="0" destOrd="2" presId="urn:microsoft.com/office/officeart/2005/8/layout/hList1"/>
+    <dgm:cxn modelId="{19492F4E-80F6-EB42-908C-1256298E277A}" type="presOf" srcId="{76804C2C-2137-4A18-849A-D8E06367B886}" destId="{7AC2065E-AA50-584E-B0DA-73CFBDBF262F}" srcOrd="0" destOrd="0" presId="urn:microsoft.com/office/officeart/2005/8/layout/hList1"/>
+    <dgm:cxn modelId="{73FB3150-F61C-7546-8FD4-80AB91DDEBFD}" type="presOf" srcId="{8BDFF0CB-96CD-4D72-9C36-F0794A9AE795}" destId="{2FE3BE6F-6330-3F4F-9403-45CAF7722428}" srcOrd="0" destOrd="0" presId="urn:microsoft.com/office/officeart/2005/8/layout/hList1"/>
+    <dgm:cxn modelId="{C7884851-96AE-7848-A575-1F1B97986F4F}" type="presOf" srcId="{565D2103-24CC-4D0F-AA21-FB7210C528EF}" destId="{ADAD4A1B-C2B7-0B49-B9F5-6CCCDBA1FBD5}" srcOrd="0" destOrd="0" presId="urn:microsoft.com/office/officeart/2005/8/layout/hList1"/>
+    <dgm:cxn modelId="{BAFBC16D-5470-4A8D-B5B9-2DB935AAED1C}" srcId="{E98B4ADD-A827-4F7F-830F-EECCF4B01DF5}" destId="{8A08262F-FAA8-42FA-B7DA-DCBF31D543AA}" srcOrd="2" destOrd="0" parTransId="{A5A4BB81-F5D3-411E-AE1C-DCD1E9B4D012}" sibTransId="{B6B7CBF6-49FD-4BAF-B79C-7EBE2C0B51FF}"/>
+    <dgm:cxn modelId="{70173E6F-DE5D-4521-81FA-96626F9F74E0}" srcId="{809C241F-EECC-4CCF-8793-C2E461679CB9}" destId="{8BDFF0CB-96CD-4D72-9C36-F0794A9AE795}" srcOrd="0" destOrd="0" parTransId="{355AE5C0-86B7-4DDD-8656-4A1E207ECB81}" sibTransId="{0F2D0E24-5D48-4704-8CE6-642FE7D8EE86}"/>
+    <dgm:cxn modelId="{01503179-DFF1-4F5F-80F9-B110E7475B45}" srcId="{ACDC53A7-718B-48FB-8F29-DCD3CE39A6E2}" destId="{76804C2C-2137-4A18-849A-D8E06367B886}" srcOrd="0" destOrd="0" parTransId="{85FF7940-3ED6-41B3-93E6-77CE45529626}" sibTransId="{8E49DF54-D3DE-4F38-BE3C-E3F3423AFB04}"/>
+    <dgm:cxn modelId="{84214F7E-463D-8147-8C61-9F8C0921AA4E}" srcId="{809C241F-EECC-4CCF-8793-C2E461679CB9}" destId="{498969C7-875C-AE4A-8351-611DDDE28874}" srcOrd="1" destOrd="0" parTransId="{52D79DC4-00E2-D74C-A8A9-8F4634527CE7}" sibTransId="{4350E85F-54DA-814D-9998-659A33BA4EC1}"/>
+    <dgm:cxn modelId="{0634E581-E37F-EE4C-9177-7B3099B51178}" type="presOf" srcId="{809C241F-EECC-4CCF-8793-C2E461679CB9}" destId="{1132904B-5D9C-F847-ADE1-746610515128}" srcOrd="0" destOrd="0" presId="urn:microsoft.com/office/officeart/2005/8/layout/hList1"/>
+    <dgm:cxn modelId="{5AABAA89-EECD-46A9-ACF2-744ADEC0F09D}" srcId="{CACAAF0D-A102-434E-B614-0BB6D55A9544}" destId="{ACDC53A7-718B-48FB-8F29-DCD3CE39A6E2}" srcOrd="1" destOrd="0" parTransId="{8CF5FF47-E35B-412F-8832-4BF996C64428}" sibTransId="{FC14BD46-8A05-43C5-A5E7-B446FC5F2084}"/>
+    <dgm:cxn modelId="{B78B46A3-1D21-A540-80A7-161AAA98EE53}" type="presOf" srcId="{33ED9268-5474-4BFE-88E9-6C9546DEDE4F}" destId="{ADAD4A1B-C2B7-0B49-B9F5-6CCCDBA1FBD5}" srcOrd="0" destOrd="1" presId="urn:microsoft.com/office/officeart/2005/8/layout/hList1"/>
+    <dgm:cxn modelId="{47BC58A7-7696-4C09-9306-DAFEE6A4D993}" srcId="{E98B4ADD-A827-4F7F-830F-EECCF4B01DF5}" destId="{33ED9268-5474-4BFE-88E9-6C9546DEDE4F}" srcOrd="1" destOrd="0" parTransId="{3E7F1DB3-DA19-4394-82E9-E6C692EB8400}" sibTransId="{5E516CEB-87E5-473A-8893-8D16D47F321D}"/>
+    <dgm:cxn modelId="{A6C16EB2-DB9E-4637-98B3-F3BBB9F507A6}" srcId="{CACAAF0D-A102-434E-B614-0BB6D55A9544}" destId="{E98B4ADD-A827-4F7F-830F-EECCF4B01DF5}" srcOrd="0" destOrd="0" parTransId="{B2D0549E-94D6-46A1-AA5D-0DAD94856421}" sibTransId="{9E541CD5-DA9D-4485-8995-3EEC43DE2767}"/>
+    <dgm:cxn modelId="{14759BB9-9D5B-499B-AA0D-39B314C7031A}" srcId="{E98B4ADD-A827-4F7F-830F-EECCF4B01DF5}" destId="{565D2103-24CC-4D0F-AA21-FB7210C528EF}" srcOrd="0" destOrd="0" parTransId="{DBA7D4C4-79B3-4B18-8E01-0830DA67E340}" sibTransId="{0088E9C0-FCFF-44D8-8F45-1238699B77BD}"/>
+    <dgm:cxn modelId="{F478ACBD-8DDE-418C-9650-02567A9C2301}" srcId="{CACAAF0D-A102-434E-B614-0BB6D55A9544}" destId="{809C241F-EECC-4CCF-8793-C2E461679CB9}" srcOrd="2" destOrd="0" parTransId="{3A5FD141-DE7D-42F8-A9A9-709785F100C3}" sibTransId="{C9427233-9ED9-4E43-9E5B-438C671196D9}"/>
+    <dgm:cxn modelId="{763E4CBE-EB61-AD48-BD6C-FE0297EAAEBC}" type="presOf" srcId="{ACDC53A7-718B-48FB-8F29-DCD3CE39A6E2}" destId="{B93A2660-672A-544E-9315-8816B13F612A}" srcOrd="0" destOrd="0" presId="urn:microsoft.com/office/officeart/2005/8/layout/hList1"/>
+    <dgm:cxn modelId="{E40F03C6-1BCC-554B-8E84-556A3FB07AC8}" srcId="{ACDC53A7-718B-48FB-8F29-DCD3CE39A6E2}" destId="{0F7E637E-01E2-7D4B-9D94-1C2C9C49BDC7}" srcOrd="1" destOrd="0" parTransId="{BDF3FF58-2874-2B4F-9AE6-028229A67D26}" sibTransId="{6A917F80-E4FB-7142-A26B-3B84AAEECD1E}"/>
+    <dgm:cxn modelId="{C0EBDECF-6702-B449-9771-6DF3CB223B3F}" type="presOf" srcId="{498969C7-875C-AE4A-8351-611DDDE28874}" destId="{2FE3BE6F-6330-3F4F-9403-45CAF7722428}" srcOrd="0" destOrd="1" presId="urn:microsoft.com/office/officeart/2005/8/layout/hList1"/>
+    <dgm:cxn modelId="{896439D4-1E31-8E43-AAB2-F7E7151B3A92}" type="presOf" srcId="{E98B4ADD-A827-4F7F-830F-EECCF4B01DF5}" destId="{C8D0EDD2-B04E-2848-A10C-979FD6A19EDC}" srcOrd="0" destOrd="0" presId="urn:microsoft.com/office/officeart/2005/8/layout/hList1"/>
+    <dgm:cxn modelId="{49BA6BE6-9A66-4DA2-9046-9BA2A904278D}" srcId="{ACDC53A7-718B-48FB-8F29-DCD3CE39A6E2}" destId="{51C34681-49CF-4A54-A473-5561A9964DE0}" srcOrd="2" destOrd="0" parTransId="{BCDBE644-F3F9-4D23-9F1A-CB1DB9BA2787}" sibTransId="{CD34F52F-EB64-4CB2-9CCA-A8B0327FEE0C}"/>
+    <dgm:cxn modelId="{7AFD4F17-C8CD-F149-8582-DE9D9DE9432A}" type="presParOf" srcId="{3AF2D433-6CAA-2E40-AC44-FEBFA32DEC15}" destId="{491226BF-69CB-7B49-9FCD-F4C57E35DCFE}" srcOrd="0" destOrd="0" presId="urn:microsoft.com/office/officeart/2005/8/layout/hList1"/>
+    <dgm:cxn modelId="{27D973D8-153B-D54C-948C-5FDBB3B4CE94}" type="presParOf" srcId="{491226BF-69CB-7B49-9FCD-F4C57E35DCFE}" destId="{C8D0EDD2-B04E-2848-A10C-979FD6A19EDC}" srcOrd="0" destOrd="0" presId="urn:microsoft.com/office/officeart/2005/8/layout/hList1"/>
+    <dgm:cxn modelId="{E969B5F4-C12B-564D-AB5E-6F47B00C6D5E}" type="presParOf" srcId="{491226BF-69CB-7B49-9FCD-F4C57E35DCFE}" destId="{ADAD4A1B-C2B7-0B49-B9F5-6CCCDBA1FBD5}" srcOrd="1" destOrd="0" presId="urn:microsoft.com/office/officeart/2005/8/layout/hList1"/>
+    <dgm:cxn modelId="{260A2F78-CFB4-9C4E-92E8-CA6CD519EF95}" type="presParOf" srcId="{3AF2D433-6CAA-2E40-AC44-FEBFA32DEC15}" destId="{16AF2ABF-3604-9D4C-AAD0-798A84821866}" srcOrd="1" destOrd="0" presId="urn:microsoft.com/office/officeart/2005/8/layout/hList1"/>
+    <dgm:cxn modelId="{276DCCB6-37E6-E34D-9E56-96E66CD869D4}" type="presParOf" srcId="{3AF2D433-6CAA-2E40-AC44-FEBFA32DEC15}" destId="{662102D9-8B5F-274D-A09A-7EA260FE47B7}" srcOrd="2" destOrd="0" presId="urn:microsoft.com/office/officeart/2005/8/layout/hList1"/>
+    <dgm:cxn modelId="{63D89975-6B16-CB46-B917-EE3E949E9724}" type="presParOf" srcId="{662102D9-8B5F-274D-A09A-7EA260FE47B7}" destId="{B93A2660-672A-544E-9315-8816B13F612A}" srcOrd="0" destOrd="0" presId="urn:microsoft.com/office/officeart/2005/8/layout/hList1"/>
+    <dgm:cxn modelId="{BBA9723F-2543-4B42-9C2A-082EB26307ED}" type="presParOf" srcId="{662102D9-8B5F-274D-A09A-7EA260FE47B7}" destId="{7AC2065E-AA50-584E-B0DA-73CFBDBF262F}" srcOrd="1" destOrd="0" presId="urn:microsoft.com/office/officeart/2005/8/layout/hList1"/>
+    <dgm:cxn modelId="{54857DD0-8EC5-3F42-B3FA-C9F60D2B2F2F}" type="presParOf" srcId="{3AF2D433-6CAA-2E40-AC44-FEBFA32DEC15}" destId="{59A20839-6627-564A-9A09-8A5FA043964E}" srcOrd="3" destOrd="0" presId="urn:microsoft.com/office/officeart/2005/8/layout/hList1"/>
+    <dgm:cxn modelId="{DE39CDF8-2E72-694A-B46A-D3049AF6F2B2}" type="presParOf" srcId="{3AF2D433-6CAA-2E40-AC44-FEBFA32DEC15}" destId="{DDB2FAFA-8CB2-9E45-9DF9-75B56663AA3A}" srcOrd="4" destOrd="0" presId="urn:microsoft.com/office/officeart/2005/8/layout/hList1"/>
+    <dgm:cxn modelId="{86167893-8A50-E142-AE8D-51426C2BFFA1}" type="presParOf" srcId="{DDB2FAFA-8CB2-9E45-9DF9-75B56663AA3A}" destId="{1132904B-5D9C-F847-ADE1-746610515128}" srcOrd="0" destOrd="0" presId="urn:microsoft.com/office/officeart/2005/8/layout/hList1"/>
+    <dgm:cxn modelId="{B6F5A25D-8ABA-7841-9ECF-1EFC864E4DDD}" type="presParOf" srcId="{DDB2FAFA-8CB2-9E45-9DF9-75B56663AA3A}" destId="{2FE3BE6F-6330-3F4F-9403-45CAF7722428}" srcOrd="1" destOrd="0" presId="urn:microsoft.com/office/officeart/2005/8/layout/hList1"/>
   </dgm:cxnLst>
   <dgm:bg/>
   <dgm:whole/>
@@ -2584,6 +4569,1137 @@
 </dsp:drawing>
 </file>
 
+<file path=ppt/diagrams/drawing2.xml><?xml version="1.0" encoding="utf-8"?>
+<dsp:drawing xmlns:dgm="http://schemas.openxmlformats.org/drawingml/2006/diagram" xmlns:dsp="http://schemas.microsoft.com/office/drawing/2008/diagram" xmlns:a="http://schemas.openxmlformats.org/drawingml/2006/main">
+  <dsp:spTree>
+    <dsp:nvGrpSpPr>
+      <dsp:cNvPr id="0" name=""/>
+      <dsp:cNvGrpSpPr/>
+    </dsp:nvGrpSpPr>
+    <dsp:grpSpPr/>
+    <dsp:sp modelId="{C8D0EDD2-B04E-2848-A10C-979FD6A19EDC}">
+      <dsp:nvSpPr>
+        <dsp:cNvPr id="0" name=""/>
+        <dsp:cNvSpPr/>
+      </dsp:nvSpPr>
+      <dsp:spPr>
+        <a:xfrm>
+          <a:off x="3000" y="14593"/>
+          <a:ext cx="2925365" cy="1136612"/>
+        </a:xfrm>
+        <a:prstGeom prst="rect">
+          <a:avLst/>
+        </a:prstGeom>
+        <a:solidFill>
+          <a:schemeClr val="accent2">
+            <a:hueOff val="0"/>
+            <a:satOff val="0"/>
+            <a:lumOff val="0"/>
+            <a:alphaOff val="0"/>
+          </a:schemeClr>
+        </a:solidFill>
+        <a:ln w="34925" cap="flat" cmpd="sng" algn="in">
+          <a:solidFill>
+            <a:schemeClr val="accent2">
+              <a:hueOff val="0"/>
+              <a:satOff val="0"/>
+              <a:lumOff val="0"/>
+              <a:alphaOff val="0"/>
+            </a:schemeClr>
+          </a:solidFill>
+          <a:prstDash val="solid"/>
+        </a:ln>
+        <a:effectLst/>
+      </dsp:spPr>
+      <dsp:style>
+        <a:lnRef idx="2">
+          <a:scrgbClr r="0" g="0" b="0"/>
+        </a:lnRef>
+        <a:fillRef idx="1">
+          <a:scrgbClr r="0" g="0" b="0"/>
+        </a:fillRef>
+        <a:effectRef idx="0">
+          <a:scrgbClr r="0" g="0" b="0"/>
+        </a:effectRef>
+        <a:fontRef idx="minor">
+          <a:schemeClr val="lt1"/>
+        </a:fontRef>
+      </dsp:style>
+      <dsp:txBody>
+        <a:bodyPr spcFirstLastPara="0" vert="horz" wrap="square" lIns="156464" tIns="89408" rIns="156464" bIns="89408" numCol="1" spcCol="1270" anchor="ctr" anchorCtr="0">
+          <a:noAutofit/>
+        </a:bodyPr>
+        <a:lstStyle/>
+        <a:p>
+          <a:pPr marL="0" lvl="0" indent="0" algn="ctr" defTabSz="977900">
+            <a:lnSpc>
+              <a:spcPct val="90000"/>
+            </a:lnSpc>
+            <a:spcBef>
+              <a:spcPct val="0"/>
+            </a:spcBef>
+            <a:spcAft>
+              <a:spcPct val="35000"/>
+            </a:spcAft>
+            <a:buNone/>
+          </a:pPr>
+          <a:r>
+            <a:rPr lang="en-US" sz="2200" kern="1200" baseline="0" dirty="0">
+              <a:solidFill>
+                <a:schemeClr val="bg1">
+                  <a:lumMod val="95000"/>
+                </a:schemeClr>
+              </a:solidFill>
+              <a:latin typeface="Smiley Sans Oblique" pitchFamily="2" charset="-122"/>
+              <a:ea typeface="Smiley Sans Oblique" pitchFamily="2" charset="-122"/>
+            </a:rPr>
+            <a:t>Leading Indicators </a:t>
+          </a:r>
+        </a:p>
+        <a:p>
+          <a:pPr marL="0" lvl="0" indent="0" algn="ctr" defTabSz="977900">
+            <a:lnSpc>
+              <a:spcPct val="90000"/>
+            </a:lnSpc>
+            <a:spcBef>
+              <a:spcPct val="0"/>
+            </a:spcBef>
+            <a:spcAft>
+              <a:spcPct val="35000"/>
+            </a:spcAft>
+            <a:buNone/>
+          </a:pPr>
+          <a:r>
+            <a:rPr lang="en-US" sz="2200" kern="1200" baseline="0" dirty="0">
+              <a:solidFill>
+                <a:schemeClr val="bg1">
+                  <a:lumMod val="95000"/>
+                </a:schemeClr>
+              </a:solidFill>
+              <a:latin typeface="Smiley Sans Oblique" pitchFamily="2" charset="-122"/>
+              <a:ea typeface="Smiley Sans Oblique" pitchFamily="2" charset="-122"/>
+            </a:rPr>
+            <a:t>领先指标</a:t>
+          </a:r>
+          <a:endParaRPr lang="en-US" sz="2200" kern="1200" dirty="0">
+            <a:solidFill>
+              <a:schemeClr val="bg1">
+                <a:lumMod val="95000"/>
+              </a:schemeClr>
+            </a:solidFill>
+            <a:latin typeface="Smiley Sans Oblique" pitchFamily="2" charset="-122"/>
+            <a:ea typeface="Smiley Sans Oblique" pitchFamily="2" charset="-122"/>
+          </a:endParaRPr>
+        </a:p>
+      </dsp:txBody>
+      <dsp:txXfrm>
+        <a:off x="3000" y="14593"/>
+        <a:ext cx="2925365" cy="1136612"/>
+      </dsp:txXfrm>
+    </dsp:sp>
+    <dsp:sp modelId="{ADAD4A1B-C2B7-0B49-B9F5-6CCCDBA1FBD5}">
+      <dsp:nvSpPr>
+        <dsp:cNvPr id="0" name=""/>
+        <dsp:cNvSpPr/>
+      </dsp:nvSpPr>
+      <dsp:spPr>
+        <a:xfrm>
+          <a:off x="3000" y="1151206"/>
+          <a:ext cx="2925365" cy="2415599"/>
+        </a:xfrm>
+        <a:prstGeom prst="rect">
+          <a:avLst/>
+        </a:prstGeom>
+        <a:solidFill>
+          <a:schemeClr val="accent2">
+            <a:tint val="40000"/>
+            <a:alpha val="90000"/>
+            <a:hueOff val="0"/>
+            <a:satOff val="0"/>
+            <a:lumOff val="0"/>
+            <a:alphaOff val="0"/>
+          </a:schemeClr>
+        </a:solidFill>
+        <a:ln w="34925" cap="flat" cmpd="sng" algn="in">
+          <a:solidFill>
+            <a:schemeClr val="accent2">
+              <a:tint val="40000"/>
+              <a:alpha val="90000"/>
+              <a:hueOff val="0"/>
+              <a:satOff val="0"/>
+              <a:lumOff val="0"/>
+              <a:alphaOff val="0"/>
+            </a:schemeClr>
+          </a:solidFill>
+          <a:prstDash val="solid"/>
+        </a:ln>
+        <a:effectLst/>
+      </dsp:spPr>
+      <dsp:style>
+        <a:lnRef idx="2">
+          <a:scrgbClr r="0" g="0" b="0"/>
+        </a:lnRef>
+        <a:fillRef idx="1">
+          <a:scrgbClr r="0" g="0" b="0"/>
+        </a:fillRef>
+        <a:effectRef idx="0">
+          <a:scrgbClr r="0" g="0" b="0"/>
+        </a:effectRef>
+        <a:fontRef idx="minor"/>
+      </dsp:style>
+      <dsp:txBody>
+        <a:bodyPr spcFirstLastPara="0" vert="horz" wrap="square" lIns="117348" tIns="117348" rIns="156464" bIns="176022" numCol="1" spcCol="1270" anchor="t" anchorCtr="0">
+          <a:noAutofit/>
+        </a:bodyPr>
+        <a:lstStyle/>
+        <a:p>
+          <a:pPr marL="228600" lvl="1" indent="-228600" algn="l" defTabSz="977900">
+            <a:lnSpc>
+              <a:spcPct val="90000"/>
+            </a:lnSpc>
+            <a:spcBef>
+              <a:spcPct val="0"/>
+            </a:spcBef>
+            <a:spcAft>
+              <a:spcPct val="15000"/>
+            </a:spcAft>
+            <a:buChar char="•"/>
+          </a:pPr>
+          <a:r>
+            <a:rPr lang="en-US" sz="2200" i="0" kern="1200" baseline="0" dirty="0">
+              <a:solidFill>
+                <a:schemeClr val="tx1">
+                  <a:lumMod val="75000"/>
+                  <a:lumOff val="25000"/>
+                </a:schemeClr>
+              </a:solidFill>
+              <a:latin typeface="Smiley Sans Oblique" pitchFamily="2" charset="-122"/>
+              <a:ea typeface="Smiley Sans Oblique" pitchFamily="2" charset="-122"/>
+            </a:rPr>
+            <a:t>Stock returns 股市回报</a:t>
+          </a:r>
+          <a:endParaRPr lang="en-US" sz="2200" kern="1200" dirty="0">
+            <a:solidFill>
+              <a:schemeClr val="tx1">
+                <a:lumMod val="75000"/>
+                <a:lumOff val="25000"/>
+              </a:schemeClr>
+            </a:solidFill>
+            <a:latin typeface="Smiley Sans Oblique" pitchFamily="2" charset="-122"/>
+            <a:ea typeface="Smiley Sans Oblique" pitchFamily="2" charset="-122"/>
+          </a:endParaRPr>
+        </a:p>
+        <a:p>
+          <a:pPr marL="228600" lvl="1" indent="-228600" algn="l" defTabSz="977900">
+            <a:lnSpc>
+              <a:spcPct val="90000"/>
+            </a:lnSpc>
+            <a:spcBef>
+              <a:spcPct val="0"/>
+            </a:spcBef>
+            <a:spcAft>
+              <a:spcPct val="15000"/>
+            </a:spcAft>
+            <a:buChar char="•"/>
+          </a:pPr>
+          <a:r>
+            <a:rPr lang="en-US" sz="2200" i="0" kern="1200" baseline="0" dirty="0">
+              <a:solidFill>
+                <a:schemeClr val="tx1">
+                  <a:lumMod val="75000"/>
+                  <a:lumOff val="25000"/>
+                </a:schemeClr>
+              </a:solidFill>
+              <a:latin typeface="Smiley Sans Oblique" pitchFamily="2" charset="-122"/>
+              <a:ea typeface="Smiley Sans Oblique" pitchFamily="2" charset="-122"/>
+            </a:rPr>
+            <a:t>Consumer</a:t>
+          </a:r>
+          <a:r>
+            <a:rPr lang="zh-CN" sz="2200" i="0" kern="1200" baseline="0" dirty="0">
+              <a:solidFill>
+                <a:schemeClr val="tx1">
+                  <a:lumMod val="75000"/>
+                  <a:lumOff val="25000"/>
+                </a:schemeClr>
+              </a:solidFill>
+              <a:latin typeface="Smiley Sans Oblique" pitchFamily="2" charset="-122"/>
+              <a:ea typeface="Smiley Sans Oblique" pitchFamily="2" charset="-122"/>
+            </a:rPr>
+            <a:t> </a:t>
+          </a:r>
+          <a:r>
+            <a:rPr lang="en-US" sz="2200" i="0" kern="1200" baseline="0" dirty="0">
+              <a:solidFill>
+                <a:schemeClr val="tx1">
+                  <a:lumMod val="75000"/>
+                  <a:lumOff val="25000"/>
+                </a:schemeClr>
+              </a:solidFill>
+              <a:latin typeface="Smiley Sans Oblique" pitchFamily="2" charset="-122"/>
+              <a:ea typeface="Smiley Sans Oblique" pitchFamily="2" charset="-122"/>
+            </a:rPr>
+            <a:t>confidence index </a:t>
+          </a:r>
+          <a:r>
+            <a:rPr lang="zh-CN" sz="2200" i="0" kern="1200" baseline="0" dirty="0">
+              <a:solidFill>
+                <a:schemeClr val="tx1">
+                  <a:lumMod val="75000"/>
+                  <a:lumOff val="25000"/>
+                </a:schemeClr>
+              </a:solidFill>
+              <a:latin typeface="Smiley Sans Oblique" pitchFamily="2" charset="-122"/>
+              <a:ea typeface="Smiley Sans Oblique" pitchFamily="2" charset="-122"/>
+            </a:rPr>
+            <a:t>消费者信心</a:t>
+          </a:r>
+          <a:endParaRPr lang="en-US" sz="2200" kern="1200" dirty="0">
+            <a:solidFill>
+              <a:schemeClr val="tx1">
+                <a:lumMod val="75000"/>
+                <a:lumOff val="25000"/>
+              </a:schemeClr>
+            </a:solidFill>
+            <a:latin typeface="Smiley Sans Oblique" pitchFamily="2" charset="-122"/>
+            <a:ea typeface="Smiley Sans Oblique" pitchFamily="2" charset="-122"/>
+          </a:endParaRPr>
+        </a:p>
+        <a:p>
+          <a:pPr marL="228600" lvl="1" indent="-228600" algn="l" defTabSz="977900">
+            <a:lnSpc>
+              <a:spcPct val="90000"/>
+            </a:lnSpc>
+            <a:spcBef>
+              <a:spcPct val="0"/>
+            </a:spcBef>
+            <a:spcAft>
+              <a:spcPct val="15000"/>
+            </a:spcAft>
+            <a:buChar char="•"/>
+          </a:pPr>
+          <a:r>
+            <a:rPr lang="en-US" sz="2200" i="0" kern="1200" baseline="0" dirty="0">
+              <a:solidFill>
+                <a:schemeClr val="tx1">
+                  <a:lumMod val="75000"/>
+                  <a:lumOff val="25000"/>
+                </a:schemeClr>
+              </a:solidFill>
+              <a:latin typeface="Smiley Sans Oblique" pitchFamily="2" charset="-122"/>
+              <a:ea typeface="Smiley Sans Oblique" pitchFamily="2" charset="-122"/>
+            </a:rPr>
+            <a:t>Manufacturing</a:t>
+          </a:r>
+          <a:r>
+            <a:rPr lang="zh-CN" sz="2200" i="0" kern="1200" baseline="0" dirty="0">
+              <a:solidFill>
+                <a:schemeClr val="tx1">
+                  <a:lumMod val="75000"/>
+                  <a:lumOff val="25000"/>
+                </a:schemeClr>
+              </a:solidFill>
+              <a:latin typeface="Smiley Sans Oblique" pitchFamily="2" charset="-122"/>
+              <a:ea typeface="Smiley Sans Oblique" pitchFamily="2" charset="-122"/>
+            </a:rPr>
+            <a:t> </a:t>
+          </a:r>
+          <a:r>
+            <a:rPr lang="en-CA" sz="2200" i="0" kern="1200" baseline="0" dirty="0">
+              <a:solidFill>
+                <a:schemeClr val="tx1">
+                  <a:lumMod val="75000"/>
+                  <a:lumOff val="25000"/>
+                </a:schemeClr>
+              </a:solidFill>
+              <a:latin typeface="Smiley Sans Oblique" pitchFamily="2" charset="-122"/>
+              <a:ea typeface="Smiley Sans Oblique" pitchFamily="2" charset="-122"/>
+            </a:rPr>
+            <a:t>activity (PMI) </a:t>
+          </a:r>
+          <a:r>
+            <a:rPr lang="zh-CN" sz="2200" i="0" kern="1200" baseline="0" dirty="0">
+              <a:solidFill>
+                <a:schemeClr val="tx1">
+                  <a:lumMod val="75000"/>
+                  <a:lumOff val="25000"/>
+                </a:schemeClr>
+              </a:solidFill>
+              <a:latin typeface="Smiley Sans Oblique" pitchFamily="2" charset="-122"/>
+              <a:ea typeface="Smiley Sans Oblique" pitchFamily="2" charset="-122"/>
+            </a:rPr>
+            <a:t>制造业活动</a:t>
+          </a:r>
+          <a:endParaRPr lang="en-US" sz="2200" kern="1200" dirty="0">
+            <a:solidFill>
+              <a:schemeClr val="tx1">
+                <a:lumMod val="75000"/>
+                <a:lumOff val="25000"/>
+              </a:schemeClr>
+            </a:solidFill>
+            <a:latin typeface="Smiley Sans Oblique" pitchFamily="2" charset="-122"/>
+            <a:ea typeface="Smiley Sans Oblique" pitchFamily="2" charset="-122"/>
+          </a:endParaRPr>
+        </a:p>
+      </dsp:txBody>
+      <dsp:txXfrm>
+        <a:off x="3000" y="1151206"/>
+        <a:ext cx="2925365" cy="2415599"/>
+      </dsp:txXfrm>
+    </dsp:sp>
+    <dsp:sp modelId="{B93A2660-672A-544E-9315-8816B13F612A}">
+      <dsp:nvSpPr>
+        <dsp:cNvPr id="0" name=""/>
+        <dsp:cNvSpPr/>
+      </dsp:nvSpPr>
+      <dsp:spPr>
+        <a:xfrm>
+          <a:off x="3337917" y="14593"/>
+          <a:ext cx="2925365" cy="1136612"/>
+        </a:xfrm>
+        <a:prstGeom prst="rect">
+          <a:avLst/>
+        </a:prstGeom>
+        <a:solidFill>
+          <a:schemeClr val="accent3">
+            <a:hueOff val="0"/>
+            <a:satOff val="0"/>
+            <a:lumOff val="0"/>
+            <a:alphaOff val="0"/>
+          </a:schemeClr>
+        </a:solidFill>
+        <a:ln w="34925" cap="flat" cmpd="sng" algn="in">
+          <a:solidFill>
+            <a:schemeClr val="accent3">
+              <a:hueOff val="0"/>
+              <a:satOff val="0"/>
+              <a:lumOff val="0"/>
+              <a:alphaOff val="0"/>
+            </a:schemeClr>
+          </a:solidFill>
+          <a:prstDash val="solid"/>
+        </a:ln>
+        <a:effectLst/>
+      </dsp:spPr>
+      <dsp:style>
+        <a:lnRef idx="2">
+          <a:scrgbClr r="0" g="0" b="0"/>
+        </a:lnRef>
+        <a:fillRef idx="1">
+          <a:scrgbClr r="0" g="0" b="0"/>
+        </a:fillRef>
+        <a:effectRef idx="0">
+          <a:scrgbClr r="0" g="0" b="0"/>
+        </a:effectRef>
+        <a:fontRef idx="minor">
+          <a:schemeClr val="lt1"/>
+        </a:fontRef>
+      </dsp:style>
+      <dsp:txBody>
+        <a:bodyPr spcFirstLastPara="0" vert="horz" wrap="square" lIns="156464" tIns="89408" rIns="156464" bIns="89408" numCol="1" spcCol="1270" anchor="ctr" anchorCtr="0">
+          <a:noAutofit/>
+        </a:bodyPr>
+        <a:lstStyle/>
+        <a:p>
+          <a:pPr marL="0" lvl="0" indent="0" algn="ctr" defTabSz="977900">
+            <a:lnSpc>
+              <a:spcPct val="90000"/>
+            </a:lnSpc>
+            <a:spcBef>
+              <a:spcPct val="0"/>
+            </a:spcBef>
+            <a:spcAft>
+              <a:spcPct val="35000"/>
+            </a:spcAft>
+            <a:buNone/>
+          </a:pPr>
+          <a:r>
+            <a:rPr lang="en-US" sz="2200" kern="1200" baseline="0" dirty="0">
+              <a:solidFill>
+                <a:schemeClr val="bg1">
+                  <a:lumMod val="95000"/>
+                </a:schemeClr>
+              </a:solidFill>
+              <a:latin typeface="Smiley Sans Oblique" pitchFamily="2" charset="-122"/>
+              <a:ea typeface="Smiley Sans Oblique" pitchFamily="2" charset="-122"/>
+            </a:rPr>
+            <a:t>Lagging Indicators</a:t>
+          </a:r>
+          <a:r>
+            <a:rPr lang="zh-CN" sz="2200" kern="1200" baseline="0" dirty="0">
+              <a:solidFill>
+                <a:schemeClr val="bg1">
+                  <a:lumMod val="95000"/>
+                </a:schemeClr>
+              </a:solidFill>
+              <a:latin typeface="Smiley Sans Oblique" pitchFamily="2" charset="-122"/>
+              <a:ea typeface="Smiley Sans Oblique" pitchFamily="2" charset="-122"/>
+            </a:rPr>
+            <a:t> </a:t>
+          </a:r>
+          <a:endParaRPr lang="en-CA" altLang="zh-CN" sz="2200" kern="1200" baseline="0" dirty="0">
+            <a:solidFill>
+              <a:schemeClr val="bg1">
+                <a:lumMod val="95000"/>
+              </a:schemeClr>
+            </a:solidFill>
+            <a:latin typeface="Smiley Sans Oblique" pitchFamily="2" charset="-122"/>
+            <a:ea typeface="Smiley Sans Oblique" pitchFamily="2" charset="-122"/>
+          </a:endParaRPr>
+        </a:p>
+        <a:p>
+          <a:pPr marL="0" lvl="0" indent="0" algn="ctr" defTabSz="977900">
+            <a:lnSpc>
+              <a:spcPct val="90000"/>
+            </a:lnSpc>
+            <a:spcBef>
+              <a:spcPct val="0"/>
+            </a:spcBef>
+            <a:spcAft>
+              <a:spcPct val="35000"/>
+            </a:spcAft>
+            <a:buNone/>
+          </a:pPr>
+          <a:r>
+            <a:rPr lang="zh-CN" sz="2200" kern="1200" baseline="0" dirty="0">
+              <a:solidFill>
+                <a:schemeClr val="bg1">
+                  <a:lumMod val="95000"/>
+                </a:schemeClr>
+              </a:solidFill>
+              <a:latin typeface="Smiley Sans Oblique" pitchFamily="2" charset="-122"/>
+              <a:ea typeface="Smiley Sans Oblique" pitchFamily="2" charset="-122"/>
+            </a:rPr>
+            <a:t>滞后指标</a:t>
+          </a:r>
+          <a:endParaRPr lang="en-US" sz="2200" kern="1200" dirty="0">
+            <a:solidFill>
+              <a:schemeClr val="bg1">
+                <a:lumMod val="95000"/>
+              </a:schemeClr>
+            </a:solidFill>
+            <a:latin typeface="Smiley Sans Oblique" pitchFamily="2" charset="-122"/>
+            <a:ea typeface="Smiley Sans Oblique" pitchFamily="2" charset="-122"/>
+          </a:endParaRPr>
+        </a:p>
+      </dsp:txBody>
+      <dsp:txXfrm>
+        <a:off x="3337917" y="14593"/>
+        <a:ext cx="2925365" cy="1136612"/>
+      </dsp:txXfrm>
+    </dsp:sp>
+    <dsp:sp modelId="{7AC2065E-AA50-584E-B0DA-73CFBDBF262F}">
+      <dsp:nvSpPr>
+        <dsp:cNvPr id="0" name=""/>
+        <dsp:cNvSpPr/>
+      </dsp:nvSpPr>
+      <dsp:spPr>
+        <a:xfrm>
+          <a:off x="3337917" y="1151206"/>
+          <a:ext cx="2925365" cy="2415599"/>
+        </a:xfrm>
+        <a:prstGeom prst="rect">
+          <a:avLst/>
+        </a:prstGeom>
+        <a:solidFill>
+          <a:schemeClr val="accent3">
+            <a:tint val="40000"/>
+            <a:alpha val="90000"/>
+            <a:hueOff val="0"/>
+            <a:satOff val="0"/>
+            <a:lumOff val="0"/>
+            <a:alphaOff val="0"/>
+          </a:schemeClr>
+        </a:solidFill>
+        <a:ln w="34925" cap="flat" cmpd="sng" algn="in">
+          <a:solidFill>
+            <a:schemeClr val="accent3">
+              <a:tint val="40000"/>
+              <a:alpha val="90000"/>
+              <a:hueOff val="0"/>
+              <a:satOff val="0"/>
+              <a:lumOff val="0"/>
+              <a:alphaOff val="0"/>
+            </a:schemeClr>
+          </a:solidFill>
+          <a:prstDash val="solid"/>
+        </a:ln>
+        <a:effectLst/>
+      </dsp:spPr>
+      <dsp:style>
+        <a:lnRef idx="2">
+          <a:scrgbClr r="0" g="0" b="0"/>
+        </a:lnRef>
+        <a:fillRef idx="1">
+          <a:scrgbClr r="0" g="0" b="0"/>
+        </a:fillRef>
+        <a:effectRef idx="0">
+          <a:scrgbClr r="0" g="0" b="0"/>
+        </a:effectRef>
+        <a:fontRef idx="minor"/>
+      </dsp:style>
+      <dsp:txBody>
+        <a:bodyPr spcFirstLastPara="0" vert="horz" wrap="square" lIns="117348" tIns="117348" rIns="156464" bIns="176022" numCol="1" spcCol="1270" anchor="t" anchorCtr="0">
+          <a:noAutofit/>
+        </a:bodyPr>
+        <a:lstStyle/>
+        <a:p>
+          <a:pPr marL="228600" lvl="1" indent="-228600" algn="l" defTabSz="977900">
+            <a:lnSpc>
+              <a:spcPct val="90000"/>
+            </a:lnSpc>
+            <a:spcBef>
+              <a:spcPct val="0"/>
+            </a:spcBef>
+            <a:spcAft>
+              <a:spcPct val="15000"/>
+            </a:spcAft>
+            <a:buChar char="•"/>
+          </a:pPr>
+          <a:r>
+            <a:rPr lang="en-US" sz="2200" i="0" kern="1200" baseline="0" dirty="0">
+              <a:solidFill>
+                <a:schemeClr val="tx1">
+                  <a:lumMod val="75000"/>
+                  <a:lumOff val="25000"/>
+                </a:schemeClr>
+              </a:solidFill>
+              <a:latin typeface="Smiley Sans Oblique" pitchFamily="2" charset="-122"/>
+              <a:ea typeface="Smiley Sans Oblique" pitchFamily="2" charset="-122"/>
+            </a:rPr>
+            <a:t>GDP</a:t>
+          </a:r>
+          <a:r>
+            <a:rPr lang="zh-CN" sz="2200" i="0" kern="1200" baseline="0" dirty="0">
+              <a:solidFill>
+                <a:schemeClr val="tx1">
+                  <a:lumMod val="75000"/>
+                  <a:lumOff val="25000"/>
+                </a:schemeClr>
+              </a:solidFill>
+              <a:latin typeface="Smiley Sans Oblique" pitchFamily="2" charset="-122"/>
+              <a:ea typeface="Smiley Sans Oblique" pitchFamily="2" charset="-122"/>
+            </a:rPr>
+            <a:t> 生产总值</a:t>
+          </a:r>
+          <a:endParaRPr lang="en-US" sz="2200" kern="1200" dirty="0">
+            <a:solidFill>
+              <a:schemeClr val="tx1">
+                <a:lumMod val="75000"/>
+                <a:lumOff val="25000"/>
+              </a:schemeClr>
+            </a:solidFill>
+            <a:latin typeface="Smiley Sans Oblique" pitchFamily="2" charset="-122"/>
+            <a:ea typeface="Smiley Sans Oblique" pitchFamily="2" charset="-122"/>
+          </a:endParaRPr>
+        </a:p>
+        <a:p>
+          <a:pPr marL="228600" lvl="1" indent="-228600" algn="l" defTabSz="977900">
+            <a:lnSpc>
+              <a:spcPct val="90000"/>
+            </a:lnSpc>
+            <a:spcBef>
+              <a:spcPct val="0"/>
+            </a:spcBef>
+            <a:spcAft>
+              <a:spcPct val="15000"/>
+            </a:spcAft>
+            <a:buChar char="•"/>
+          </a:pPr>
+          <a:r>
+            <a:rPr lang="en-US" sz="2200" i="0" kern="1200" baseline="0" dirty="0">
+              <a:solidFill>
+                <a:schemeClr val="tx1">
+                  <a:lumMod val="75000"/>
+                  <a:lumOff val="25000"/>
+                </a:schemeClr>
+              </a:solidFill>
+              <a:latin typeface="Smiley Sans Oblique" pitchFamily="2" charset="-122"/>
+              <a:ea typeface="Smiley Sans Oblique" pitchFamily="2" charset="-122"/>
+            </a:rPr>
+            <a:t>Unemployment</a:t>
+          </a:r>
+          <a:r>
+            <a:rPr lang="zh-CN" sz="2200" i="0" kern="1200" baseline="0" dirty="0">
+              <a:solidFill>
+                <a:schemeClr val="tx1">
+                  <a:lumMod val="75000"/>
+                  <a:lumOff val="25000"/>
+                </a:schemeClr>
+              </a:solidFill>
+              <a:latin typeface="Smiley Sans Oblique" pitchFamily="2" charset="-122"/>
+              <a:ea typeface="Smiley Sans Oblique" pitchFamily="2" charset="-122"/>
+            </a:rPr>
+            <a:t> </a:t>
+          </a:r>
+          <a:r>
+            <a:rPr lang="en-US" sz="2200" i="0" kern="1200" baseline="0" dirty="0">
+              <a:solidFill>
+                <a:schemeClr val="tx1">
+                  <a:lumMod val="75000"/>
+                  <a:lumOff val="25000"/>
+                </a:schemeClr>
+              </a:solidFill>
+              <a:latin typeface="Smiley Sans Oblique" pitchFamily="2" charset="-122"/>
+              <a:ea typeface="Smiley Sans Oblique" pitchFamily="2" charset="-122"/>
+            </a:rPr>
+            <a:t>rate </a:t>
+          </a:r>
+          <a:r>
+            <a:rPr lang="zh-CN" altLang="en-US" sz="2200" i="0" kern="1200" baseline="0" dirty="0">
+              <a:solidFill>
+                <a:schemeClr val="tx1">
+                  <a:lumMod val="75000"/>
+                  <a:lumOff val="25000"/>
+                </a:schemeClr>
+              </a:solidFill>
+              <a:latin typeface="Smiley Sans Oblique" pitchFamily="2" charset="-122"/>
+              <a:ea typeface="Smiley Sans Oblique" pitchFamily="2" charset="-122"/>
+            </a:rPr>
+            <a:t>    </a:t>
+          </a:r>
+          <a:r>
+            <a:rPr lang="zh-CN" sz="2200" i="0" kern="1200" baseline="0" dirty="0">
+              <a:solidFill>
+                <a:schemeClr val="tx1">
+                  <a:lumMod val="75000"/>
+                  <a:lumOff val="25000"/>
+                </a:schemeClr>
+              </a:solidFill>
+              <a:latin typeface="Smiley Sans Oblique" pitchFamily="2" charset="-122"/>
+              <a:ea typeface="Smiley Sans Oblique" pitchFamily="2" charset="-122"/>
+            </a:rPr>
+            <a:t>失业率</a:t>
+          </a:r>
+          <a:endParaRPr lang="en-US" sz="2200" kern="1200" dirty="0">
+            <a:solidFill>
+              <a:schemeClr val="tx1">
+                <a:lumMod val="75000"/>
+                <a:lumOff val="25000"/>
+              </a:schemeClr>
+            </a:solidFill>
+            <a:latin typeface="Smiley Sans Oblique" pitchFamily="2" charset="-122"/>
+            <a:ea typeface="Smiley Sans Oblique" pitchFamily="2" charset="-122"/>
+          </a:endParaRPr>
+        </a:p>
+        <a:p>
+          <a:pPr marL="228600" lvl="1" indent="-228600" algn="l" defTabSz="977900">
+            <a:lnSpc>
+              <a:spcPct val="90000"/>
+            </a:lnSpc>
+            <a:spcBef>
+              <a:spcPct val="0"/>
+            </a:spcBef>
+            <a:spcAft>
+              <a:spcPct val="15000"/>
+            </a:spcAft>
+            <a:buChar char="•"/>
+          </a:pPr>
+          <a:r>
+            <a:rPr lang="en-US" sz="2200" i="0" kern="1200" baseline="0" dirty="0">
+              <a:solidFill>
+                <a:schemeClr val="tx1">
+                  <a:lumMod val="75000"/>
+                  <a:lumOff val="25000"/>
+                </a:schemeClr>
+              </a:solidFill>
+              <a:latin typeface="Smiley Sans Oblique" pitchFamily="2" charset="-122"/>
+              <a:ea typeface="Smiley Sans Oblique" pitchFamily="2" charset="-122"/>
+            </a:rPr>
+            <a:t>Consumer price index</a:t>
+          </a:r>
+          <a:r>
+            <a:rPr lang="zh-CN" sz="2200" i="0" kern="1200" baseline="0" dirty="0">
+              <a:solidFill>
+                <a:schemeClr val="tx1">
+                  <a:lumMod val="75000"/>
+                  <a:lumOff val="25000"/>
+                </a:schemeClr>
+              </a:solidFill>
+              <a:latin typeface="Smiley Sans Oblique" pitchFamily="2" charset="-122"/>
+              <a:ea typeface="Smiley Sans Oblique" pitchFamily="2" charset="-122"/>
+            </a:rPr>
+            <a:t> </a:t>
+          </a:r>
+          <a:r>
+            <a:rPr lang="zh-CN" altLang="en-US" sz="2200" i="0" kern="1200" baseline="0" dirty="0">
+              <a:solidFill>
+                <a:schemeClr val="tx1">
+                  <a:lumMod val="75000"/>
+                  <a:lumOff val="25000"/>
+                </a:schemeClr>
+              </a:solidFill>
+              <a:latin typeface="Smiley Sans Oblique" pitchFamily="2" charset="-122"/>
+              <a:ea typeface="Smiley Sans Oblique" pitchFamily="2" charset="-122"/>
+            </a:rPr>
+            <a:t> </a:t>
+          </a:r>
+          <a:r>
+            <a:rPr lang="zh-CN" sz="2200" i="0" kern="1200" baseline="0" dirty="0">
+              <a:solidFill>
+                <a:schemeClr val="tx1">
+                  <a:lumMod val="75000"/>
+                  <a:lumOff val="25000"/>
+                </a:schemeClr>
+              </a:solidFill>
+              <a:latin typeface="Smiley Sans Oblique" pitchFamily="2" charset="-122"/>
+              <a:ea typeface="Smiley Sans Oblique" pitchFamily="2" charset="-122"/>
+            </a:rPr>
+            <a:t>消费品指数</a:t>
+          </a:r>
+          <a:endParaRPr lang="en-US" sz="2200" kern="1200" dirty="0">
+            <a:solidFill>
+              <a:schemeClr val="tx1">
+                <a:lumMod val="75000"/>
+                <a:lumOff val="25000"/>
+              </a:schemeClr>
+            </a:solidFill>
+            <a:latin typeface="Smiley Sans Oblique" pitchFamily="2" charset="-122"/>
+            <a:ea typeface="Smiley Sans Oblique" pitchFamily="2" charset="-122"/>
+          </a:endParaRPr>
+        </a:p>
+      </dsp:txBody>
+      <dsp:txXfrm>
+        <a:off x="3337917" y="1151206"/>
+        <a:ext cx="2925365" cy="2415599"/>
+      </dsp:txXfrm>
+    </dsp:sp>
+    <dsp:sp modelId="{1132904B-5D9C-F847-ADE1-746610515128}">
+      <dsp:nvSpPr>
+        <dsp:cNvPr id="0" name=""/>
+        <dsp:cNvSpPr/>
+      </dsp:nvSpPr>
+      <dsp:spPr>
+        <a:xfrm>
+          <a:off x="6672833" y="14593"/>
+          <a:ext cx="2925365" cy="1136612"/>
+        </a:xfrm>
+        <a:prstGeom prst="rect">
+          <a:avLst/>
+        </a:prstGeom>
+        <a:solidFill>
+          <a:schemeClr val="accent4">
+            <a:hueOff val="0"/>
+            <a:satOff val="0"/>
+            <a:lumOff val="0"/>
+            <a:alphaOff val="0"/>
+          </a:schemeClr>
+        </a:solidFill>
+        <a:ln w="34925" cap="flat" cmpd="sng" algn="in">
+          <a:solidFill>
+            <a:schemeClr val="accent4">
+              <a:hueOff val="0"/>
+              <a:satOff val="0"/>
+              <a:lumOff val="0"/>
+              <a:alphaOff val="0"/>
+            </a:schemeClr>
+          </a:solidFill>
+          <a:prstDash val="solid"/>
+        </a:ln>
+        <a:effectLst/>
+      </dsp:spPr>
+      <dsp:style>
+        <a:lnRef idx="2">
+          <a:scrgbClr r="0" g="0" b="0"/>
+        </a:lnRef>
+        <a:fillRef idx="1">
+          <a:scrgbClr r="0" g="0" b="0"/>
+        </a:fillRef>
+        <a:effectRef idx="0">
+          <a:scrgbClr r="0" g="0" b="0"/>
+        </a:effectRef>
+        <a:fontRef idx="minor">
+          <a:schemeClr val="lt1"/>
+        </a:fontRef>
+      </dsp:style>
+      <dsp:txBody>
+        <a:bodyPr spcFirstLastPara="0" vert="horz" wrap="square" lIns="156464" tIns="89408" rIns="156464" bIns="89408" numCol="1" spcCol="1270" anchor="ctr" anchorCtr="0">
+          <a:noAutofit/>
+        </a:bodyPr>
+        <a:lstStyle/>
+        <a:p>
+          <a:pPr marL="0" lvl="0" indent="0" algn="ctr" defTabSz="977900">
+            <a:lnSpc>
+              <a:spcPct val="90000"/>
+            </a:lnSpc>
+            <a:spcBef>
+              <a:spcPct val="0"/>
+            </a:spcBef>
+            <a:spcAft>
+              <a:spcPct val="35000"/>
+            </a:spcAft>
+            <a:buNone/>
+          </a:pPr>
+          <a:r>
+            <a:rPr lang="en-US" sz="2200" kern="1200" baseline="0" dirty="0">
+              <a:solidFill>
+                <a:schemeClr val="bg1">
+                  <a:lumMod val="95000"/>
+                </a:schemeClr>
+              </a:solidFill>
+              <a:latin typeface="Smiley Sans Oblique" pitchFamily="2" charset="-122"/>
+              <a:ea typeface="Smiley Sans Oblique" pitchFamily="2" charset="-122"/>
+            </a:rPr>
+            <a:t>Coincident </a:t>
+          </a:r>
+          <a:r>
+            <a:rPr lang="en-CA" sz="2200" kern="1200" baseline="0" dirty="0">
+              <a:solidFill>
+                <a:schemeClr val="bg1">
+                  <a:lumMod val="95000"/>
+                </a:schemeClr>
+              </a:solidFill>
+              <a:latin typeface="Smiley Sans Oblique" pitchFamily="2" charset="-122"/>
+              <a:ea typeface="Smiley Sans Oblique" pitchFamily="2" charset="-122"/>
+            </a:rPr>
+            <a:t>Indicators </a:t>
+          </a:r>
+        </a:p>
+        <a:p>
+          <a:pPr marL="0" lvl="0" indent="0" algn="ctr" defTabSz="977900">
+            <a:lnSpc>
+              <a:spcPct val="90000"/>
+            </a:lnSpc>
+            <a:spcBef>
+              <a:spcPct val="0"/>
+            </a:spcBef>
+            <a:spcAft>
+              <a:spcPct val="35000"/>
+            </a:spcAft>
+            <a:buNone/>
+          </a:pPr>
+          <a:r>
+            <a:rPr lang="zh-CN" sz="2200" kern="1200" baseline="0" dirty="0">
+              <a:solidFill>
+                <a:schemeClr val="bg1">
+                  <a:lumMod val="95000"/>
+                </a:schemeClr>
+              </a:solidFill>
+              <a:latin typeface="Smiley Sans Oblique" pitchFamily="2" charset="-122"/>
+              <a:ea typeface="Smiley Sans Oblique" pitchFamily="2" charset="-122"/>
+            </a:rPr>
+            <a:t>同时指标</a:t>
+          </a:r>
+          <a:endParaRPr lang="en-US" sz="2200" kern="1200" dirty="0">
+            <a:solidFill>
+              <a:schemeClr val="bg1">
+                <a:lumMod val="95000"/>
+              </a:schemeClr>
+            </a:solidFill>
+            <a:latin typeface="Smiley Sans Oblique" pitchFamily="2" charset="-122"/>
+            <a:ea typeface="Smiley Sans Oblique" pitchFamily="2" charset="-122"/>
+          </a:endParaRPr>
+        </a:p>
+      </dsp:txBody>
+      <dsp:txXfrm>
+        <a:off x="6672833" y="14593"/>
+        <a:ext cx="2925365" cy="1136612"/>
+      </dsp:txXfrm>
+    </dsp:sp>
+    <dsp:sp modelId="{2FE3BE6F-6330-3F4F-9403-45CAF7722428}">
+      <dsp:nvSpPr>
+        <dsp:cNvPr id="0" name=""/>
+        <dsp:cNvSpPr/>
+      </dsp:nvSpPr>
+      <dsp:spPr>
+        <a:xfrm>
+          <a:off x="6672833" y="1151206"/>
+          <a:ext cx="2925365" cy="2415599"/>
+        </a:xfrm>
+        <a:prstGeom prst="rect">
+          <a:avLst/>
+        </a:prstGeom>
+        <a:solidFill>
+          <a:schemeClr val="accent4">
+            <a:tint val="40000"/>
+            <a:alpha val="90000"/>
+            <a:hueOff val="0"/>
+            <a:satOff val="0"/>
+            <a:lumOff val="0"/>
+            <a:alphaOff val="0"/>
+          </a:schemeClr>
+        </a:solidFill>
+        <a:ln w="34925" cap="flat" cmpd="sng" algn="in">
+          <a:solidFill>
+            <a:schemeClr val="accent4">
+              <a:tint val="40000"/>
+              <a:alpha val="90000"/>
+              <a:hueOff val="0"/>
+              <a:satOff val="0"/>
+              <a:lumOff val="0"/>
+              <a:alphaOff val="0"/>
+            </a:schemeClr>
+          </a:solidFill>
+          <a:prstDash val="solid"/>
+        </a:ln>
+        <a:effectLst/>
+      </dsp:spPr>
+      <dsp:style>
+        <a:lnRef idx="2">
+          <a:scrgbClr r="0" g="0" b="0"/>
+        </a:lnRef>
+        <a:fillRef idx="1">
+          <a:scrgbClr r="0" g="0" b="0"/>
+        </a:fillRef>
+        <a:effectRef idx="0">
+          <a:scrgbClr r="0" g="0" b="0"/>
+        </a:effectRef>
+        <a:fontRef idx="minor"/>
+      </dsp:style>
+      <dsp:txBody>
+        <a:bodyPr spcFirstLastPara="0" vert="horz" wrap="square" lIns="117348" tIns="117348" rIns="156464" bIns="176022" numCol="1" spcCol="1270" anchor="t" anchorCtr="0">
+          <a:noAutofit/>
+        </a:bodyPr>
+        <a:lstStyle/>
+        <a:p>
+          <a:pPr marL="228600" lvl="1" indent="-228600" algn="l" defTabSz="977900">
+            <a:lnSpc>
+              <a:spcPct val="90000"/>
+            </a:lnSpc>
+            <a:spcBef>
+              <a:spcPct val="0"/>
+            </a:spcBef>
+            <a:spcAft>
+              <a:spcPct val="15000"/>
+            </a:spcAft>
+            <a:buChar char="•"/>
+          </a:pPr>
+          <a:r>
+            <a:rPr lang="en-US" sz="2200" i="0" kern="1200" baseline="0" dirty="0">
+              <a:solidFill>
+                <a:schemeClr val="tx1">
+                  <a:lumMod val="75000"/>
+                  <a:lumOff val="25000"/>
+                </a:schemeClr>
+              </a:solidFill>
+              <a:latin typeface="Smiley Sans Oblique" pitchFamily="2" charset="-122"/>
+              <a:ea typeface="Smiley Sans Oblique" pitchFamily="2" charset="-122"/>
+            </a:rPr>
+            <a:t>Retail</a:t>
+          </a:r>
+          <a:r>
+            <a:rPr lang="zh-CN" sz="2200" i="0" kern="1200" baseline="0" dirty="0">
+              <a:solidFill>
+                <a:schemeClr val="tx1">
+                  <a:lumMod val="75000"/>
+                  <a:lumOff val="25000"/>
+                </a:schemeClr>
+              </a:solidFill>
+              <a:latin typeface="Smiley Sans Oblique" pitchFamily="2" charset="-122"/>
+              <a:ea typeface="Smiley Sans Oblique" pitchFamily="2" charset="-122"/>
+            </a:rPr>
+            <a:t> </a:t>
+          </a:r>
+          <a:r>
+            <a:rPr lang="en-US" sz="2200" i="0" kern="1200" baseline="0" dirty="0">
+              <a:solidFill>
+                <a:schemeClr val="tx1">
+                  <a:lumMod val="75000"/>
+                  <a:lumOff val="25000"/>
+                </a:schemeClr>
+              </a:solidFill>
+              <a:latin typeface="Smiley Sans Oblique" pitchFamily="2" charset="-122"/>
+              <a:ea typeface="Smiley Sans Oblique" pitchFamily="2" charset="-122"/>
+            </a:rPr>
+            <a:t>sales</a:t>
+          </a:r>
+          <a:r>
+            <a:rPr lang="zh-CN" sz="2200" i="0" kern="1200" baseline="0" dirty="0">
+              <a:solidFill>
+                <a:schemeClr val="tx1">
+                  <a:lumMod val="75000"/>
+                  <a:lumOff val="25000"/>
+                </a:schemeClr>
+              </a:solidFill>
+              <a:latin typeface="Smiley Sans Oblique" pitchFamily="2" charset="-122"/>
+              <a:ea typeface="Smiley Sans Oblique" pitchFamily="2" charset="-122"/>
+            </a:rPr>
+            <a:t> 零售销售</a:t>
+          </a:r>
+          <a:endParaRPr lang="en-US" sz="2200" kern="1200" dirty="0">
+            <a:solidFill>
+              <a:schemeClr val="tx1">
+                <a:lumMod val="75000"/>
+                <a:lumOff val="25000"/>
+              </a:schemeClr>
+            </a:solidFill>
+            <a:latin typeface="Smiley Sans Oblique" pitchFamily="2" charset="-122"/>
+            <a:ea typeface="Smiley Sans Oblique" pitchFamily="2" charset="-122"/>
+          </a:endParaRPr>
+        </a:p>
+        <a:p>
+          <a:pPr marL="228600" lvl="1" indent="-228600" algn="l" defTabSz="977900">
+            <a:lnSpc>
+              <a:spcPct val="90000"/>
+            </a:lnSpc>
+            <a:spcBef>
+              <a:spcPct val="0"/>
+            </a:spcBef>
+            <a:spcAft>
+              <a:spcPct val="15000"/>
+            </a:spcAft>
+            <a:buChar char="•"/>
+          </a:pPr>
+          <a:r>
+            <a:rPr lang="en-CA" sz="2200" i="0" kern="1200" baseline="0" dirty="0">
+              <a:solidFill>
+                <a:schemeClr val="tx1">
+                  <a:lumMod val="75000"/>
+                  <a:lumOff val="25000"/>
+                </a:schemeClr>
+              </a:solidFill>
+              <a:latin typeface="Smiley Sans Oblique" pitchFamily="2" charset="-122"/>
+              <a:ea typeface="Smiley Sans Oblique" pitchFamily="2" charset="-122"/>
+            </a:rPr>
+            <a:t>Personal income </a:t>
+          </a:r>
+          <a:r>
+            <a:rPr lang="zh-CN" altLang="en-US" sz="2200" i="0" kern="1200" baseline="0" dirty="0">
+              <a:solidFill>
+                <a:schemeClr val="tx1">
+                  <a:lumMod val="75000"/>
+                  <a:lumOff val="25000"/>
+                </a:schemeClr>
+              </a:solidFill>
+              <a:latin typeface="Smiley Sans Oblique" pitchFamily="2" charset="-122"/>
+              <a:ea typeface="Smiley Sans Oblique" pitchFamily="2" charset="-122"/>
+            </a:rPr>
+            <a:t>          </a:t>
+          </a:r>
+          <a:r>
+            <a:rPr lang="en-CA" sz="2200" i="0" kern="1200" baseline="0" dirty="0">
+              <a:solidFill>
+                <a:schemeClr val="tx1">
+                  <a:lumMod val="75000"/>
+                  <a:lumOff val="25000"/>
+                </a:schemeClr>
+              </a:solidFill>
+              <a:latin typeface="Smiley Sans Oblique" pitchFamily="2" charset="-122"/>
+              <a:ea typeface="Smiley Sans Oblique" pitchFamily="2" charset="-122"/>
+            </a:rPr>
+            <a:t>个人收入</a:t>
+          </a:r>
+          <a:endParaRPr lang="en-US" sz="2200" kern="1200" dirty="0">
+            <a:solidFill>
+              <a:schemeClr val="tx1">
+                <a:lumMod val="75000"/>
+                <a:lumOff val="25000"/>
+              </a:schemeClr>
+            </a:solidFill>
+            <a:latin typeface="Smiley Sans Oblique" pitchFamily="2" charset="-122"/>
+            <a:ea typeface="Smiley Sans Oblique" pitchFamily="2" charset="-122"/>
+          </a:endParaRPr>
+        </a:p>
+      </dsp:txBody>
+      <dsp:txXfrm>
+        <a:off x="6672833" y="1151206"/>
+        <a:ext cx="2925365" cy="2415599"/>
+      </dsp:txXfrm>
+    </dsp:sp>
+  </dsp:spTree>
+</dsp:drawing>
+</file>
+
 <file path=ppt/diagrams/layout1.xml><?xml version="1.0" encoding="utf-8"?>
 <dgm:layoutDef xmlns:dgm="http://schemas.openxmlformats.org/drawingml/2006/diagram" xmlns:a="http://schemas.openxmlformats.org/drawingml/2006/main" uniqueId="urn:microsoft.com/office/officeart/2018/2/layout/IconVerticalSolidList">
   <dgm:title val="Icon Vertical Solid List"/>
@@ -2878,7 +5994,1258 @@
 </dgm:layoutDef>
 </file>
 
+<file path=ppt/diagrams/layout2.xml><?xml version="1.0" encoding="utf-8"?>
+<dgm:layoutDef xmlns:dgm="http://schemas.openxmlformats.org/drawingml/2006/diagram" xmlns:a="http://schemas.openxmlformats.org/drawingml/2006/main" uniqueId="urn:microsoft.com/office/officeart/2005/8/layout/hList1">
+  <dgm:title val=""/>
+  <dgm:desc val=""/>
+  <dgm:catLst>
+    <dgm:cat type="list" pri="5000"/>
+    <dgm:cat type="convert" pri="5000"/>
+  </dgm:catLst>
+  <dgm:sampData>
+    <dgm:dataModel>
+      <dgm:ptLst>
+        <dgm:pt modelId="0" type="doc"/>
+        <dgm:pt modelId="1">
+          <dgm:prSet phldr="1"/>
+        </dgm:pt>
+        <dgm:pt modelId="11">
+          <dgm:prSet phldr="1"/>
+        </dgm:pt>
+        <dgm:pt modelId="12">
+          <dgm:prSet phldr="1"/>
+        </dgm:pt>
+        <dgm:pt modelId="2">
+          <dgm:prSet phldr="1"/>
+        </dgm:pt>
+        <dgm:pt modelId="21">
+          <dgm:prSet phldr="1"/>
+        </dgm:pt>
+        <dgm:pt modelId="22">
+          <dgm:prSet phldr="1"/>
+        </dgm:pt>
+        <dgm:pt modelId="3">
+          <dgm:prSet phldr="1"/>
+        </dgm:pt>
+        <dgm:pt modelId="31">
+          <dgm:prSet phldr="1"/>
+        </dgm:pt>
+        <dgm:pt modelId="32">
+          <dgm:prSet phldr="1"/>
+        </dgm:pt>
+      </dgm:ptLst>
+      <dgm:cxnLst>
+        <dgm:cxn modelId="4" srcId="0" destId="1" srcOrd="0" destOrd="0"/>
+        <dgm:cxn modelId="5" srcId="0" destId="2" srcOrd="1" destOrd="0"/>
+        <dgm:cxn modelId="6" srcId="0" destId="3" srcOrd="2" destOrd="0"/>
+        <dgm:cxn modelId="13" srcId="1" destId="11" srcOrd="0" destOrd="0"/>
+        <dgm:cxn modelId="14" srcId="1" destId="12" srcOrd="1" destOrd="0"/>
+        <dgm:cxn modelId="23" srcId="2" destId="21" srcOrd="0" destOrd="0"/>
+        <dgm:cxn modelId="24" srcId="2" destId="22" srcOrd="1" destOrd="0"/>
+        <dgm:cxn modelId="33" srcId="3" destId="31" srcOrd="0" destOrd="0"/>
+        <dgm:cxn modelId="34" srcId="3" destId="32" srcOrd="1" destOrd="0"/>
+      </dgm:cxnLst>
+      <dgm:bg/>
+      <dgm:whole/>
+    </dgm:dataModel>
+  </dgm:sampData>
+  <dgm:styleData>
+    <dgm:dataModel>
+      <dgm:ptLst>
+        <dgm:pt modelId="0" type="doc"/>
+        <dgm:pt modelId="1">
+          <dgm:prSet phldr="1"/>
+        </dgm:pt>
+        <dgm:pt modelId="2">
+          <dgm:prSet phldr="1"/>
+        </dgm:pt>
+      </dgm:ptLst>
+      <dgm:cxnLst>
+        <dgm:cxn modelId="3" srcId="0" destId="1" srcOrd="0" destOrd="0"/>
+        <dgm:cxn modelId="4" srcId="0" destId="2" srcOrd="1" destOrd="0"/>
+      </dgm:cxnLst>
+      <dgm:bg/>
+      <dgm:whole/>
+    </dgm:dataModel>
+  </dgm:styleData>
+  <dgm:clrData>
+    <dgm:dataModel>
+      <dgm:ptLst>
+        <dgm:pt modelId="0" type="doc"/>
+        <dgm:pt modelId="1">
+          <dgm:prSet phldr="1"/>
+        </dgm:pt>
+        <dgm:pt modelId="2">
+          <dgm:prSet phldr="1"/>
+        </dgm:pt>
+        <dgm:pt modelId="3">
+          <dgm:prSet phldr="1"/>
+        </dgm:pt>
+        <dgm:pt modelId="4">
+          <dgm:prSet phldr="1"/>
+        </dgm:pt>
+      </dgm:ptLst>
+      <dgm:cxnLst>
+        <dgm:cxn modelId="5" srcId="0" destId="1" srcOrd="0" destOrd="0"/>
+        <dgm:cxn modelId="6" srcId="0" destId="2" srcOrd="1" destOrd="0"/>
+        <dgm:cxn modelId="7" srcId="0" destId="3" srcOrd="2" destOrd="0"/>
+        <dgm:cxn modelId="8" srcId="0" destId="4" srcOrd="3" destOrd="0"/>
+      </dgm:cxnLst>
+      <dgm:bg/>
+      <dgm:whole/>
+    </dgm:dataModel>
+  </dgm:clrData>
+  <dgm:layoutNode name="Name0">
+    <dgm:varLst>
+      <dgm:dir/>
+      <dgm:animLvl val="lvl"/>
+      <dgm:resizeHandles val="exact"/>
+    </dgm:varLst>
+    <dgm:choose name="Name1">
+      <dgm:if name="Name2" func="var" arg="dir" op="equ" val="norm">
+        <dgm:alg type="lin"/>
+      </dgm:if>
+      <dgm:else name="Name3">
+        <dgm:alg type="lin">
+          <dgm:param type="linDir" val="fromR"/>
+        </dgm:alg>
+      </dgm:else>
+    </dgm:choose>
+    <dgm:shape xmlns:r="http://schemas.openxmlformats.org/officeDocument/2006/relationships" r:blip="">
+      <dgm:adjLst/>
+    </dgm:shape>
+    <dgm:presOf/>
+    <dgm:constrLst>
+      <dgm:constr type="h" for="ch" forName="composite" refType="h"/>
+      <dgm:constr type="w" for="ch" forName="composite" refType="w"/>
+      <dgm:constr type="w" for="des" forName="parTx"/>
+      <dgm:constr type="h" for="des" forName="parTx" op="equ"/>
+      <dgm:constr type="w" for="des" forName="desTx"/>
+      <dgm:constr type="h" for="des" forName="desTx" op="equ"/>
+      <dgm:constr type="primFontSz" for="des" forName="parTx" val="65"/>
+      <dgm:constr type="secFontSz" for="des" forName="desTx" refType="primFontSz" refFor="des" refForName="parTx" op="equ"/>
+      <dgm:constr type="h" for="des" forName="parTx" refType="primFontSz" refFor="des" refForName="parTx" fact="0.8"/>
+      <dgm:constr type="h" for="des" forName="desTx" refType="primFontSz" refFor="des" refForName="parTx" fact="1.22"/>
+      <dgm:constr type="w" for="ch" forName="space" refType="w" refFor="ch" refForName="composite" op="equ" fact="0.14"/>
+    </dgm:constrLst>
+    <dgm:ruleLst>
+      <dgm:rule type="w" for="ch" forName="composite" val="0" fact="NaN" max="NaN"/>
+      <dgm:rule type="primFontSz" for="des" forName="parTx" val="5" fact="NaN" max="NaN"/>
+    </dgm:ruleLst>
+    <dgm:forEach name="Name4" axis="ch" ptType="node">
+      <dgm:layoutNode name="composite">
+        <dgm:alg type="composite"/>
+        <dgm:shape xmlns:r="http://schemas.openxmlformats.org/officeDocument/2006/relationships" r:blip="">
+          <dgm:adjLst/>
+        </dgm:shape>
+        <dgm:presOf/>
+        <dgm:constrLst>
+          <dgm:constr type="l" for="ch" forName="parTx"/>
+          <dgm:constr type="w" for="ch" forName="parTx" refType="w"/>
+          <dgm:constr type="t" for="ch" forName="parTx"/>
+          <dgm:constr type="l" for="ch" forName="desTx"/>
+          <dgm:constr type="w" for="ch" forName="desTx" refType="w" refFor="ch" refForName="parTx"/>
+          <dgm:constr type="t" for="ch" forName="desTx" refType="h" refFor="ch" refForName="parTx"/>
+        </dgm:constrLst>
+        <dgm:ruleLst>
+          <dgm:rule type="h" val="INF" fact="NaN" max="NaN"/>
+        </dgm:ruleLst>
+        <dgm:layoutNode name="parTx" styleLbl="alignNode1">
+          <dgm:varLst>
+            <dgm:chMax val="0"/>
+            <dgm:chPref val="0"/>
+            <dgm:bulletEnabled val="1"/>
+          </dgm:varLst>
+          <dgm:alg type="tx"/>
+          <dgm:shape xmlns:r="http://schemas.openxmlformats.org/officeDocument/2006/relationships" type="rect" r:blip="">
+            <dgm:adjLst/>
+          </dgm:shape>
+          <dgm:presOf axis="self" ptType="node"/>
+          <dgm:constrLst>
+            <dgm:constr type="h" refType="w" op="lte" fact="0.4"/>
+            <dgm:constr type="h"/>
+            <dgm:constr type="tMarg" refType="primFontSz" fact="0.32"/>
+            <dgm:constr type="bMarg" refType="primFontSz" fact="0.32"/>
+          </dgm:constrLst>
+          <dgm:ruleLst>
+            <dgm:rule type="h" val="INF" fact="NaN" max="NaN"/>
+          </dgm:ruleLst>
+        </dgm:layoutNode>
+        <dgm:layoutNode name="desTx" styleLbl="alignAccFollowNode1">
+          <dgm:varLst>
+            <dgm:bulletEnabled val="1"/>
+          </dgm:varLst>
+          <dgm:alg type="tx">
+            <dgm:param type="stBulletLvl" val="1"/>
+          </dgm:alg>
+          <dgm:shape xmlns:r="http://schemas.openxmlformats.org/officeDocument/2006/relationships" type="rect" r:blip="">
+            <dgm:adjLst/>
+          </dgm:shape>
+          <dgm:presOf axis="des" ptType="node"/>
+          <dgm:constrLst>
+            <dgm:constr type="secFontSz" val="65"/>
+            <dgm:constr type="primFontSz" refType="secFontSz"/>
+            <dgm:constr type="h"/>
+            <dgm:constr type="lMarg" refType="primFontSz" fact="0.42"/>
+            <dgm:constr type="tMarg" refType="primFontSz" fact="0.42"/>
+            <dgm:constr type="bMarg" refType="primFontSz" fact="0.63"/>
+          </dgm:constrLst>
+          <dgm:ruleLst>
+            <dgm:rule type="h" val="INF" fact="NaN" max="NaN"/>
+          </dgm:ruleLst>
+        </dgm:layoutNode>
+      </dgm:layoutNode>
+      <dgm:forEach name="Name5" axis="followSib" ptType="sibTrans" cnt="1">
+        <dgm:layoutNode name="space">
+          <dgm:alg type="sp"/>
+          <dgm:shape xmlns:r="http://schemas.openxmlformats.org/officeDocument/2006/relationships" r:blip="">
+            <dgm:adjLst/>
+          </dgm:shape>
+          <dgm:presOf/>
+          <dgm:constrLst/>
+          <dgm:ruleLst/>
+        </dgm:layoutNode>
+      </dgm:forEach>
+    </dgm:forEach>
+  </dgm:layoutNode>
+</dgm:layoutDef>
+</file>
+
 <file path=ppt/diagrams/quickStyle1.xml><?xml version="1.0" encoding="utf-8"?>
+<dgm:styleDef xmlns:dgm="http://schemas.openxmlformats.org/drawingml/2006/diagram" xmlns:a="http://schemas.openxmlformats.org/drawingml/2006/main" uniqueId="urn:microsoft.com/office/officeart/2005/8/quickstyle/simple1">
+  <dgm:title val=""/>
+  <dgm:desc val=""/>
+  <dgm:catLst>
+    <dgm:cat type="simple" pri="10100"/>
+  </dgm:catLst>
+  <dgm:scene3d>
+    <a:camera prst="orthographicFront"/>
+    <a:lightRig rig="threePt" dir="t"/>
+  </dgm:scene3d>
+  <dgm:styleLbl name="node0">
+    <dgm:scene3d>
+      <a:camera prst="orthographicFront"/>
+      <a:lightRig rig="threePt" dir="t"/>
+    </dgm:scene3d>
+    <dgm:sp3d/>
+    <dgm:txPr/>
+    <dgm:style>
+      <a:lnRef idx="2">
+        <a:scrgbClr r="0" g="0" b="0"/>
+      </a:lnRef>
+      <a:fillRef idx="1">
+        <a:scrgbClr r="0" g="0" b="0"/>
+      </a:fillRef>
+      <a:effectRef idx="0">
+        <a:scrgbClr r="0" g="0" b="0"/>
+      </a:effectRef>
+      <a:fontRef idx="minor">
+        <a:schemeClr val="lt1"/>
+      </a:fontRef>
+    </dgm:style>
+  </dgm:styleLbl>
+  <dgm:styleLbl name="lnNode1">
+    <dgm:scene3d>
+      <a:camera prst="orthographicFront"/>
+      <a:lightRig rig="threePt" dir="t"/>
+    </dgm:scene3d>
+    <dgm:sp3d/>
+    <dgm:txPr/>
+    <dgm:style>
+      <a:lnRef idx="2">
+        <a:scrgbClr r="0" g="0" b="0"/>
+      </a:lnRef>
+      <a:fillRef idx="1">
+        <a:scrgbClr r="0" g="0" b="0"/>
+      </a:fillRef>
+      <a:effectRef idx="0">
+        <a:scrgbClr r="0" g="0" b="0"/>
+      </a:effectRef>
+      <a:fontRef idx="minor">
+        <a:schemeClr val="lt1"/>
+      </a:fontRef>
+    </dgm:style>
+  </dgm:styleLbl>
+  <dgm:styleLbl name="vennNode1">
+    <dgm:scene3d>
+      <a:camera prst="orthographicFront"/>
+      <a:lightRig rig="threePt" dir="t"/>
+    </dgm:scene3d>
+    <dgm:sp3d/>
+    <dgm:txPr/>
+    <dgm:style>
+      <a:lnRef idx="2">
+        <a:scrgbClr r="0" g="0" b="0"/>
+      </a:lnRef>
+      <a:fillRef idx="1">
+        <a:scrgbClr r="0" g="0" b="0"/>
+      </a:fillRef>
+      <a:effectRef idx="0">
+        <a:scrgbClr r="0" g="0" b="0"/>
+      </a:effectRef>
+      <a:fontRef idx="minor">
+        <a:schemeClr val="tx1"/>
+      </a:fontRef>
+    </dgm:style>
+  </dgm:styleLbl>
+  <dgm:styleLbl name="alignNode1">
+    <dgm:scene3d>
+      <a:camera prst="orthographicFront"/>
+      <a:lightRig rig="threePt" dir="t"/>
+    </dgm:scene3d>
+    <dgm:sp3d/>
+    <dgm:txPr/>
+    <dgm:style>
+      <a:lnRef idx="2">
+        <a:scrgbClr r="0" g="0" b="0"/>
+      </a:lnRef>
+      <a:fillRef idx="1">
+        <a:scrgbClr r="0" g="0" b="0"/>
+      </a:fillRef>
+      <a:effectRef idx="0">
+        <a:scrgbClr r="0" g="0" b="0"/>
+      </a:effectRef>
+      <a:fontRef idx="minor">
+        <a:schemeClr val="lt1"/>
+      </a:fontRef>
+    </dgm:style>
+  </dgm:styleLbl>
+  <dgm:styleLbl name="node1">
+    <dgm:scene3d>
+      <a:camera prst="orthographicFront"/>
+      <a:lightRig rig="threePt" dir="t"/>
+    </dgm:scene3d>
+    <dgm:sp3d/>
+    <dgm:txPr/>
+    <dgm:style>
+      <a:lnRef idx="2">
+        <a:scrgbClr r="0" g="0" b="0"/>
+      </a:lnRef>
+      <a:fillRef idx="1">
+        <a:scrgbClr r="0" g="0" b="0"/>
+      </a:fillRef>
+      <a:effectRef idx="0">
+        <a:scrgbClr r="0" g="0" b="0"/>
+      </a:effectRef>
+      <a:fontRef idx="minor">
+        <a:schemeClr val="lt1"/>
+      </a:fontRef>
+    </dgm:style>
+  </dgm:styleLbl>
+  <dgm:styleLbl name="node2">
+    <dgm:scene3d>
+      <a:camera prst="orthographicFront"/>
+      <a:lightRig rig="threePt" dir="t"/>
+    </dgm:scene3d>
+    <dgm:sp3d/>
+    <dgm:txPr/>
+    <dgm:style>
+      <a:lnRef idx="2">
+        <a:scrgbClr r="0" g="0" b="0"/>
+      </a:lnRef>
+      <a:fillRef idx="1">
+        <a:scrgbClr r="0" g="0" b="0"/>
+      </a:fillRef>
+      <a:effectRef idx="0">
+        <a:scrgbClr r="0" g="0" b="0"/>
+      </a:effectRef>
+      <a:fontRef idx="minor">
+        <a:schemeClr val="lt1"/>
+      </a:fontRef>
+    </dgm:style>
+  </dgm:styleLbl>
+  <dgm:styleLbl name="node3">
+    <dgm:scene3d>
+      <a:camera prst="orthographicFront"/>
+      <a:lightRig rig="threePt" dir="t"/>
+    </dgm:scene3d>
+    <dgm:sp3d/>
+    <dgm:txPr/>
+    <dgm:style>
+      <a:lnRef idx="2">
+        <a:scrgbClr r="0" g="0" b="0"/>
+      </a:lnRef>
+      <a:fillRef idx="1">
+        <a:scrgbClr r="0" g="0" b="0"/>
+      </a:fillRef>
+      <a:effectRef idx="0">
+        <a:scrgbClr r="0" g="0" b="0"/>
+      </a:effectRef>
+      <a:fontRef idx="minor">
+        <a:schemeClr val="lt1"/>
+      </a:fontRef>
+    </dgm:style>
+  </dgm:styleLbl>
+  <dgm:styleLbl name="node4">
+    <dgm:scene3d>
+      <a:camera prst="orthographicFront"/>
+      <a:lightRig rig="threePt" dir="t"/>
+    </dgm:scene3d>
+    <dgm:sp3d/>
+    <dgm:txPr/>
+    <dgm:style>
+      <a:lnRef idx="2">
+        <a:scrgbClr r="0" g="0" b="0"/>
+      </a:lnRef>
+      <a:fillRef idx="1">
+        <a:scrgbClr r="0" g="0" b="0"/>
+      </a:fillRef>
+      <a:effectRef idx="0">
+        <a:scrgbClr r="0" g="0" b="0"/>
+      </a:effectRef>
+      <a:fontRef idx="minor">
+        <a:schemeClr val="lt1"/>
+      </a:fontRef>
+    </dgm:style>
+  </dgm:styleLbl>
+  <dgm:styleLbl name="fgImgPlace1">
+    <dgm:scene3d>
+      <a:camera prst="orthographicFront"/>
+      <a:lightRig rig="threePt" dir="t"/>
+    </dgm:scene3d>
+    <dgm:sp3d/>
+    <dgm:txPr/>
+    <dgm:style>
+      <a:lnRef idx="2">
+        <a:scrgbClr r="0" g="0" b="0"/>
+      </a:lnRef>
+      <a:fillRef idx="1">
+        <a:scrgbClr r="0" g="0" b="0"/>
+      </a:fillRef>
+      <a:effectRef idx="0">
+        <a:scrgbClr r="0" g="0" b="0"/>
+      </a:effectRef>
+      <a:fontRef idx="minor"/>
+    </dgm:style>
+  </dgm:styleLbl>
+  <dgm:styleLbl name="alignImgPlace1">
+    <dgm:scene3d>
+      <a:camera prst="orthographicFront"/>
+      <a:lightRig rig="threePt" dir="t"/>
+    </dgm:scene3d>
+    <dgm:sp3d/>
+    <dgm:txPr/>
+    <dgm:style>
+      <a:lnRef idx="2">
+        <a:scrgbClr r="0" g="0" b="0"/>
+      </a:lnRef>
+      <a:fillRef idx="1">
+        <a:scrgbClr r="0" g="0" b="0"/>
+      </a:fillRef>
+      <a:effectRef idx="0">
+        <a:scrgbClr r="0" g="0" b="0"/>
+      </a:effectRef>
+      <a:fontRef idx="minor"/>
+    </dgm:style>
+  </dgm:styleLbl>
+  <dgm:styleLbl name="bgImgPlace1">
+    <dgm:scene3d>
+      <a:camera prst="orthographicFront"/>
+      <a:lightRig rig="threePt" dir="t"/>
+    </dgm:scene3d>
+    <dgm:sp3d/>
+    <dgm:txPr/>
+    <dgm:style>
+      <a:lnRef idx="2">
+        <a:scrgbClr r="0" g="0" b="0"/>
+      </a:lnRef>
+      <a:fillRef idx="1">
+        <a:scrgbClr r="0" g="0" b="0"/>
+      </a:fillRef>
+      <a:effectRef idx="0">
+        <a:scrgbClr r="0" g="0" b="0"/>
+      </a:effectRef>
+      <a:fontRef idx="minor"/>
+    </dgm:style>
+  </dgm:styleLbl>
+  <dgm:styleLbl name="sibTrans2D1">
+    <dgm:scene3d>
+      <a:camera prst="orthographicFront"/>
+      <a:lightRig rig="threePt" dir="t"/>
+    </dgm:scene3d>
+    <dgm:sp3d/>
+    <dgm:txPr/>
+    <dgm:style>
+      <a:lnRef idx="0">
+        <a:scrgbClr r="0" g="0" b="0"/>
+      </a:lnRef>
+      <a:fillRef idx="1">
+        <a:scrgbClr r="0" g="0" b="0"/>
+      </a:fillRef>
+      <a:effectRef idx="0">
+        <a:scrgbClr r="0" g="0" b="0"/>
+      </a:effectRef>
+      <a:fontRef idx="minor">
+        <a:schemeClr val="lt1"/>
+      </a:fontRef>
+    </dgm:style>
+  </dgm:styleLbl>
+  <dgm:styleLbl name="fgSibTrans2D1">
+    <dgm:scene3d>
+      <a:camera prst="orthographicFront"/>
+      <a:lightRig rig="threePt" dir="t"/>
+    </dgm:scene3d>
+    <dgm:sp3d/>
+    <dgm:txPr/>
+    <dgm:style>
+      <a:lnRef idx="0">
+        <a:scrgbClr r="0" g="0" b="0"/>
+      </a:lnRef>
+      <a:fillRef idx="1">
+        <a:scrgbClr r="0" g="0" b="0"/>
+      </a:fillRef>
+      <a:effectRef idx="0">
+        <a:scrgbClr r="0" g="0" b="0"/>
+      </a:effectRef>
+      <a:fontRef idx="minor">
+        <a:schemeClr val="lt1"/>
+      </a:fontRef>
+    </dgm:style>
+  </dgm:styleLbl>
+  <dgm:styleLbl name="bgSibTrans2D1">
+    <dgm:scene3d>
+      <a:camera prst="orthographicFront"/>
+      <a:lightRig rig="threePt" dir="t"/>
+    </dgm:scene3d>
+    <dgm:sp3d/>
+    <dgm:txPr/>
+    <dgm:style>
+      <a:lnRef idx="0">
+        <a:scrgbClr r="0" g="0" b="0"/>
+      </a:lnRef>
+      <a:fillRef idx="1">
+        <a:scrgbClr r="0" g="0" b="0"/>
+      </a:fillRef>
+      <a:effectRef idx="0">
+        <a:scrgbClr r="0" g="0" b="0"/>
+      </a:effectRef>
+      <a:fontRef idx="minor">
+        <a:schemeClr val="lt1"/>
+      </a:fontRef>
+    </dgm:style>
+  </dgm:styleLbl>
+  <dgm:styleLbl name="sibTrans1D1">
+    <dgm:scene3d>
+      <a:camera prst="orthographicFront"/>
+      <a:lightRig rig="threePt" dir="t"/>
+    </dgm:scene3d>
+    <dgm:sp3d/>
+    <dgm:txPr/>
+    <dgm:style>
+      <a:lnRef idx="1">
+        <a:scrgbClr r="0" g="0" b="0"/>
+      </a:lnRef>
+      <a:fillRef idx="0">
+        <a:scrgbClr r="0" g="0" b="0"/>
+      </a:fillRef>
+      <a:effectRef idx="0">
+        <a:scrgbClr r="0" g="0" b="0"/>
+      </a:effectRef>
+      <a:fontRef idx="minor"/>
+    </dgm:style>
+  </dgm:styleLbl>
+  <dgm:styleLbl name="callout">
+    <dgm:scene3d>
+      <a:camera prst="orthographicFront"/>
+      <a:lightRig rig="threePt" dir="t"/>
+    </dgm:scene3d>
+    <dgm:sp3d/>
+    <dgm:txPr/>
+    <dgm:style>
+      <a:lnRef idx="2">
+        <a:scrgbClr r="0" g="0" b="0"/>
+      </a:lnRef>
+      <a:fillRef idx="1">
+        <a:scrgbClr r="0" g="0" b="0"/>
+      </a:fillRef>
+      <a:effectRef idx="0">
+        <a:scrgbClr r="0" g="0" b="0"/>
+      </a:effectRef>
+      <a:fontRef idx="minor"/>
+    </dgm:style>
+  </dgm:styleLbl>
+  <dgm:styleLbl name="asst0">
+    <dgm:scene3d>
+      <a:camera prst="orthographicFront"/>
+      <a:lightRig rig="threePt" dir="t"/>
+    </dgm:scene3d>
+    <dgm:sp3d/>
+    <dgm:txPr/>
+    <dgm:style>
+      <a:lnRef idx="2">
+        <a:scrgbClr r="0" g="0" b="0"/>
+      </a:lnRef>
+      <a:fillRef idx="1">
+        <a:scrgbClr r="0" g="0" b="0"/>
+      </a:fillRef>
+      <a:effectRef idx="0">
+        <a:scrgbClr r="0" g="0" b="0"/>
+      </a:effectRef>
+      <a:fontRef idx="minor">
+        <a:schemeClr val="lt1"/>
+      </a:fontRef>
+    </dgm:style>
+  </dgm:styleLbl>
+  <dgm:styleLbl name="asst1">
+    <dgm:scene3d>
+      <a:camera prst="orthographicFront"/>
+      <a:lightRig rig="threePt" dir="t"/>
+    </dgm:scene3d>
+    <dgm:sp3d/>
+    <dgm:txPr/>
+    <dgm:style>
+      <a:lnRef idx="2">
+        <a:scrgbClr r="0" g="0" b="0"/>
+      </a:lnRef>
+      <a:fillRef idx="1">
+        <a:scrgbClr r="0" g="0" b="0"/>
+      </a:fillRef>
+      <a:effectRef idx="0">
+        <a:scrgbClr r="0" g="0" b="0"/>
+      </a:effectRef>
+      <a:fontRef idx="minor">
+        <a:schemeClr val="lt1"/>
+      </a:fontRef>
+    </dgm:style>
+  </dgm:styleLbl>
+  <dgm:styleLbl name="asst2">
+    <dgm:scene3d>
+      <a:camera prst="orthographicFront"/>
+      <a:lightRig rig="threePt" dir="t"/>
+    </dgm:scene3d>
+    <dgm:sp3d/>
+    <dgm:txPr/>
+    <dgm:style>
+      <a:lnRef idx="2">
+        <a:scrgbClr r="0" g="0" b="0"/>
+      </a:lnRef>
+      <a:fillRef idx="1">
+        <a:scrgbClr r="0" g="0" b="0"/>
+      </a:fillRef>
+      <a:effectRef idx="0">
+        <a:scrgbClr r="0" g="0" b="0"/>
+      </a:effectRef>
+      <a:fontRef idx="minor">
+        <a:schemeClr val="lt1"/>
+      </a:fontRef>
+    </dgm:style>
+  </dgm:styleLbl>
+  <dgm:styleLbl name="asst3">
+    <dgm:scene3d>
+      <a:camera prst="orthographicFront"/>
+      <a:lightRig rig="threePt" dir="t"/>
+    </dgm:scene3d>
+    <dgm:sp3d/>
+    <dgm:txPr/>
+    <dgm:style>
+      <a:lnRef idx="2">
+        <a:scrgbClr r="0" g="0" b="0"/>
+      </a:lnRef>
+      <a:fillRef idx="1">
+        <a:scrgbClr r="0" g="0" b="0"/>
+      </a:fillRef>
+      <a:effectRef idx="0">
+        <a:scrgbClr r="0" g="0" b="0"/>
+      </a:effectRef>
+      <a:fontRef idx="minor">
+        <a:schemeClr val="lt1"/>
+      </a:fontRef>
+    </dgm:style>
+  </dgm:styleLbl>
+  <dgm:styleLbl name="asst4">
+    <dgm:scene3d>
+      <a:camera prst="orthographicFront"/>
+      <a:lightRig rig="threePt" dir="t"/>
+    </dgm:scene3d>
+    <dgm:sp3d/>
+    <dgm:txPr/>
+    <dgm:style>
+      <a:lnRef idx="2">
+        <a:scrgbClr r="0" g="0" b="0"/>
+      </a:lnRef>
+      <a:fillRef idx="1">
+        <a:scrgbClr r="0" g="0" b="0"/>
+      </a:fillRef>
+      <a:effectRef idx="0">
+        <a:scrgbClr r="0" g="0" b="0"/>
+      </a:effectRef>
+      <a:fontRef idx="minor">
+        <a:schemeClr val="lt1"/>
+      </a:fontRef>
+    </dgm:style>
+  </dgm:styleLbl>
+  <dgm:styleLbl name="parChTrans2D1">
+    <dgm:scene3d>
+      <a:camera prst="orthographicFront"/>
+      <a:lightRig rig="threePt" dir="t"/>
+    </dgm:scene3d>
+    <dgm:sp3d/>
+    <dgm:txPr/>
+    <dgm:style>
+      <a:lnRef idx="2">
+        <a:scrgbClr r="0" g="0" b="0"/>
+      </a:lnRef>
+      <a:fillRef idx="1">
+        <a:scrgbClr r="0" g="0" b="0"/>
+      </a:fillRef>
+      <a:effectRef idx="0">
+        <a:scrgbClr r="0" g="0" b="0"/>
+      </a:effectRef>
+      <a:fontRef idx="minor">
+        <a:schemeClr val="lt1"/>
+      </a:fontRef>
+    </dgm:style>
+  </dgm:styleLbl>
+  <dgm:styleLbl name="parChTrans2D2">
+    <dgm:scene3d>
+      <a:camera prst="orthographicFront"/>
+      <a:lightRig rig="threePt" dir="t"/>
+    </dgm:scene3d>
+    <dgm:sp3d/>
+    <dgm:txPr/>
+    <dgm:style>
+      <a:lnRef idx="2">
+        <a:scrgbClr r="0" g="0" b="0"/>
+      </a:lnRef>
+      <a:fillRef idx="1">
+        <a:scrgbClr r="0" g="0" b="0"/>
+      </a:fillRef>
+      <a:effectRef idx="0">
+        <a:scrgbClr r="0" g="0" b="0"/>
+      </a:effectRef>
+      <a:fontRef idx="minor">
+        <a:schemeClr val="lt1"/>
+      </a:fontRef>
+    </dgm:style>
+  </dgm:styleLbl>
+  <dgm:styleLbl name="parChTrans2D3">
+    <dgm:scene3d>
+      <a:camera prst="orthographicFront"/>
+      <a:lightRig rig="threePt" dir="t"/>
+    </dgm:scene3d>
+    <dgm:sp3d/>
+    <dgm:txPr/>
+    <dgm:style>
+      <a:lnRef idx="2">
+        <a:scrgbClr r="0" g="0" b="0"/>
+      </a:lnRef>
+      <a:fillRef idx="1">
+        <a:scrgbClr r="0" g="0" b="0"/>
+      </a:fillRef>
+      <a:effectRef idx="0">
+        <a:scrgbClr r="0" g="0" b="0"/>
+      </a:effectRef>
+      <a:fontRef idx="minor">
+        <a:schemeClr val="lt1"/>
+      </a:fontRef>
+    </dgm:style>
+  </dgm:styleLbl>
+  <dgm:styleLbl name="parChTrans2D4">
+    <dgm:scene3d>
+      <a:camera prst="orthographicFront"/>
+      <a:lightRig rig="threePt" dir="t"/>
+    </dgm:scene3d>
+    <dgm:sp3d/>
+    <dgm:txPr/>
+    <dgm:style>
+      <a:lnRef idx="2">
+        <a:scrgbClr r="0" g="0" b="0"/>
+      </a:lnRef>
+      <a:fillRef idx="1">
+        <a:scrgbClr r="0" g="0" b="0"/>
+      </a:fillRef>
+      <a:effectRef idx="0">
+        <a:scrgbClr r="0" g="0" b="0"/>
+      </a:effectRef>
+      <a:fontRef idx="minor">
+        <a:schemeClr val="lt1"/>
+      </a:fontRef>
+    </dgm:style>
+  </dgm:styleLbl>
+  <dgm:styleLbl name="parChTrans1D1">
+    <dgm:scene3d>
+      <a:camera prst="orthographicFront"/>
+      <a:lightRig rig="threePt" dir="t"/>
+    </dgm:scene3d>
+    <dgm:sp3d/>
+    <dgm:txPr/>
+    <dgm:style>
+      <a:lnRef idx="2">
+        <a:scrgbClr r="0" g="0" b="0"/>
+      </a:lnRef>
+      <a:fillRef idx="0">
+        <a:scrgbClr r="0" g="0" b="0"/>
+      </a:fillRef>
+      <a:effectRef idx="0">
+        <a:scrgbClr r="0" g="0" b="0"/>
+      </a:effectRef>
+      <a:fontRef idx="minor"/>
+    </dgm:style>
+  </dgm:styleLbl>
+  <dgm:styleLbl name="parChTrans1D2">
+    <dgm:scene3d>
+      <a:camera prst="orthographicFront"/>
+      <a:lightRig rig="threePt" dir="t"/>
+    </dgm:scene3d>
+    <dgm:sp3d/>
+    <dgm:txPr/>
+    <dgm:style>
+      <a:lnRef idx="2">
+        <a:scrgbClr r="0" g="0" b="0"/>
+      </a:lnRef>
+      <a:fillRef idx="0">
+        <a:scrgbClr r="0" g="0" b="0"/>
+      </a:fillRef>
+      <a:effectRef idx="0">
+        <a:scrgbClr r="0" g="0" b="0"/>
+      </a:effectRef>
+      <a:fontRef idx="minor"/>
+    </dgm:style>
+  </dgm:styleLbl>
+  <dgm:styleLbl name="parChTrans1D3">
+    <dgm:scene3d>
+      <a:camera prst="orthographicFront"/>
+      <a:lightRig rig="threePt" dir="t"/>
+    </dgm:scene3d>
+    <dgm:sp3d/>
+    <dgm:txPr/>
+    <dgm:style>
+      <a:lnRef idx="2">
+        <a:scrgbClr r="0" g="0" b="0"/>
+      </a:lnRef>
+      <a:fillRef idx="0">
+        <a:scrgbClr r="0" g="0" b="0"/>
+      </a:fillRef>
+      <a:effectRef idx="0">
+        <a:scrgbClr r="0" g="0" b="0"/>
+      </a:effectRef>
+      <a:fontRef idx="minor"/>
+    </dgm:style>
+  </dgm:styleLbl>
+  <dgm:styleLbl name="parChTrans1D4">
+    <dgm:scene3d>
+      <a:camera prst="orthographicFront"/>
+      <a:lightRig rig="threePt" dir="t"/>
+    </dgm:scene3d>
+    <dgm:sp3d/>
+    <dgm:txPr/>
+    <dgm:style>
+      <a:lnRef idx="2">
+        <a:scrgbClr r="0" g="0" b="0"/>
+      </a:lnRef>
+      <a:fillRef idx="0">
+        <a:scrgbClr r="0" g="0" b="0"/>
+      </a:fillRef>
+      <a:effectRef idx="0">
+        <a:scrgbClr r="0" g="0" b="0"/>
+      </a:effectRef>
+      <a:fontRef idx="minor"/>
+    </dgm:style>
+  </dgm:styleLbl>
+  <dgm:styleLbl name="fgAcc1">
+    <dgm:scene3d>
+      <a:camera prst="orthographicFront"/>
+      <a:lightRig rig="threePt" dir="t"/>
+    </dgm:scene3d>
+    <dgm:sp3d/>
+    <dgm:txPr/>
+    <dgm:style>
+      <a:lnRef idx="2">
+        <a:scrgbClr r="0" g="0" b="0"/>
+      </a:lnRef>
+      <a:fillRef idx="1">
+        <a:scrgbClr r="0" g="0" b="0"/>
+      </a:fillRef>
+      <a:effectRef idx="0">
+        <a:scrgbClr r="0" g="0" b="0"/>
+      </a:effectRef>
+      <a:fontRef idx="minor"/>
+    </dgm:style>
+  </dgm:styleLbl>
+  <dgm:styleLbl name="conFgAcc1">
+    <dgm:scene3d>
+      <a:camera prst="orthographicFront"/>
+      <a:lightRig rig="threePt" dir="t"/>
+    </dgm:scene3d>
+    <dgm:sp3d/>
+    <dgm:txPr/>
+    <dgm:style>
+      <a:lnRef idx="2">
+        <a:scrgbClr r="0" g="0" b="0"/>
+      </a:lnRef>
+      <a:fillRef idx="1">
+        <a:scrgbClr r="0" g="0" b="0"/>
+      </a:fillRef>
+      <a:effectRef idx="0">
+        <a:scrgbClr r="0" g="0" b="0"/>
+      </a:effectRef>
+      <a:fontRef idx="minor"/>
+    </dgm:style>
+  </dgm:styleLbl>
+  <dgm:styleLbl name="alignAcc1">
+    <dgm:scene3d>
+      <a:camera prst="orthographicFront"/>
+      <a:lightRig rig="threePt" dir="t"/>
+    </dgm:scene3d>
+    <dgm:sp3d/>
+    <dgm:txPr/>
+    <dgm:style>
+      <a:lnRef idx="2">
+        <a:scrgbClr r="0" g="0" b="0"/>
+      </a:lnRef>
+      <a:fillRef idx="1">
+        <a:scrgbClr r="0" g="0" b="0"/>
+      </a:fillRef>
+      <a:effectRef idx="0">
+        <a:scrgbClr r="0" g="0" b="0"/>
+      </a:effectRef>
+      <a:fontRef idx="minor"/>
+    </dgm:style>
+  </dgm:styleLbl>
+  <dgm:styleLbl name="trAlignAcc1">
+    <dgm:scene3d>
+      <a:camera prst="orthographicFront"/>
+      <a:lightRig rig="threePt" dir="t"/>
+    </dgm:scene3d>
+    <dgm:sp3d/>
+    <dgm:txPr/>
+    <dgm:style>
+      <a:lnRef idx="1">
+        <a:scrgbClr r="0" g="0" b="0"/>
+      </a:lnRef>
+      <a:fillRef idx="1">
+        <a:scrgbClr r="0" g="0" b="0"/>
+      </a:fillRef>
+      <a:effectRef idx="0">
+        <a:scrgbClr r="0" g="0" b="0"/>
+      </a:effectRef>
+      <a:fontRef idx="minor"/>
+    </dgm:style>
+  </dgm:styleLbl>
+  <dgm:styleLbl name="bgAcc1">
+    <dgm:scene3d>
+      <a:camera prst="orthographicFront"/>
+      <a:lightRig rig="threePt" dir="t"/>
+    </dgm:scene3d>
+    <dgm:sp3d/>
+    <dgm:txPr/>
+    <dgm:style>
+      <a:lnRef idx="2">
+        <a:scrgbClr r="0" g="0" b="0"/>
+      </a:lnRef>
+      <a:fillRef idx="1">
+        <a:scrgbClr r="0" g="0" b="0"/>
+      </a:fillRef>
+      <a:effectRef idx="0">
+        <a:scrgbClr r="0" g="0" b="0"/>
+      </a:effectRef>
+      <a:fontRef idx="minor"/>
+    </dgm:style>
+  </dgm:styleLbl>
+  <dgm:styleLbl name="solidFgAcc1">
+    <dgm:scene3d>
+      <a:camera prst="orthographicFront"/>
+      <a:lightRig rig="threePt" dir="t"/>
+    </dgm:scene3d>
+    <dgm:sp3d/>
+    <dgm:txPr/>
+    <dgm:style>
+      <a:lnRef idx="2">
+        <a:scrgbClr r="0" g="0" b="0"/>
+      </a:lnRef>
+      <a:fillRef idx="1">
+        <a:scrgbClr r="0" g="0" b="0"/>
+      </a:fillRef>
+      <a:effectRef idx="0">
+        <a:scrgbClr r="0" g="0" b="0"/>
+      </a:effectRef>
+      <a:fontRef idx="minor"/>
+    </dgm:style>
+  </dgm:styleLbl>
+  <dgm:styleLbl name="solidAlignAcc1">
+    <dgm:scene3d>
+      <a:camera prst="orthographicFront"/>
+      <a:lightRig rig="threePt" dir="t"/>
+    </dgm:scene3d>
+    <dgm:sp3d/>
+    <dgm:txPr/>
+    <dgm:style>
+      <a:lnRef idx="2">
+        <a:scrgbClr r="0" g="0" b="0"/>
+      </a:lnRef>
+      <a:fillRef idx="1">
+        <a:scrgbClr r="0" g="0" b="0"/>
+      </a:fillRef>
+      <a:effectRef idx="0">
+        <a:scrgbClr r="0" g="0" b="0"/>
+      </a:effectRef>
+      <a:fontRef idx="minor"/>
+    </dgm:style>
+  </dgm:styleLbl>
+  <dgm:styleLbl name="solidBgAcc1">
+    <dgm:scene3d>
+      <a:camera prst="orthographicFront"/>
+      <a:lightRig rig="threePt" dir="t"/>
+    </dgm:scene3d>
+    <dgm:sp3d/>
+    <dgm:txPr/>
+    <dgm:style>
+      <a:lnRef idx="2">
+        <a:scrgbClr r="0" g="0" b="0"/>
+      </a:lnRef>
+      <a:fillRef idx="1">
+        <a:scrgbClr r="0" g="0" b="0"/>
+      </a:fillRef>
+      <a:effectRef idx="0">
+        <a:scrgbClr r="0" g="0" b="0"/>
+      </a:effectRef>
+      <a:fontRef idx="minor"/>
+    </dgm:style>
+  </dgm:styleLbl>
+  <dgm:styleLbl name="fgAccFollowNode1">
+    <dgm:scene3d>
+      <a:camera prst="orthographicFront"/>
+      <a:lightRig rig="threePt" dir="t"/>
+    </dgm:scene3d>
+    <dgm:sp3d/>
+    <dgm:txPr/>
+    <dgm:style>
+      <a:lnRef idx="2">
+        <a:scrgbClr r="0" g="0" b="0"/>
+      </a:lnRef>
+      <a:fillRef idx="1">
+        <a:scrgbClr r="0" g="0" b="0"/>
+      </a:fillRef>
+      <a:effectRef idx="0">
+        <a:scrgbClr r="0" g="0" b="0"/>
+      </a:effectRef>
+      <a:fontRef idx="minor"/>
+    </dgm:style>
+  </dgm:styleLbl>
+  <dgm:styleLbl name="alignAccFollowNode1">
+    <dgm:scene3d>
+      <a:camera prst="orthographicFront"/>
+      <a:lightRig rig="threePt" dir="t"/>
+    </dgm:scene3d>
+    <dgm:sp3d/>
+    <dgm:txPr/>
+    <dgm:style>
+      <a:lnRef idx="2">
+        <a:scrgbClr r="0" g="0" b="0"/>
+      </a:lnRef>
+      <a:fillRef idx="1">
+        <a:scrgbClr r="0" g="0" b="0"/>
+      </a:fillRef>
+      <a:effectRef idx="0">
+        <a:scrgbClr r="0" g="0" b="0"/>
+      </a:effectRef>
+      <a:fontRef idx="minor"/>
+    </dgm:style>
+  </dgm:styleLbl>
+  <dgm:styleLbl name="bgAccFollowNode1">
+    <dgm:scene3d>
+      <a:camera prst="orthographicFront"/>
+      <a:lightRig rig="threePt" dir="t"/>
+    </dgm:scene3d>
+    <dgm:sp3d/>
+    <dgm:txPr/>
+    <dgm:style>
+      <a:lnRef idx="2">
+        <a:scrgbClr r="0" g="0" b="0"/>
+      </a:lnRef>
+      <a:fillRef idx="1">
+        <a:scrgbClr r="0" g="0" b="0"/>
+      </a:fillRef>
+      <a:effectRef idx="0">
+        <a:scrgbClr r="0" g="0" b="0"/>
+      </a:effectRef>
+      <a:fontRef idx="minor"/>
+    </dgm:style>
+  </dgm:styleLbl>
+  <dgm:styleLbl name="fgAcc0">
+    <dgm:scene3d>
+      <a:camera prst="orthographicFront"/>
+      <a:lightRig rig="threePt" dir="t"/>
+    </dgm:scene3d>
+    <dgm:sp3d/>
+    <dgm:txPr/>
+    <dgm:style>
+      <a:lnRef idx="2">
+        <a:scrgbClr r="0" g="0" b="0"/>
+      </a:lnRef>
+      <a:fillRef idx="1">
+        <a:scrgbClr r="0" g="0" b="0"/>
+      </a:fillRef>
+      <a:effectRef idx="0">
+        <a:scrgbClr r="0" g="0" b="0"/>
+      </a:effectRef>
+      <a:fontRef idx="minor"/>
+    </dgm:style>
+  </dgm:styleLbl>
+  <dgm:styleLbl name="fgAcc2">
+    <dgm:scene3d>
+      <a:camera prst="orthographicFront"/>
+      <a:lightRig rig="threePt" dir="t"/>
+    </dgm:scene3d>
+    <dgm:sp3d/>
+    <dgm:txPr/>
+    <dgm:style>
+      <a:lnRef idx="2">
+        <a:scrgbClr r="0" g="0" b="0"/>
+      </a:lnRef>
+      <a:fillRef idx="1">
+        <a:scrgbClr r="0" g="0" b="0"/>
+      </a:fillRef>
+      <a:effectRef idx="0">
+        <a:scrgbClr r="0" g="0" b="0"/>
+      </a:effectRef>
+      <a:fontRef idx="minor"/>
+    </dgm:style>
+  </dgm:styleLbl>
+  <dgm:styleLbl name="fgAcc3">
+    <dgm:scene3d>
+      <a:camera prst="orthographicFront"/>
+      <a:lightRig rig="threePt" dir="t"/>
+    </dgm:scene3d>
+    <dgm:sp3d/>
+    <dgm:txPr/>
+    <dgm:style>
+      <a:lnRef idx="2">
+        <a:scrgbClr r="0" g="0" b="0"/>
+      </a:lnRef>
+      <a:fillRef idx="1">
+        <a:scrgbClr r="0" g="0" b="0"/>
+      </a:fillRef>
+      <a:effectRef idx="0">
+        <a:scrgbClr r="0" g="0" b="0"/>
+      </a:effectRef>
+      <a:fontRef idx="minor"/>
+    </dgm:style>
+  </dgm:styleLbl>
+  <dgm:styleLbl name="fgAcc4">
+    <dgm:scene3d>
+      <a:camera prst="orthographicFront"/>
+      <a:lightRig rig="threePt" dir="t"/>
+    </dgm:scene3d>
+    <dgm:sp3d/>
+    <dgm:txPr/>
+    <dgm:style>
+      <a:lnRef idx="2">
+        <a:scrgbClr r="0" g="0" b="0"/>
+      </a:lnRef>
+      <a:fillRef idx="1">
+        <a:scrgbClr r="0" g="0" b="0"/>
+      </a:fillRef>
+      <a:effectRef idx="0">
+        <a:scrgbClr r="0" g="0" b="0"/>
+      </a:effectRef>
+      <a:fontRef idx="minor"/>
+    </dgm:style>
+  </dgm:styleLbl>
+  <dgm:styleLbl name="bgShp">
+    <dgm:scene3d>
+      <a:camera prst="orthographicFront"/>
+      <a:lightRig rig="threePt" dir="t"/>
+    </dgm:scene3d>
+    <dgm:sp3d/>
+    <dgm:txPr/>
+    <dgm:style>
+      <a:lnRef idx="0">
+        <a:scrgbClr r="0" g="0" b="0"/>
+      </a:lnRef>
+      <a:fillRef idx="1">
+        <a:scrgbClr r="0" g="0" b="0"/>
+      </a:fillRef>
+      <a:effectRef idx="0">
+        <a:scrgbClr r="0" g="0" b="0"/>
+      </a:effectRef>
+      <a:fontRef idx="minor"/>
+    </dgm:style>
+  </dgm:styleLbl>
+  <dgm:styleLbl name="dkBgShp">
+    <dgm:scene3d>
+      <a:camera prst="orthographicFront"/>
+      <a:lightRig rig="threePt" dir="t"/>
+    </dgm:scene3d>
+    <dgm:sp3d/>
+    <dgm:txPr/>
+    <dgm:style>
+      <a:lnRef idx="0">
+        <a:scrgbClr r="0" g="0" b="0"/>
+      </a:lnRef>
+      <a:fillRef idx="1">
+        <a:scrgbClr r="0" g="0" b="0"/>
+      </a:fillRef>
+      <a:effectRef idx="0">
+        <a:scrgbClr r="0" g="0" b="0"/>
+      </a:effectRef>
+      <a:fontRef idx="minor"/>
+    </dgm:style>
+  </dgm:styleLbl>
+  <dgm:styleLbl name="trBgShp">
+    <dgm:scene3d>
+      <a:camera prst="orthographicFront"/>
+      <a:lightRig rig="threePt" dir="t"/>
+    </dgm:scene3d>
+    <dgm:sp3d/>
+    <dgm:txPr/>
+    <dgm:style>
+      <a:lnRef idx="0">
+        <a:scrgbClr r="0" g="0" b="0"/>
+      </a:lnRef>
+      <a:fillRef idx="1">
+        <a:scrgbClr r="0" g="0" b="0"/>
+      </a:fillRef>
+      <a:effectRef idx="0">
+        <a:scrgbClr r="0" g="0" b="0"/>
+      </a:effectRef>
+      <a:fontRef idx="minor"/>
+    </dgm:style>
+  </dgm:styleLbl>
+  <dgm:styleLbl name="fgShp">
+    <dgm:scene3d>
+      <a:camera prst="orthographicFront"/>
+      <a:lightRig rig="threePt" dir="t"/>
+    </dgm:scene3d>
+    <dgm:sp3d/>
+    <dgm:txPr/>
+    <dgm:style>
+      <a:lnRef idx="2">
+        <a:scrgbClr r="0" g="0" b="0"/>
+      </a:lnRef>
+      <a:fillRef idx="1">
+        <a:scrgbClr r="0" g="0" b="0"/>
+      </a:fillRef>
+      <a:effectRef idx="0">
+        <a:scrgbClr r="0" g="0" b="0"/>
+      </a:effectRef>
+      <a:fontRef idx="minor"/>
+    </dgm:style>
+  </dgm:styleLbl>
+  <dgm:styleLbl name="revTx">
+    <dgm:scene3d>
+      <a:camera prst="orthographicFront"/>
+      <a:lightRig rig="threePt" dir="t"/>
+    </dgm:scene3d>
+    <dgm:sp3d/>
+    <dgm:txPr/>
+    <dgm:style>
+      <a:lnRef idx="0">
+        <a:scrgbClr r="0" g="0" b="0"/>
+      </a:lnRef>
+      <a:fillRef idx="0">
+        <a:scrgbClr r="0" g="0" b="0"/>
+      </a:fillRef>
+      <a:effectRef idx="0">
+        <a:scrgbClr r="0" g="0" b="0"/>
+      </a:effectRef>
+      <a:fontRef idx="minor"/>
+    </dgm:style>
+  </dgm:styleLbl>
+</dgm:styleDef>
+</file>
+
+<file path=ppt/diagrams/quickStyle2.xml><?xml version="1.0" encoding="utf-8"?>
 <dgm:styleDef xmlns:dgm="http://schemas.openxmlformats.org/drawingml/2006/diagram" xmlns:a="http://schemas.openxmlformats.org/drawingml/2006/main" uniqueId="urn:microsoft.com/office/officeart/2005/8/quickstyle/simple1">
   <dgm:title val=""/>
   <dgm:desc val=""/>
@@ -3994,7 +8361,7 @@
           <a:p>
             <a:fld id="{858789CB-A6B6-7344-A385-F17046100C2C}" type="datetimeFigureOut">
               <a:rPr lang="en-US" smtClean="0"/>
-              <a:t>4/27/24</a:t>
+              <a:t>5/5/24</a:t>
             </a:fld>
             <a:endParaRPr lang="en-US"/>
           </a:p>
@@ -4430,7 +8797,7 @@
           <a:p>
             <a:fld id="{373F4D34-7C8F-1547-AC59-F2078F1B169D}" type="datetime1">
               <a:rPr lang="en-CA" smtClean="0"/>
-              <a:t>2024-04-27</a:t>
+              <a:t>2024-05-05</a:t>
             </a:fld>
             <a:endParaRPr lang="en-US" dirty="0"/>
           </a:p>
@@ -4760,7 +9127,7 @@
           <a:p>
             <a:fld id="{9FF481D6-72ED-294A-AA8D-DC8106617E3A}" type="datetime1">
               <a:rPr lang="en-CA" smtClean="0"/>
-              <a:t>2024-04-27</a:t>
+              <a:t>2024-05-05</a:t>
             </a:fld>
             <a:endParaRPr lang="en-US" dirty="0"/>
           </a:p>
@@ -4939,7 +9306,7 @@
           <a:p>
             <a:fld id="{BF485AD5-94A8-B84D-B03D-CEDA7CB8DE87}" type="datetime1">
               <a:rPr lang="en-CA" smtClean="0"/>
-              <a:t>2024-04-27</a:t>
+              <a:t>2024-05-05</a:t>
             </a:fld>
             <a:endParaRPr lang="en-US" dirty="0"/>
           </a:p>
@@ -5108,7 +9475,7 @@
           <a:p>
             <a:fld id="{32C5AFA2-60D3-1541-9F8F-E6578B4D1E81}" type="datetime1">
               <a:rPr lang="en-CA" smtClean="0"/>
-              <a:t>2024-04-27</a:t>
+              <a:t>2024-05-05</a:t>
             </a:fld>
             <a:endParaRPr lang="en-US" dirty="0"/>
           </a:p>
@@ -5384,7 +9751,7 @@
           <a:p>
             <a:fld id="{C2B0F9E3-A125-304C-9EB9-24B15BF44460}" type="datetime1">
               <a:rPr lang="en-CA" smtClean="0"/>
-              <a:t>2024-04-27</a:t>
+              <a:t>2024-05-05</a:t>
             </a:fld>
             <a:endParaRPr lang="en-US" dirty="0"/>
           </a:p>
@@ -5778,7 +10145,7 @@
           <a:p>
             <a:fld id="{1AB82E49-DF91-D54E-847C-10FB19C5515E}" type="datetime1">
               <a:rPr lang="en-CA" smtClean="0"/>
-              <a:t>2024-04-27</a:t>
+              <a:t>2024-05-05</a:t>
             </a:fld>
             <a:endParaRPr lang="en-US" dirty="0"/>
           </a:p>
@@ -6254,7 +10621,7 @@
           <a:p>
             <a:fld id="{C8E9E126-D282-934A-AB5F-E0309B4E46BE}" type="datetime1">
               <a:rPr lang="en-CA" smtClean="0"/>
-              <a:t>2024-04-27</a:t>
+              <a:t>2024-05-05</a:t>
             </a:fld>
             <a:endParaRPr lang="en-US" dirty="0"/>
           </a:p>
@@ -6371,7 +10738,7 @@
           <a:p>
             <a:fld id="{F63E0DC3-9A0D-E14B-8F74-64B62ECAFC89}" type="datetime1">
               <a:rPr lang="en-CA" smtClean="0"/>
-              <a:t>2024-04-27</a:t>
+              <a:t>2024-05-05</a:t>
             </a:fld>
             <a:endParaRPr lang="en-US" dirty="0"/>
           </a:p>
@@ -6465,7 +10832,7 @@
           <a:p>
             <a:fld id="{F5181309-3156-8A4F-98FE-11EB4A7E4C4D}" type="datetime1">
               <a:rPr lang="en-CA" smtClean="0"/>
-              <a:t>2024-04-27</a:t>
+              <a:t>2024-05-05</a:t>
             </a:fld>
             <a:endParaRPr lang="en-US" dirty="0"/>
           </a:p>
@@ -6810,7 +11177,7 @@
           <a:p>
             <a:fld id="{C5BE8D80-B1DF-984B-96CF-4997B59612F2}" type="datetime1">
               <a:rPr lang="en-CA" smtClean="0"/>
-              <a:t>2024-04-27</a:t>
+              <a:t>2024-05-05</a:t>
             </a:fld>
             <a:endParaRPr lang="en-US" dirty="0"/>
           </a:p>
@@ -7198,7 +11565,7 @@
           <a:p>
             <a:fld id="{FE4C8A48-1DB1-1F46-A712-68A2968C070E}" type="datetime1">
               <a:rPr lang="en-CA" smtClean="0"/>
-              <a:t>2024-04-27</a:t>
+              <a:t>2024-05-05</a:t>
             </a:fld>
             <a:endParaRPr lang="en-US" dirty="0"/>
           </a:p>
@@ -7476,7 +11843,7 @@
           <a:p>
             <a:fld id="{1C26BF3C-FA1B-8840-9D04-6D931E1AF381}" type="datetime1">
               <a:rPr lang="en-CA" smtClean="0"/>
-              <a:t>2024-04-27</a:t>
+              <a:t>2024-05-05</a:t>
             </a:fld>
             <a:endParaRPr lang="en-US" dirty="0"/>
           </a:p>
@@ -8327,6 +12694,14 @@
 <file path=ppt/slides/slide3.xml><?xml version="1.0" encoding="utf-8"?>
 <p:sld xmlns:a="http://schemas.openxmlformats.org/drawingml/2006/main" xmlns:r="http://schemas.openxmlformats.org/officeDocument/2006/relationships" xmlns:p="http://schemas.openxmlformats.org/presentationml/2006/main">
   <p:cSld>
+    <p:bg>
+      <p:bgPr>
+        <a:solidFill>
+          <a:schemeClr val="bg2"/>
+        </a:solidFill>
+        <a:effectLst/>
+      </p:bgPr>
+    </p:bg>
     <p:spTree>
       <p:nvGrpSpPr>
         <p:cNvPr id="1" name=""/>
@@ -8357,9 +12732,16 @@
             <p:ph type="title"/>
           </p:nvPr>
         </p:nvSpPr>
-        <p:spPr/>
+        <p:spPr>
+          <a:xfrm>
+            <a:off x="1371600" y="685800"/>
+            <a:ext cx="9601200" cy="1485900"/>
+          </a:xfrm>
+        </p:spPr>
         <p:txBody>
-          <a:bodyPr/>
+          <a:bodyPr>
+            <a:normAutofit/>
+          </a:bodyPr>
           <a:lstStyle/>
           <a:p>
             <a:r>
@@ -8391,37 +12773,6 @@
       </p:sp>
       <p:sp>
         <p:nvSpPr>
-          <p:cNvPr id="3" name="Content Placeholder 2">
-            <a:extLst>
-              <a:ext uri="{FF2B5EF4-FFF2-40B4-BE49-F238E27FC236}">
-                <a16:creationId xmlns:a16="http://schemas.microsoft.com/office/drawing/2014/main" id="{460F43C3-2F63-6D94-99FA-3716776B4568}"/>
-              </a:ext>
-            </a:extLst>
-          </p:cNvPr>
-          <p:cNvSpPr>
-            <a:spLocks noGrp="1"/>
-          </p:cNvSpPr>
-          <p:nvPr>
-            <p:ph idx="1"/>
-          </p:nvPr>
-        </p:nvSpPr>
-        <p:spPr/>
-        <p:txBody>
-          <a:bodyPr/>
-          <a:lstStyle/>
-          <a:p>
-            <a:r>
-              <a:rPr lang="en-US" dirty="0"/>
-              <a:t>Economic Data</a:t>
-            </a:r>
-          </a:p>
-          <a:p>
-            <a:endParaRPr lang="en-US" dirty="0"/>
-          </a:p>
-        </p:txBody>
-      </p:sp>
-      <p:sp>
-        <p:nvSpPr>
           <p:cNvPr id="4" name="Footer Placeholder 3">
             <a:extLst>
               <a:ext uri="{FF2B5EF4-FFF2-40B4-BE49-F238E27FC236}">
@@ -8438,15 +12789,21 @@
         </p:nvSpPr>
         <p:spPr>
           <a:xfrm>
-            <a:off x="2955585" y="6453386"/>
+            <a:off x="2893564" y="6453386"/>
             <a:ext cx="6280830" cy="404614"/>
           </a:xfrm>
         </p:spPr>
         <p:txBody>
-          <a:bodyPr/>
+          <a:bodyPr>
+            <a:normAutofit/>
+          </a:bodyPr>
           <a:lstStyle/>
           <a:p>
-            <a:pPr algn="ctr"/>
+            <a:pPr>
+              <a:spcAft>
+                <a:spcPts val="600"/>
+              </a:spcAft>
+            </a:pPr>
             <a:r>
               <a:rPr lang="en-US" spc="300" dirty="0">
                 <a:latin typeface="Smiley Sans Oblique" pitchFamily="2" charset="-122"/>
@@ -8454,9 +12811,44 @@
               </a:rPr>
               <a:t>©️Chartist RaphaelZ</a:t>
             </a:r>
+            <a:endParaRPr lang="en-US" spc="300">
+              <a:latin typeface="Smiley Sans Oblique" pitchFamily="2" charset="-122"/>
+              <a:ea typeface="Smiley Sans Oblique" pitchFamily="2" charset="-122"/>
+            </a:endParaRPr>
           </a:p>
         </p:txBody>
       </p:sp>
+      <p:graphicFrame>
+        <p:nvGraphicFramePr>
+          <p:cNvPr id="6" name="Content Placeholder 2">
+            <a:extLst>
+              <a:ext uri="{FF2B5EF4-FFF2-40B4-BE49-F238E27FC236}">
+                <a16:creationId xmlns:a16="http://schemas.microsoft.com/office/drawing/2014/main" id="{95ADC5FA-4C39-FDFE-DF9F-698AA0F12CBA}"/>
+              </a:ext>
+            </a:extLst>
+          </p:cNvPr>
+          <p:cNvGraphicFramePr>
+            <a:graphicFrameLocks noGrp="1"/>
+          </p:cNvGraphicFramePr>
+          <p:nvPr>
+            <p:ph idx="1"/>
+            <p:extLst>
+              <p:ext uri="{D42A27DB-BD31-4B8C-83A1-F6EECF244321}">
+                <p14:modId xmlns:p14="http://schemas.microsoft.com/office/powerpoint/2010/main" val="2241570357"/>
+              </p:ext>
+            </p:extLst>
+          </p:nvPr>
+        </p:nvGraphicFramePr>
+        <p:xfrm>
+          <a:off x="1371600" y="2286000"/>
+          <a:ext cx="9601200" cy="3581400"/>
+        </p:xfrm>
+        <a:graphic>
+          <a:graphicData uri="http://schemas.openxmlformats.org/drawingml/2006/diagram">
+            <dgm:relIds xmlns:dgm="http://schemas.openxmlformats.org/drawingml/2006/diagram" xmlns:r="http://schemas.openxmlformats.org/officeDocument/2006/relationships" r:dm="rId2" r:lo="rId3" r:qs="rId4" r:cs="rId5"/>
+          </a:graphicData>
+        </a:graphic>
+      </p:graphicFrame>
     </p:spTree>
     <p:extLst>
       <p:ext uri="{BB962C8B-B14F-4D97-AF65-F5344CB8AC3E}">
@@ -8558,7 +12950,25 @@
           <a:p>
             <a:r>
               <a:rPr lang="en-US" dirty="0"/>
-              <a:t>Economic Data</a:t>
+              <a:t>Interest rates</a:t>
+            </a:r>
+          </a:p>
+          <a:p>
+            <a:r>
+              <a:rPr lang="en-US" dirty="0"/>
+              <a:t>Open market operations</a:t>
+            </a:r>
+          </a:p>
+          <a:p>
+            <a:r>
+              <a:rPr lang="en-US" dirty="0"/>
+              <a:t>Reserve requirements</a:t>
+            </a:r>
+          </a:p>
+          <a:p>
+            <a:r>
+              <a:rPr lang="en-US" dirty="0"/>
+              <a:t>Quantitative easing</a:t>
             </a:r>
           </a:p>
           <a:p>
